--- a/Controlling/PREP_KirchenchorPollhamV1.3.pptx
+++ b/Controlling/PREP_KirchenchorPollhamV1.3.pptx
@@ -6,8 +6,9 @@
   </p:sldMasterIdLst>
   <p:sldIdLst>
     <p:sldId id="259" r:id="rId2"/>
-    <p:sldId id="261" r:id="rId3"/>
-    <p:sldId id="260" r:id="rId4"/>
+    <p:sldId id="262" r:id="rId3"/>
+    <p:sldId id="261" r:id="rId4"/>
+    <p:sldId id="260" r:id="rId5"/>
   </p:sldIdLst>
   <p:sldSz cx="9144000" cy="6858000" type="screen4x3"/>
   <p:notesSz cx="6858000" cy="9144000"/>
@@ -123,6 +124,10 @@
     </p:ext>
   </p:extLst>
 </p:presentation>
+</file>
+
+<file path=ppt/revisionInfo.xml><?xml version="1.0" encoding="utf-8"?>
+<p1510:revInfo xmlns:a="http://schemas.openxmlformats.org/drawingml/2006/main" xmlns:r="http://schemas.openxmlformats.org/officeDocument/2006/relationships" xmlns:p1510="http://schemas.microsoft.com/office/powerpoint/2015/10/main"/>
 </file>
 
 <file path=ppt/slideLayouts/slideLayout1.xml><?xml version="1.0" encoding="utf-8"?>
@@ -307,7 +312,7 @@
             <a:fld id="{D709D4B5-A3A0-4A27-B5A0-AB59E3B4F676}" type="datetimeFigureOut">
               <a:rPr lang="de-DE" smtClean="0"/>
               <a:pPr/>
-              <a:t>19.04.2017</a:t>
+              <a:t>03.06.2017</a:t>
             </a:fld>
             <a:endParaRPr lang="de-AT"/>
           </a:p>
@@ -474,7 +479,7 @@
             <a:fld id="{D709D4B5-A3A0-4A27-B5A0-AB59E3B4F676}" type="datetimeFigureOut">
               <a:rPr lang="de-DE" smtClean="0"/>
               <a:pPr/>
-              <a:t>19.04.2017</a:t>
+              <a:t>03.06.2017</a:t>
             </a:fld>
             <a:endParaRPr lang="de-AT"/>
           </a:p>
@@ -651,7 +656,7 @@
             <a:fld id="{D709D4B5-A3A0-4A27-B5A0-AB59E3B4F676}" type="datetimeFigureOut">
               <a:rPr lang="de-DE" smtClean="0"/>
               <a:pPr/>
-              <a:t>19.04.2017</a:t>
+              <a:t>03.06.2017</a:t>
             </a:fld>
             <a:endParaRPr lang="de-AT"/>
           </a:p>
@@ -818,7 +823,7 @@
             <a:fld id="{D709D4B5-A3A0-4A27-B5A0-AB59E3B4F676}" type="datetimeFigureOut">
               <a:rPr lang="de-DE" smtClean="0"/>
               <a:pPr/>
-              <a:t>19.04.2017</a:t>
+              <a:t>03.06.2017</a:t>
             </a:fld>
             <a:endParaRPr lang="de-AT"/>
           </a:p>
@@ -1061,7 +1066,7 @@
             <a:fld id="{D709D4B5-A3A0-4A27-B5A0-AB59E3B4F676}" type="datetimeFigureOut">
               <a:rPr lang="de-DE" smtClean="0"/>
               <a:pPr/>
-              <a:t>19.04.2017</a:t>
+              <a:t>03.06.2017</a:t>
             </a:fld>
             <a:endParaRPr lang="de-AT"/>
           </a:p>
@@ -1346,7 +1351,7 @@
             <a:fld id="{D709D4B5-A3A0-4A27-B5A0-AB59E3B4F676}" type="datetimeFigureOut">
               <a:rPr lang="de-DE" smtClean="0"/>
               <a:pPr/>
-              <a:t>19.04.2017</a:t>
+              <a:t>03.06.2017</a:t>
             </a:fld>
             <a:endParaRPr lang="de-AT"/>
           </a:p>
@@ -1765,7 +1770,7 @@
             <a:fld id="{D709D4B5-A3A0-4A27-B5A0-AB59E3B4F676}" type="datetimeFigureOut">
               <a:rPr lang="de-DE" smtClean="0"/>
               <a:pPr/>
-              <a:t>19.04.2017</a:t>
+              <a:t>03.06.2017</a:t>
             </a:fld>
             <a:endParaRPr lang="de-AT"/>
           </a:p>
@@ -1880,7 +1885,7 @@
             <a:fld id="{D709D4B5-A3A0-4A27-B5A0-AB59E3B4F676}" type="datetimeFigureOut">
               <a:rPr lang="de-DE" smtClean="0"/>
               <a:pPr/>
-              <a:t>19.04.2017</a:t>
+              <a:t>03.06.2017</a:t>
             </a:fld>
             <a:endParaRPr lang="de-AT"/>
           </a:p>
@@ -1972,7 +1977,7 @@
             <a:fld id="{D709D4B5-A3A0-4A27-B5A0-AB59E3B4F676}" type="datetimeFigureOut">
               <a:rPr lang="de-DE" smtClean="0"/>
               <a:pPr/>
-              <a:t>19.04.2017</a:t>
+              <a:t>03.06.2017</a:t>
             </a:fld>
             <a:endParaRPr lang="de-AT"/>
           </a:p>
@@ -2246,7 +2251,7 @@
             <a:fld id="{D709D4B5-A3A0-4A27-B5A0-AB59E3B4F676}" type="datetimeFigureOut">
               <a:rPr lang="de-DE" smtClean="0"/>
               <a:pPr/>
-              <a:t>19.04.2017</a:t>
+              <a:t>03.06.2017</a:t>
             </a:fld>
             <a:endParaRPr lang="de-AT"/>
           </a:p>
@@ -2496,7 +2501,7 @@
             <a:fld id="{D709D4B5-A3A0-4A27-B5A0-AB59E3B4F676}" type="datetimeFigureOut">
               <a:rPr lang="de-DE" smtClean="0"/>
               <a:pPr/>
-              <a:t>19.04.2017</a:t>
+              <a:t>03.06.2017</a:t>
             </a:fld>
             <a:endParaRPr lang="de-AT"/>
           </a:p>
@@ -2706,7 +2711,7 @@
             <a:fld id="{D709D4B5-A3A0-4A27-B5A0-AB59E3B4F676}" type="datetimeFigureOut">
               <a:rPr lang="de-DE" smtClean="0"/>
               <a:pPr/>
-              <a:t>19.04.2017</a:t>
+              <a:t>03.06.2017</a:t>
             </a:fld>
             <a:endParaRPr lang="de-AT"/>
           </a:p>
@@ -3137,7 +3142,7 @@
           <p:nvPr>
             <p:extLst>
               <p:ext uri="{D42A27DB-BD31-4B8C-83A1-F6EECF244321}">
-                <p14:modId xmlns:p14="http://schemas.microsoft.com/office/powerpoint/2010/main" val="612953676"/>
+                <p14:modId xmlns:p14="http://schemas.microsoft.com/office/powerpoint/2010/main" val="1884597755"/>
               </p:ext>
             </p:extLst>
           </p:nvPr>
@@ -3308,7 +3313,7 @@
                           <a:latin typeface="Calibri" pitchFamily="34" charset="0"/>
                           <a:cs typeface="Arial" charset="0"/>
                         </a:rPr>
-                        <a:t>Berichtsperiode: KW 10/17 – 17/17</a:t>
+                        <a:t>Berichtsperiode: KW 17/17 – 22/17</a:t>
                       </a:r>
                     </a:p>
                   </a:txBody>
@@ -3478,7 +3483,7 @@
                           <a:latin typeface="Calibri" pitchFamily="34" charset="0"/>
                           <a:cs typeface="Arial" charset="0"/>
                         </a:rPr>
-                        <a:t>Datum: 19.04.2017</a:t>
+                        <a:t>Datum: 03.06.2017</a:t>
                       </a:r>
                     </a:p>
                   </a:txBody>
@@ -4260,7 +4265,7 @@
           <p:nvPr>
             <p:extLst>
               <p:ext uri="{D42A27DB-BD31-4B8C-83A1-F6EECF244321}">
-                <p14:modId xmlns:p14="http://schemas.microsoft.com/office/powerpoint/2010/main" val="1768348777"/>
+                <p14:modId xmlns:p14="http://schemas.microsoft.com/office/powerpoint/2010/main" val="2670884061"/>
               </p:ext>
             </p:extLst>
           </p:nvPr>
@@ -4490,18 +4495,21 @@
                         <a:buChar char="•"/>
                         <a:tabLst/>
                       </a:pPr>
-                      <a:endParaRPr kumimoji="0" lang="de-DE" sz="1000" b="0" i="0" u="none" strike="noStrike" kern="1200" cap="none" normalizeH="0" baseline="0" dirty="0">
-                        <a:ln>
-                          <a:noFill/>
-                        </a:ln>
-                        <a:solidFill>
-                          <a:schemeClr val="tx1"/>
-                        </a:solidFill>
-                        <a:effectLst/>
-                        <a:latin typeface="Calibri" pitchFamily="34" charset="0"/>
-                        <a:ea typeface="+mn-ea"/>
-                        <a:cs typeface="Arial" charset="0"/>
-                      </a:endParaRPr>
+                      <a:r>
+                        <a:rPr kumimoji="0" lang="de-DE" sz="1000" b="0" i="0" u="none" strike="noStrike" kern="1200" cap="none" normalizeH="0" baseline="0" dirty="0">
+                          <a:ln>
+                            <a:noFill/>
+                          </a:ln>
+                          <a:solidFill>
+                            <a:schemeClr val="tx1"/>
+                          </a:solidFill>
+                          <a:effectLst/>
+                          <a:latin typeface="Calibri" pitchFamily="34" charset="0"/>
+                          <a:ea typeface="+mn-ea"/>
+                          <a:cs typeface="Arial" charset="0"/>
+                        </a:rPr>
+                        <a:t>Durch Erweiterungen durch Kundenwunsch haben sich die Meilensteine für „Datenbankstruktur“ um 3 Wochen und „Projekt abgeschlossen“ um 4 Wochen nach hinten verschoben. </a:t>
+                      </a:r>
                     </a:p>
                   </a:txBody>
                   <a:tcPr marL="36000" marR="36000" marT="36000" marB="36000" horzOverflow="overflow">
@@ -4572,17 +4580,20 @@
                         <a:tabLst/>
                         <a:defRPr/>
                       </a:pPr>
-                      <a:endParaRPr kumimoji="0" lang="de-DE" sz="1000" b="0" i="0" u="none" strike="noStrike" cap="none" normalizeH="0" baseline="0" dirty="0">
-                        <a:ln>
-                          <a:noFill/>
-                        </a:ln>
-                        <a:solidFill>
-                          <a:schemeClr val="tx1"/>
-                        </a:solidFill>
-                        <a:effectLst/>
-                        <a:latin typeface="Calibri" pitchFamily="34" charset="0"/>
-                        <a:cs typeface="Arial" charset="0"/>
-                      </a:endParaRPr>
+                      <a:r>
+                        <a:rPr kumimoji="0" lang="de-DE" sz="1000" b="0" i="0" u="none" strike="noStrike" cap="none" normalizeH="0" baseline="0" dirty="0">
+                          <a:ln>
+                            <a:noFill/>
+                          </a:ln>
+                          <a:solidFill>
+                            <a:schemeClr val="tx1"/>
+                          </a:solidFill>
+                          <a:effectLst/>
+                          <a:latin typeface="Calibri" pitchFamily="34" charset="0"/>
+                          <a:cs typeface="Arial" charset="0"/>
+                        </a:rPr>
+                        <a:t>Installation der Website auf einem Webserver und Testen der Funktionen.</a:t>
+                      </a:r>
                     </a:p>
                   </a:txBody>
                   <a:tcPr marL="36000" marR="36000" marT="36000" marB="36000" horzOverflow="overflow">
@@ -4650,7 +4661,7 @@
           <p:nvPr>
             <p:extLst>
               <p:ext uri="{D42A27DB-BD31-4B8C-83A1-F6EECF244321}">
-                <p14:modId xmlns:p14="http://schemas.microsoft.com/office/powerpoint/2010/main" val="3883622774"/>
+                <p14:modId xmlns:p14="http://schemas.microsoft.com/office/powerpoint/2010/main" val="3665424791"/>
               </p:ext>
             </p:extLst>
           </p:nvPr>
@@ -6119,7 +6130,7 @@
                           <a:latin typeface="Calibri" pitchFamily="34" charset="0"/>
                           <a:cs typeface="Arial" charset="0"/>
                         </a:rPr>
-                        <a:t>KW18/17</a:t>
+                        <a:t>KW21/17</a:t>
                       </a:r>
                     </a:p>
                   </a:txBody>
@@ -6377,7 +6388,7 @@
                           <a:latin typeface="Calibri" pitchFamily="34" charset="0"/>
                           <a:cs typeface="Arial" charset="0"/>
                         </a:rPr>
-                        <a:t>KW20/17</a:t>
+                        <a:t>KW24/17</a:t>
                       </a:r>
                     </a:p>
                   </a:txBody>
@@ -6446,7 +6457,7 @@
           <p:nvPr>
             <p:extLst>
               <p:ext uri="{D42A27DB-BD31-4B8C-83A1-F6EECF244321}">
-                <p14:modId xmlns:p14="http://schemas.microsoft.com/office/powerpoint/2010/main" val="1588562003"/>
+                <p14:modId xmlns:p14="http://schemas.microsoft.com/office/powerpoint/2010/main" val="464697343"/>
               </p:ext>
             </p:extLst>
           </p:nvPr>
@@ -6688,7 +6699,56 @@
                           <a:cs typeface="Arial" charset="0"/>
                           <a:sym typeface="Wingdings" pitchFamily="2" charset="2"/>
                         </a:rPr>
-                        <a:t>Fertiger Grundbau der Google Drive</a:t>
+                        <a:t>Fertiggestellte Datenbank</a:t>
+                      </a:r>
+                    </a:p>
+                    <a:p>
+                      <a:pPr marL="0" marR="0" lvl="0" indent="0" algn="l" defTabSz="914400" rtl="0" eaLnBrk="1" fontAlgn="base" latinLnBrk="0" hangingPunct="1">
+                        <a:lnSpc>
+                          <a:spcPct val="100000"/>
+                        </a:lnSpc>
+                        <a:spcBef>
+                          <a:spcPct val="0"/>
+                        </a:spcBef>
+                        <a:spcAft>
+                          <a:spcPct val="25000"/>
+                        </a:spcAft>
+                        <a:buClrTx/>
+                        <a:buSzTx/>
+                        <a:buFont typeface="Arial" pitchFamily="34" charset="0"/>
+                        <a:buNone/>
+                        <a:tabLst/>
+                        <a:defRPr/>
+                      </a:pPr>
+                      <a:r>
+                        <a:rPr kumimoji="0" lang="de-DE" sz="1000" b="0" i="0" u="none" strike="noStrike" cap="none" normalizeH="0" baseline="0" dirty="0" err="1">
+                          <a:ln>
+                            <a:noFill/>
+                          </a:ln>
+                          <a:solidFill>
+                            <a:schemeClr val="tx1"/>
+                          </a:solidFill>
+                          <a:effectLst/>
+                          <a:latin typeface="Calibri" pitchFamily="34" charset="0"/>
+                          <a:cs typeface="Arial" charset="0"/>
+                          <a:sym typeface="Wingdings" pitchFamily="2" charset="2"/>
+                        </a:rPr>
+                        <a:t>Layoutbugs</a:t>
+                      </a:r>
+                      <a:r>
+                        <a:rPr kumimoji="0" lang="de-DE" sz="1000" b="0" i="0" u="none" strike="noStrike" cap="none" normalizeH="0" baseline="0" dirty="0">
+                          <a:ln>
+                            <a:noFill/>
+                          </a:ln>
+                          <a:solidFill>
+                            <a:schemeClr val="tx1"/>
+                          </a:solidFill>
+                          <a:effectLst/>
+                          <a:latin typeface="Calibri" pitchFamily="34" charset="0"/>
+                          <a:cs typeface="Arial" charset="0"/>
+                          <a:sym typeface="Wingdings" pitchFamily="2" charset="2"/>
+                        </a:rPr>
+                        <a:t> behoben</a:t>
                       </a:r>
                     </a:p>
                     <a:p>
@@ -6722,103 +6782,8 @@
                           <a:cs typeface="Arial" charset="0"/>
                           <a:sym typeface="Wingdings" pitchFamily="2" charset="2"/>
                         </a:rPr>
-                        <a:t>Fertigstellung der Google Dienste</a:t>
+                        <a:t>Erweiterungen des Kunden umgesetzt (PDF online anzeigen lassen und Link zu Musikstücken)</a:t>
                       </a:r>
-                    </a:p>
-                    <a:p>
-                      <a:pPr marL="0" marR="0" lvl="0" indent="0" algn="l" defTabSz="914400" rtl="0" eaLnBrk="1" fontAlgn="base" latinLnBrk="0" hangingPunct="1">
-                        <a:lnSpc>
-                          <a:spcPct val="100000"/>
-                        </a:lnSpc>
-                        <a:spcBef>
-                          <a:spcPct val="0"/>
-                        </a:spcBef>
-                        <a:spcAft>
-                          <a:spcPct val="25000"/>
-                        </a:spcAft>
-                        <a:buClrTx/>
-                        <a:buSzTx/>
-                        <a:buFont typeface="Arial" pitchFamily="34" charset="0"/>
-                        <a:buNone/>
-                        <a:tabLst/>
-                        <a:defRPr/>
-                      </a:pPr>
-                      <a:r>
-                        <a:rPr kumimoji="0" lang="de-DE" sz="1000" b="0" i="0" u="none" strike="noStrike" cap="none" normalizeH="0" baseline="0" dirty="0">
-                          <a:ln>
-                            <a:noFill/>
-                          </a:ln>
-                          <a:solidFill>
-                            <a:schemeClr val="tx1"/>
-                          </a:solidFill>
-                          <a:effectLst/>
-                          <a:latin typeface="Calibri" pitchFamily="34" charset="0"/>
-                          <a:cs typeface="Arial" charset="0"/>
-                          <a:sym typeface="Wingdings" pitchFamily="2" charset="2"/>
-                        </a:rPr>
-                        <a:t>Fertiges Layout </a:t>
-                      </a:r>
-                    </a:p>
-                    <a:p>
-                      <a:pPr marL="0" marR="0" lvl="0" indent="0" algn="l" defTabSz="914400" rtl="0" eaLnBrk="1" fontAlgn="base" latinLnBrk="0" hangingPunct="1">
-                        <a:lnSpc>
-                          <a:spcPct val="100000"/>
-                        </a:lnSpc>
-                        <a:spcBef>
-                          <a:spcPct val="0"/>
-                        </a:spcBef>
-                        <a:spcAft>
-                          <a:spcPct val="25000"/>
-                        </a:spcAft>
-                        <a:buClrTx/>
-                        <a:buSzTx/>
-                        <a:buFont typeface="Arial" pitchFamily="34" charset="0"/>
-                        <a:buNone/>
-                        <a:tabLst/>
-                        <a:defRPr/>
-                      </a:pPr>
-                      <a:r>
-                        <a:rPr kumimoji="0" lang="de-DE" sz="1000" b="0" i="0" u="none" strike="noStrike" cap="none" normalizeH="0" baseline="0" dirty="0">
-                          <a:ln>
-                            <a:noFill/>
-                          </a:ln>
-                          <a:solidFill>
-                            <a:schemeClr val="tx1"/>
-                          </a:solidFill>
-                          <a:effectLst/>
-                          <a:latin typeface="Calibri" pitchFamily="34" charset="0"/>
-                          <a:cs typeface="Arial" charset="0"/>
-                          <a:sym typeface="Wingdings" pitchFamily="2" charset="2"/>
-                        </a:rPr>
-                        <a:t>E-Mail an Mitglieder senden inkl. </a:t>
-                      </a:r>
-                      <a:r>
-                        <a:rPr kumimoji="0" lang="de-DE" sz="1000" b="0" i="0" u="none" strike="noStrike" cap="none" normalizeH="0" baseline="0" dirty="0" err="1">
-                          <a:ln>
-                            <a:noFill/>
-                          </a:ln>
-                          <a:solidFill>
-                            <a:schemeClr val="tx1"/>
-                          </a:solidFill>
-                          <a:effectLst/>
-                          <a:latin typeface="Calibri" pitchFamily="34" charset="0"/>
-                          <a:cs typeface="Arial" charset="0"/>
-                          <a:sym typeface="Wingdings" pitchFamily="2" charset="2"/>
-                        </a:rPr>
-                        <a:t>Aktivitätenlog</a:t>
-                      </a:r>
-                      <a:endParaRPr kumimoji="0" lang="de-DE" sz="1000" b="0" i="0" u="none" strike="noStrike" cap="none" normalizeH="0" baseline="0" dirty="0">
-                        <a:ln>
-                          <a:noFill/>
-                        </a:ln>
-                        <a:solidFill>
-                          <a:schemeClr val="tx1"/>
-                        </a:solidFill>
-                        <a:effectLst/>
-                        <a:latin typeface="Calibri" pitchFamily="34" charset="0"/>
-                        <a:cs typeface="Arial" charset="0"/>
-                        <a:sym typeface="Wingdings" pitchFamily="2" charset="2"/>
-                      </a:endParaRPr>
                     </a:p>
                   </a:txBody>
                   <a:tcPr marL="36000" marR="36000" marT="36000" marB="36000" horzOverflow="overflow">
@@ -6903,39 +6868,7 @@
                           <a:cs typeface="Arial" charset="0"/>
                           <a:sym typeface="Wingdings" pitchFamily="2" charset="2"/>
                         </a:rPr>
-                        <a:t>Durch </a:t>
-                      </a:r>
-                      <a:r>
-                        <a:rPr kumimoji="0" lang="de-DE" sz="1000" b="0" i="0" u="none" strike="noStrike" kern="1200" cap="none" normalizeH="0" baseline="0" dirty="0" err="1">
-                          <a:ln>
-                            <a:noFill/>
-                          </a:ln>
-                          <a:solidFill>
-                            <a:schemeClr val="tx1"/>
-                          </a:solidFill>
-                          <a:effectLst/>
-                          <a:latin typeface="Calibri" pitchFamily="34" charset="0"/>
-                          <a:ea typeface="+mn-ea"/>
-                          <a:cs typeface="Arial" charset="0"/>
-                          <a:sym typeface="Wingdings" pitchFamily="2" charset="2"/>
-                        </a:rPr>
-                        <a:t>Bugfixes</a:t>
-                      </a:r>
-                      <a:r>
-                        <a:rPr kumimoji="0" lang="de-DE" sz="1000" b="0" i="0" u="none" strike="noStrike" kern="1200" cap="none" normalizeH="0" baseline="0" dirty="0">
-                          <a:ln>
-                            <a:noFill/>
-                          </a:ln>
-                          <a:solidFill>
-                            <a:schemeClr val="tx1"/>
-                          </a:solidFill>
-                          <a:effectLst/>
-                          <a:latin typeface="Calibri" pitchFamily="34" charset="0"/>
-                          <a:ea typeface="+mn-ea"/>
-                          <a:cs typeface="Arial" charset="0"/>
-                          <a:sym typeface="Wingdings" pitchFamily="2" charset="2"/>
-                        </a:rPr>
-                        <a:t> am Layout und der Bootstrap-Library hat sich das Design und die Benutzerfreundlichkeit sehr verbessert.</a:t>
+                        <a:t>Durch Fertigstellung der in „Ergebnis“ genannten Ereignisse wurde die Nutzerfreundlichkeit der Verwaltung gesteigert. Folge ist eine Bessere Nutzerfreundlichkeit.</a:t>
                       </a:r>
                     </a:p>
                   </a:txBody>
@@ -8604,6 +8537,5295 @@
                           <a:latin typeface="Calibri" pitchFamily="34" charset="0"/>
                           <a:cs typeface="Arial" charset="0"/>
                         </a:rPr>
+                        <a:t>Berichtsperiode: KW 10/17 – 17/17</a:t>
+                      </a:r>
+                    </a:p>
+                  </a:txBody>
+                  <a:tcPr marL="36000" marR="36000" marT="36000" marB="36000" anchor="ctr" horzOverflow="overflow">
+                    <a:lnL w="12700" cap="flat" cmpd="sng" algn="ctr">
+                      <a:solidFill>
+                        <a:schemeClr val="tx1"/>
+                      </a:solidFill>
+                      <a:prstDash val="solid"/>
+                      <a:round/>
+                      <a:headEnd type="none" w="med" len="med"/>
+                      <a:tailEnd type="none" w="med" len="med"/>
+                    </a:lnL>
+                    <a:lnR w="12700" cap="flat" cmpd="sng" algn="ctr">
+                      <a:solidFill>
+                        <a:schemeClr val="tx1"/>
+                      </a:solidFill>
+                      <a:prstDash val="solid"/>
+                      <a:round/>
+                      <a:headEnd type="none" w="med" len="med"/>
+                      <a:tailEnd type="none" w="med" len="med"/>
+                    </a:lnR>
+                    <a:lnT w="12700" cap="flat" cmpd="sng" algn="ctr">
+                      <a:solidFill>
+                        <a:schemeClr val="tx1"/>
+                      </a:solidFill>
+                      <a:prstDash val="solid"/>
+                      <a:round/>
+                      <a:headEnd type="none" w="med" len="med"/>
+                      <a:tailEnd type="none" w="med" len="med"/>
+                    </a:lnT>
+                    <a:lnB w="12700" cap="flat" cmpd="sng" algn="ctr">
+                      <a:solidFill>
+                        <a:schemeClr val="tx1"/>
+                      </a:solidFill>
+                      <a:prstDash val="solid"/>
+                      <a:round/>
+                      <a:headEnd type="none" w="med" len="med"/>
+                      <a:tailEnd type="none" w="med" len="med"/>
+                    </a:lnB>
+                    <a:lnTlToBr>
+                      <a:noFill/>
+                    </a:lnTlToBr>
+                    <a:lnBlToTr>
+                      <a:noFill/>
+                    </a:lnBlToTr>
+                    <a:solidFill>
+                      <a:srgbClr val="EAEAEA"/>
+                    </a:solidFill>
+                  </a:tcPr>
+                </a:tc>
+                <a:tc>
+                  <a:txBody>
+                    <a:bodyPr/>
+                    <a:lstStyle/>
+                    <a:p>
+                      <a:pPr marL="0" marR="0" lvl="0" indent="0" algn="l" defTabSz="914400" rtl="0" eaLnBrk="0" fontAlgn="base" latinLnBrk="0" hangingPunct="0">
+                        <a:lnSpc>
+                          <a:spcPct val="95000"/>
+                        </a:lnSpc>
+                        <a:spcBef>
+                          <a:spcPct val="0"/>
+                        </a:spcBef>
+                        <a:spcAft>
+                          <a:spcPct val="0"/>
+                        </a:spcAft>
+                        <a:buClrTx/>
+                        <a:buSzTx/>
+                        <a:buFontTx/>
+                        <a:buNone/>
+                        <a:tabLst/>
+                      </a:pPr>
+                      <a:r>
+                        <a:rPr kumimoji="0" lang="de-DE" sz="1000" b="1" i="0" u="none" strike="noStrike" cap="none" normalizeH="0" baseline="0" dirty="0">
+                          <a:ln>
+                            <a:noFill/>
+                          </a:ln>
+                          <a:solidFill>
+                            <a:schemeClr val="tx1"/>
+                          </a:solidFill>
+                          <a:effectLst/>
+                          <a:latin typeface="Calibri" pitchFamily="34" charset="0"/>
+                          <a:cs typeface="Arial" charset="0"/>
+                        </a:rPr>
+                        <a:t>Ersteller: Lukas Knoll, 4B</a:t>
+                      </a:r>
+                    </a:p>
+                  </a:txBody>
+                  <a:tcPr marL="36000" marR="36000" marT="36000" marB="36000" anchor="ctr" horzOverflow="overflow">
+                    <a:lnL w="12700" cap="flat" cmpd="sng" algn="ctr">
+                      <a:solidFill>
+                        <a:schemeClr val="tx1"/>
+                      </a:solidFill>
+                      <a:prstDash val="solid"/>
+                      <a:round/>
+                      <a:headEnd type="none" w="med" len="med"/>
+                      <a:tailEnd type="none" w="med" len="med"/>
+                    </a:lnL>
+                    <a:lnR w="12700" cap="flat" cmpd="sng" algn="ctr">
+                      <a:solidFill>
+                        <a:schemeClr val="tx1"/>
+                      </a:solidFill>
+                      <a:prstDash val="solid"/>
+                      <a:round/>
+                      <a:headEnd type="none" w="med" len="med"/>
+                      <a:tailEnd type="none" w="med" len="med"/>
+                    </a:lnR>
+                    <a:lnT w="12700" cap="flat" cmpd="sng" algn="ctr">
+                      <a:solidFill>
+                        <a:schemeClr val="tx1"/>
+                      </a:solidFill>
+                      <a:prstDash val="solid"/>
+                      <a:round/>
+                      <a:headEnd type="none" w="med" len="med"/>
+                      <a:tailEnd type="none" w="med" len="med"/>
+                    </a:lnT>
+                    <a:lnB w="12700" cap="flat" cmpd="sng" algn="ctr">
+                      <a:solidFill>
+                        <a:schemeClr val="tx1"/>
+                      </a:solidFill>
+                      <a:prstDash val="solid"/>
+                      <a:round/>
+                      <a:headEnd type="none" w="med" len="med"/>
+                      <a:tailEnd type="none" w="med" len="med"/>
+                    </a:lnB>
+                    <a:lnTlToBr>
+                      <a:noFill/>
+                    </a:lnTlToBr>
+                    <a:lnBlToTr>
+                      <a:noFill/>
+                    </a:lnBlToTr>
+                    <a:solidFill>
+                      <a:srgbClr val="EAEAEA"/>
+                    </a:solidFill>
+                  </a:tcPr>
+                </a:tc>
+                <a:tc>
+                  <a:txBody>
+                    <a:bodyPr/>
+                    <a:lstStyle/>
+                    <a:p>
+                      <a:pPr marL="0" marR="0" lvl="0" indent="0" algn="l" defTabSz="914400" rtl="0" eaLnBrk="0" fontAlgn="base" latinLnBrk="0" hangingPunct="0">
+                        <a:lnSpc>
+                          <a:spcPct val="95000"/>
+                        </a:lnSpc>
+                        <a:spcBef>
+                          <a:spcPct val="0"/>
+                        </a:spcBef>
+                        <a:spcAft>
+                          <a:spcPct val="0"/>
+                        </a:spcAft>
+                        <a:buClrTx/>
+                        <a:buSzTx/>
+                        <a:buFontTx/>
+                        <a:buNone/>
+                        <a:tabLst/>
+                      </a:pPr>
+                      <a:r>
+                        <a:rPr kumimoji="0" lang="de-DE" sz="1000" b="1" i="0" u="none" strike="noStrike" cap="none" normalizeH="0" baseline="0" dirty="0">
+                          <a:ln>
+                            <a:noFill/>
+                          </a:ln>
+                          <a:solidFill>
+                            <a:schemeClr val="tx1"/>
+                          </a:solidFill>
+                          <a:effectLst/>
+                          <a:latin typeface="Calibri" pitchFamily="34" charset="0"/>
+                          <a:cs typeface="Arial" charset="0"/>
+                        </a:rPr>
+                        <a:t>Datum: 19.04.2017</a:t>
+                      </a:r>
+                    </a:p>
+                  </a:txBody>
+                  <a:tcPr marL="36000" marR="36000" marT="36000" marB="36000" anchor="ctr" horzOverflow="overflow">
+                    <a:lnL w="12700" cap="flat" cmpd="sng" algn="ctr">
+                      <a:solidFill>
+                        <a:schemeClr val="tx1"/>
+                      </a:solidFill>
+                      <a:prstDash val="solid"/>
+                      <a:round/>
+                      <a:headEnd type="none" w="med" len="med"/>
+                      <a:tailEnd type="none" w="med" len="med"/>
+                    </a:lnL>
+                    <a:lnR w="12700" cap="flat" cmpd="sng" algn="ctr">
+                      <a:solidFill>
+                        <a:schemeClr val="tx1"/>
+                      </a:solidFill>
+                      <a:prstDash val="solid"/>
+                      <a:round/>
+                      <a:headEnd type="none" w="med" len="med"/>
+                      <a:tailEnd type="none" w="med" len="med"/>
+                    </a:lnR>
+                    <a:lnT w="12700" cap="flat" cmpd="sng" algn="ctr">
+                      <a:solidFill>
+                        <a:schemeClr val="tx1"/>
+                      </a:solidFill>
+                      <a:prstDash val="solid"/>
+                      <a:round/>
+                      <a:headEnd type="none" w="med" len="med"/>
+                      <a:tailEnd type="none" w="med" len="med"/>
+                    </a:lnT>
+                    <a:lnB w="12700" cap="flat" cmpd="sng" algn="ctr">
+                      <a:solidFill>
+                        <a:schemeClr val="tx1"/>
+                      </a:solidFill>
+                      <a:prstDash val="solid"/>
+                      <a:round/>
+                      <a:headEnd type="none" w="med" len="med"/>
+                      <a:tailEnd type="none" w="med" len="med"/>
+                    </a:lnB>
+                    <a:lnTlToBr>
+                      <a:noFill/>
+                    </a:lnTlToBr>
+                    <a:lnBlToTr>
+                      <a:noFill/>
+                    </a:lnBlToTr>
+                    <a:solidFill>
+                      <a:srgbClr val="EAEAEA"/>
+                    </a:solidFill>
+                  </a:tcPr>
+                </a:tc>
+                <a:extLst>
+                  <a:ext uri="{0D108BD9-81ED-4DB2-BD59-A6C34878D82A}">
+                    <a16:rowId xmlns:a16="http://schemas.microsoft.com/office/drawing/2014/main" val="10000"/>
+                  </a:ext>
+                </a:extLst>
+              </a:tr>
+            </a:tbl>
+          </a:graphicData>
+        </a:graphic>
+      </p:graphicFrame>
+      <p:graphicFrame>
+        <p:nvGraphicFramePr>
+          <p:cNvPr id="5" name="Group 417"/>
+          <p:cNvGraphicFramePr>
+            <a:graphicFrameLocks noGrp="1"/>
+          </p:cNvGraphicFramePr>
+          <p:nvPr/>
+        </p:nvGraphicFramePr>
+        <p:xfrm>
+          <a:off x="152400" y="397565"/>
+          <a:ext cx="8880282" cy="1105561"/>
+        </p:xfrm>
+        <a:graphic>
+          <a:graphicData uri="http://schemas.openxmlformats.org/drawingml/2006/table">
+            <a:tbl>
+              <a:tblPr/>
+              <a:tblGrid>
+                <a:gridCol w="2201186">
+                  <a:extLst>
+                    <a:ext uri="{9D8B030D-6E8A-4147-A177-3AD203B41FA5}">
+                      <a16:colId xmlns:a16="http://schemas.microsoft.com/office/drawing/2014/main" val="20000"/>
+                    </a:ext>
+                  </a:extLst>
+                </a:gridCol>
+                <a:gridCol w="2154804">
+                  <a:extLst>
+                    <a:ext uri="{9D8B030D-6E8A-4147-A177-3AD203B41FA5}">
+                      <a16:colId xmlns:a16="http://schemas.microsoft.com/office/drawing/2014/main" val="20001"/>
+                    </a:ext>
+                  </a:extLst>
+                </a:gridCol>
+                <a:gridCol w="2329732">
+                  <a:extLst>
+                    <a:ext uri="{9D8B030D-6E8A-4147-A177-3AD203B41FA5}">
+                      <a16:colId xmlns:a16="http://schemas.microsoft.com/office/drawing/2014/main" val="20002"/>
+                    </a:ext>
+                  </a:extLst>
+                </a:gridCol>
+                <a:gridCol w="2194560">
+                  <a:extLst>
+                    <a:ext uri="{9D8B030D-6E8A-4147-A177-3AD203B41FA5}">
+                      <a16:colId xmlns:a16="http://schemas.microsoft.com/office/drawing/2014/main" val="20003"/>
+                    </a:ext>
+                  </a:extLst>
+                </a:gridCol>
+              </a:tblGrid>
+              <a:tr h="230959">
+                <a:tc>
+                  <a:txBody>
+                    <a:bodyPr/>
+                    <a:lstStyle/>
+                    <a:p>
+                      <a:pPr marL="0" marR="0" lvl="0" indent="0" algn="l" defTabSz="914400" rtl="0" eaLnBrk="0" fontAlgn="base" latinLnBrk="0" hangingPunct="0">
+                        <a:lnSpc>
+                          <a:spcPct val="95000"/>
+                        </a:lnSpc>
+                        <a:spcBef>
+                          <a:spcPct val="0"/>
+                        </a:spcBef>
+                        <a:spcAft>
+                          <a:spcPct val="0"/>
+                        </a:spcAft>
+                        <a:buClrTx/>
+                        <a:buSzTx/>
+                        <a:buFontTx/>
+                        <a:buNone/>
+                        <a:tabLst/>
+                      </a:pPr>
+                      <a:r>
+                        <a:rPr kumimoji="0" lang="de-DE" sz="1000" b="1" i="0" u="none" strike="noStrike" cap="none" normalizeH="0" baseline="0" dirty="0">
+                          <a:ln>
+                            <a:noFill/>
+                          </a:ln>
+                          <a:solidFill>
+                            <a:schemeClr val="tx1"/>
+                          </a:solidFill>
+                          <a:effectLst/>
+                          <a:latin typeface="Calibri" pitchFamily="34" charset="0"/>
+                        </a:rPr>
+                        <a:t>Zeit</a:t>
+                      </a:r>
+                    </a:p>
+                  </a:txBody>
+                  <a:tcPr marL="36000" marR="36000" marT="36000" marB="36000" horzOverflow="overflow">
+                    <a:lnL w="12700" cap="flat" cmpd="sng" algn="ctr">
+                      <a:solidFill>
+                        <a:schemeClr val="tx1"/>
+                      </a:solidFill>
+                      <a:prstDash val="solid"/>
+                      <a:round/>
+                      <a:headEnd type="none" w="med" len="med"/>
+                      <a:tailEnd type="none" w="med" len="med"/>
+                    </a:lnL>
+                    <a:lnR w="12700" cap="flat" cmpd="sng" algn="ctr">
+                      <a:solidFill>
+                        <a:schemeClr val="tx1"/>
+                      </a:solidFill>
+                      <a:prstDash val="solid"/>
+                      <a:round/>
+                      <a:headEnd type="none" w="med" len="med"/>
+                      <a:tailEnd type="none" w="med" len="med"/>
+                    </a:lnR>
+                    <a:lnT w="12700" cap="flat" cmpd="sng" algn="ctr">
+                      <a:solidFill>
+                        <a:schemeClr val="tx1"/>
+                      </a:solidFill>
+                      <a:prstDash val="solid"/>
+                      <a:round/>
+                      <a:headEnd type="none" w="med" len="med"/>
+                      <a:tailEnd type="none" w="med" len="med"/>
+                    </a:lnT>
+                    <a:lnB w="12700" cap="flat" cmpd="sng" algn="ctr">
+                      <a:solidFill>
+                        <a:schemeClr val="tx1"/>
+                      </a:solidFill>
+                      <a:prstDash val="solid"/>
+                      <a:round/>
+                      <a:headEnd type="none" w="med" len="med"/>
+                      <a:tailEnd type="none" w="med" len="med"/>
+                    </a:lnB>
+                    <a:lnTlToBr>
+                      <a:noFill/>
+                    </a:lnTlToBr>
+                    <a:lnBlToTr>
+                      <a:noFill/>
+                    </a:lnBlToTr>
+                    <a:solidFill>
+                      <a:srgbClr val="EAEAEA"/>
+                    </a:solidFill>
+                  </a:tcPr>
+                </a:tc>
+                <a:tc>
+                  <a:txBody>
+                    <a:bodyPr/>
+                    <a:lstStyle/>
+                    <a:p>
+                      <a:pPr marL="0" marR="0" lvl="0" indent="0" algn="l" defTabSz="914400" rtl="0" eaLnBrk="0" fontAlgn="base" latinLnBrk="0" hangingPunct="0">
+                        <a:lnSpc>
+                          <a:spcPct val="95000"/>
+                        </a:lnSpc>
+                        <a:spcBef>
+                          <a:spcPct val="0"/>
+                        </a:spcBef>
+                        <a:spcAft>
+                          <a:spcPct val="0"/>
+                        </a:spcAft>
+                        <a:buClrTx/>
+                        <a:buSzTx/>
+                        <a:buFontTx/>
+                        <a:buNone/>
+                        <a:tabLst/>
+                      </a:pPr>
+                      <a:endParaRPr kumimoji="0" lang="de-DE" sz="1000" b="1" i="0" u="none" strike="noStrike" cap="none" normalizeH="0" baseline="0" dirty="0">
+                        <a:ln>
+                          <a:noFill/>
+                        </a:ln>
+                        <a:solidFill>
+                          <a:schemeClr val="tx1"/>
+                        </a:solidFill>
+                        <a:effectLst/>
+                        <a:latin typeface="Calibri" pitchFamily="34" charset="0"/>
+                      </a:endParaRPr>
+                    </a:p>
+                  </a:txBody>
+                  <a:tcPr marL="36000" marR="36000" marT="36000" marB="36000" horzOverflow="overflow">
+                    <a:lnL w="12700" cap="flat" cmpd="sng" algn="ctr">
+                      <a:solidFill>
+                        <a:schemeClr val="tx1"/>
+                      </a:solidFill>
+                      <a:prstDash val="solid"/>
+                      <a:round/>
+                      <a:headEnd type="none" w="med" len="med"/>
+                      <a:tailEnd type="none" w="med" len="med"/>
+                    </a:lnL>
+                    <a:lnR w="12700" cap="flat" cmpd="sng" algn="ctr">
+                      <a:solidFill>
+                        <a:schemeClr val="tx1"/>
+                      </a:solidFill>
+                      <a:prstDash val="solid"/>
+                      <a:round/>
+                      <a:headEnd type="none" w="med" len="med"/>
+                      <a:tailEnd type="none" w="med" len="med"/>
+                    </a:lnR>
+                    <a:lnT w="12700" cap="flat" cmpd="sng" algn="ctr">
+                      <a:solidFill>
+                        <a:schemeClr val="tx1"/>
+                      </a:solidFill>
+                      <a:prstDash val="solid"/>
+                      <a:round/>
+                      <a:headEnd type="none" w="med" len="med"/>
+                      <a:tailEnd type="none" w="med" len="med"/>
+                    </a:lnT>
+                    <a:lnB w="12700" cap="flat" cmpd="sng" algn="ctr">
+                      <a:solidFill>
+                        <a:schemeClr val="tx1"/>
+                      </a:solidFill>
+                      <a:prstDash val="solid"/>
+                      <a:round/>
+                      <a:headEnd type="none" w="med" len="med"/>
+                      <a:tailEnd type="none" w="med" len="med"/>
+                    </a:lnB>
+                    <a:lnTlToBr>
+                      <a:noFill/>
+                    </a:lnTlToBr>
+                    <a:lnBlToTr>
+                      <a:noFill/>
+                    </a:lnBlToTr>
+                    <a:solidFill>
+                      <a:srgbClr val="EAEAEA"/>
+                    </a:solidFill>
+                  </a:tcPr>
+                </a:tc>
+                <a:tc>
+                  <a:txBody>
+                    <a:bodyPr/>
+                    <a:lstStyle/>
+                    <a:p>
+                      <a:pPr marL="0" marR="0" lvl="0" indent="0" algn="l" defTabSz="914400" rtl="0" eaLnBrk="0" fontAlgn="base" latinLnBrk="0" hangingPunct="0">
+                        <a:lnSpc>
+                          <a:spcPct val="95000"/>
+                        </a:lnSpc>
+                        <a:spcBef>
+                          <a:spcPct val="0"/>
+                        </a:spcBef>
+                        <a:spcAft>
+                          <a:spcPct val="0"/>
+                        </a:spcAft>
+                        <a:buClrTx/>
+                        <a:buSzTx/>
+                        <a:buFontTx/>
+                        <a:buNone/>
+                        <a:tabLst/>
+                      </a:pPr>
+                      <a:r>
+                        <a:rPr kumimoji="0" lang="de-DE" sz="1000" b="1" i="0" u="none" strike="noStrike" cap="none" normalizeH="0" baseline="0" dirty="0">
+                          <a:ln>
+                            <a:noFill/>
+                          </a:ln>
+                          <a:solidFill>
+                            <a:schemeClr val="tx1"/>
+                          </a:solidFill>
+                          <a:effectLst/>
+                          <a:latin typeface="Calibri" pitchFamily="34" charset="0"/>
+                        </a:rPr>
+                        <a:t>Qualität</a:t>
+                      </a:r>
+                    </a:p>
+                  </a:txBody>
+                  <a:tcPr marL="36000" marR="36000" marT="36000" marB="36000" horzOverflow="overflow">
+                    <a:lnL w="12700" cap="flat" cmpd="sng" algn="ctr">
+                      <a:solidFill>
+                        <a:schemeClr val="tx1"/>
+                      </a:solidFill>
+                      <a:prstDash val="solid"/>
+                      <a:round/>
+                      <a:headEnd type="none" w="med" len="med"/>
+                      <a:tailEnd type="none" w="med" len="med"/>
+                    </a:lnL>
+                    <a:lnR w="12700" cap="flat" cmpd="sng" algn="ctr">
+                      <a:solidFill>
+                        <a:schemeClr val="tx1"/>
+                      </a:solidFill>
+                      <a:prstDash val="solid"/>
+                      <a:round/>
+                      <a:headEnd type="none" w="med" len="med"/>
+                      <a:tailEnd type="none" w="med" len="med"/>
+                    </a:lnR>
+                    <a:lnT w="12700" cap="flat" cmpd="sng" algn="ctr">
+                      <a:solidFill>
+                        <a:schemeClr val="tx1"/>
+                      </a:solidFill>
+                      <a:prstDash val="solid"/>
+                      <a:round/>
+                      <a:headEnd type="none" w="med" len="med"/>
+                      <a:tailEnd type="none" w="med" len="med"/>
+                    </a:lnT>
+                    <a:lnB w="12700" cap="flat" cmpd="sng" algn="ctr">
+                      <a:solidFill>
+                        <a:schemeClr val="tx1"/>
+                      </a:solidFill>
+                      <a:prstDash val="solid"/>
+                      <a:round/>
+                      <a:headEnd type="none" w="med" len="med"/>
+                      <a:tailEnd type="none" w="med" len="med"/>
+                    </a:lnB>
+                    <a:lnTlToBr>
+                      <a:noFill/>
+                    </a:lnTlToBr>
+                    <a:lnBlToTr>
+                      <a:noFill/>
+                    </a:lnBlToTr>
+                    <a:solidFill>
+                      <a:srgbClr val="EAEAEA"/>
+                    </a:solidFill>
+                  </a:tcPr>
+                </a:tc>
+                <a:tc>
+                  <a:txBody>
+                    <a:bodyPr/>
+                    <a:lstStyle/>
+                    <a:p>
+                      <a:pPr marL="0" marR="0" lvl="0" indent="0" algn="l" defTabSz="914400" rtl="0" eaLnBrk="0" fontAlgn="base" latinLnBrk="0" hangingPunct="0">
+                        <a:lnSpc>
+                          <a:spcPct val="95000"/>
+                        </a:lnSpc>
+                        <a:spcBef>
+                          <a:spcPct val="0"/>
+                        </a:spcBef>
+                        <a:spcAft>
+                          <a:spcPct val="0"/>
+                        </a:spcAft>
+                        <a:buClrTx/>
+                        <a:buSzTx/>
+                        <a:buFontTx/>
+                        <a:buNone/>
+                        <a:tabLst/>
+                      </a:pPr>
+                      <a:endParaRPr kumimoji="0" lang="de-DE" sz="1000" b="1" i="0" u="none" strike="noStrike" cap="none" normalizeH="0" baseline="0" dirty="0">
+                        <a:ln>
+                          <a:noFill/>
+                        </a:ln>
+                        <a:solidFill>
+                          <a:schemeClr val="tx1"/>
+                        </a:solidFill>
+                        <a:effectLst/>
+                        <a:latin typeface="Calibri" pitchFamily="34" charset="0"/>
+                      </a:endParaRPr>
+                    </a:p>
+                  </a:txBody>
+                  <a:tcPr marL="36000" marR="36000" marT="36000" marB="36000" horzOverflow="overflow">
+                    <a:lnL w="12700" cap="flat" cmpd="sng" algn="ctr">
+                      <a:solidFill>
+                        <a:schemeClr val="tx1"/>
+                      </a:solidFill>
+                      <a:prstDash val="solid"/>
+                      <a:round/>
+                      <a:headEnd type="none" w="med" len="med"/>
+                      <a:tailEnd type="none" w="med" len="med"/>
+                    </a:lnL>
+                    <a:lnR w="12700" cap="flat" cmpd="sng" algn="ctr">
+                      <a:solidFill>
+                        <a:schemeClr val="tx1"/>
+                      </a:solidFill>
+                      <a:prstDash val="solid"/>
+                      <a:round/>
+                      <a:headEnd type="none" w="med" len="med"/>
+                      <a:tailEnd type="none" w="med" len="med"/>
+                    </a:lnR>
+                    <a:lnT w="12700" cap="flat" cmpd="sng" algn="ctr">
+                      <a:solidFill>
+                        <a:schemeClr val="tx1"/>
+                      </a:solidFill>
+                      <a:prstDash val="solid"/>
+                      <a:round/>
+                      <a:headEnd type="none" w="med" len="med"/>
+                      <a:tailEnd type="none" w="med" len="med"/>
+                    </a:lnT>
+                    <a:lnB w="12700" cap="flat" cmpd="sng" algn="ctr">
+                      <a:solidFill>
+                        <a:schemeClr val="tx1"/>
+                      </a:solidFill>
+                      <a:prstDash val="solid"/>
+                      <a:round/>
+                      <a:headEnd type="none" w="med" len="med"/>
+                      <a:tailEnd type="none" w="med" len="med"/>
+                    </a:lnB>
+                    <a:lnTlToBr>
+                      <a:noFill/>
+                    </a:lnTlToBr>
+                    <a:lnBlToTr>
+                      <a:noFill/>
+                    </a:lnBlToTr>
+                    <a:solidFill>
+                      <a:srgbClr val="EAEAEA"/>
+                    </a:solidFill>
+                  </a:tcPr>
+                </a:tc>
+                <a:extLst>
+                  <a:ext uri="{0D108BD9-81ED-4DB2-BD59-A6C34878D82A}">
+                    <a16:rowId xmlns:a16="http://schemas.microsoft.com/office/drawing/2014/main" val="10000"/>
+                  </a:ext>
+                </a:extLst>
+              </a:tr>
+              <a:tr h="874602">
+                <a:tc>
+                  <a:txBody>
+                    <a:bodyPr/>
+                    <a:lstStyle/>
+                    <a:p>
+                      <a:pPr marL="0" marR="0" lvl="0" indent="0" algn="l" defTabSz="914400" rtl="0" eaLnBrk="0" fontAlgn="base" latinLnBrk="0" hangingPunct="0">
+                        <a:lnSpc>
+                          <a:spcPct val="95000"/>
+                        </a:lnSpc>
+                        <a:spcBef>
+                          <a:spcPct val="0"/>
+                        </a:spcBef>
+                        <a:spcAft>
+                          <a:spcPct val="0"/>
+                        </a:spcAft>
+                        <a:buClrTx/>
+                        <a:buSzTx/>
+                        <a:buFontTx/>
+                        <a:buNone/>
+                        <a:tabLst/>
+                      </a:pPr>
+                      <a:endParaRPr kumimoji="0" lang="de-DE" sz="700" b="0" i="0" u="none" strike="noStrike" cap="none" normalizeH="0" baseline="0" dirty="0">
+                        <a:ln>
+                          <a:noFill/>
+                        </a:ln>
+                        <a:solidFill>
+                          <a:schemeClr val="tx1"/>
+                        </a:solidFill>
+                        <a:effectLst/>
+                        <a:latin typeface="Calibri" pitchFamily="34" charset="0"/>
+                      </a:endParaRPr>
+                    </a:p>
+                  </a:txBody>
+                  <a:tcPr marL="36000" marR="36000" marT="36000" marB="36000" horzOverflow="overflow">
+                    <a:lnL w="12700" cap="flat" cmpd="sng" algn="ctr">
+                      <a:solidFill>
+                        <a:schemeClr val="tx1"/>
+                      </a:solidFill>
+                      <a:prstDash val="solid"/>
+                      <a:round/>
+                      <a:headEnd type="none" w="med" len="med"/>
+                      <a:tailEnd type="none" w="med" len="med"/>
+                    </a:lnL>
+                    <a:lnR w="12700" cap="flat" cmpd="sng" algn="ctr">
+                      <a:solidFill>
+                        <a:schemeClr val="tx1"/>
+                      </a:solidFill>
+                      <a:prstDash val="solid"/>
+                      <a:round/>
+                      <a:headEnd type="none" w="med" len="med"/>
+                      <a:tailEnd type="none" w="med" len="med"/>
+                    </a:lnR>
+                    <a:lnT w="12700" cap="flat" cmpd="sng" algn="ctr">
+                      <a:solidFill>
+                        <a:schemeClr val="tx1"/>
+                      </a:solidFill>
+                      <a:prstDash val="solid"/>
+                      <a:round/>
+                      <a:headEnd type="none" w="med" len="med"/>
+                      <a:tailEnd type="none" w="med" len="med"/>
+                    </a:lnT>
+                    <a:lnB w="12700" cap="flat" cmpd="sng" algn="ctr">
+                      <a:solidFill>
+                        <a:schemeClr val="tx1"/>
+                      </a:solidFill>
+                      <a:prstDash val="solid"/>
+                      <a:round/>
+                      <a:headEnd type="none" w="med" len="med"/>
+                      <a:tailEnd type="none" w="med" len="med"/>
+                    </a:lnB>
+                    <a:lnTlToBr>
+                      <a:noFill/>
+                    </a:lnTlToBr>
+                    <a:lnBlToTr>
+                      <a:noFill/>
+                    </a:lnBlToTr>
+                    <a:noFill/>
+                  </a:tcPr>
+                </a:tc>
+                <a:tc>
+                  <a:txBody>
+                    <a:bodyPr/>
+                    <a:lstStyle/>
+                    <a:p>
+                      <a:pPr marL="457200" marR="0" lvl="1" indent="0" algn="l" defTabSz="914400" rtl="0" eaLnBrk="0" fontAlgn="base" latinLnBrk="0" hangingPunct="0">
+                        <a:lnSpc>
+                          <a:spcPct val="95000"/>
+                        </a:lnSpc>
+                        <a:spcBef>
+                          <a:spcPct val="0"/>
+                        </a:spcBef>
+                        <a:spcAft>
+                          <a:spcPct val="0"/>
+                        </a:spcAft>
+                        <a:buClrTx/>
+                        <a:buSzTx/>
+                        <a:buFontTx/>
+                        <a:buNone/>
+                        <a:tabLst/>
+                      </a:pPr>
+                      <a:endParaRPr kumimoji="0" lang="de-DE" sz="700" b="0" i="0" u="none" strike="noStrike" cap="none" normalizeH="0" baseline="0" dirty="0">
+                        <a:ln>
+                          <a:noFill/>
+                        </a:ln>
+                        <a:solidFill>
+                          <a:schemeClr val="tx1"/>
+                        </a:solidFill>
+                        <a:effectLst/>
+                        <a:latin typeface="Calibri" pitchFamily="34" charset="0"/>
+                      </a:endParaRPr>
+                    </a:p>
+                  </a:txBody>
+                  <a:tcPr marL="36000" marR="36000" marT="36000" marB="36000" horzOverflow="overflow">
+                    <a:lnL w="12700" cap="flat" cmpd="sng" algn="ctr">
+                      <a:solidFill>
+                        <a:schemeClr val="tx1"/>
+                      </a:solidFill>
+                      <a:prstDash val="solid"/>
+                      <a:round/>
+                      <a:headEnd type="none" w="med" len="med"/>
+                      <a:tailEnd type="none" w="med" len="med"/>
+                    </a:lnL>
+                    <a:lnR w="12700" cap="flat" cmpd="sng" algn="ctr">
+                      <a:solidFill>
+                        <a:schemeClr val="tx1"/>
+                      </a:solidFill>
+                      <a:prstDash val="solid"/>
+                      <a:round/>
+                      <a:headEnd type="none" w="med" len="med"/>
+                      <a:tailEnd type="none" w="med" len="med"/>
+                    </a:lnR>
+                    <a:lnT w="12700" cap="flat" cmpd="sng" algn="ctr">
+                      <a:solidFill>
+                        <a:schemeClr val="tx1"/>
+                      </a:solidFill>
+                      <a:prstDash val="solid"/>
+                      <a:round/>
+                      <a:headEnd type="none" w="med" len="med"/>
+                      <a:tailEnd type="none" w="med" len="med"/>
+                    </a:lnT>
+                    <a:lnB w="12700" cap="flat" cmpd="sng" algn="ctr">
+                      <a:solidFill>
+                        <a:schemeClr val="tx1"/>
+                      </a:solidFill>
+                      <a:prstDash val="solid"/>
+                      <a:round/>
+                      <a:headEnd type="none" w="med" len="med"/>
+                      <a:tailEnd type="none" w="med" len="med"/>
+                    </a:lnB>
+                    <a:lnTlToBr>
+                      <a:noFill/>
+                    </a:lnTlToBr>
+                    <a:lnBlToTr>
+                      <a:noFill/>
+                    </a:lnBlToTr>
+                    <a:noFill/>
+                  </a:tcPr>
+                </a:tc>
+                <a:tc>
+                  <a:txBody>
+                    <a:bodyPr/>
+                    <a:lstStyle/>
+                    <a:p>
+                      <a:pPr marL="0" marR="0" lvl="0" indent="0" algn="l" defTabSz="914400" rtl="0" eaLnBrk="0" fontAlgn="base" latinLnBrk="0" hangingPunct="0">
+                        <a:lnSpc>
+                          <a:spcPct val="95000"/>
+                        </a:lnSpc>
+                        <a:spcBef>
+                          <a:spcPct val="0"/>
+                        </a:spcBef>
+                        <a:spcAft>
+                          <a:spcPct val="0"/>
+                        </a:spcAft>
+                        <a:buClrTx/>
+                        <a:buSzTx/>
+                        <a:buFontTx/>
+                        <a:buNone/>
+                        <a:tabLst/>
+                        <a:defRPr/>
+                      </a:pPr>
+                      <a:endParaRPr kumimoji="0" lang="de-DE" sz="700" b="0" i="0" u="none" strike="noStrike" cap="none" normalizeH="0" baseline="0" dirty="0">
+                        <a:ln>
+                          <a:noFill/>
+                        </a:ln>
+                        <a:solidFill>
+                          <a:schemeClr val="tx1"/>
+                        </a:solidFill>
+                        <a:effectLst/>
+                        <a:latin typeface="Calibri" pitchFamily="34" charset="0"/>
+                      </a:endParaRPr>
+                    </a:p>
+                  </a:txBody>
+                  <a:tcPr marL="36000" marR="36000" marT="36000" marB="36000" horzOverflow="overflow">
+                    <a:lnL w="12700" cap="flat" cmpd="sng" algn="ctr">
+                      <a:solidFill>
+                        <a:schemeClr val="tx1"/>
+                      </a:solidFill>
+                      <a:prstDash val="solid"/>
+                      <a:round/>
+                      <a:headEnd type="none" w="med" len="med"/>
+                      <a:tailEnd type="none" w="med" len="med"/>
+                    </a:lnL>
+                    <a:lnR w="12700" cap="flat" cmpd="sng" algn="ctr">
+                      <a:solidFill>
+                        <a:schemeClr val="tx1"/>
+                      </a:solidFill>
+                      <a:prstDash val="solid"/>
+                      <a:round/>
+                      <a:headEnd type="none" w="med" len="med"/>
+                      <a:tailEnd type="none" w="med" len="med"/>
+                    </a:lnR>
+                    <a:lnT w="12700" cap="flat" cmpd="sng" algn="ctr">
+                      <a:solidFill>
+                        <a:schemeClr val="tx1"/>
+                      </a:solidFill>
+                      <a:prstDash val="solid"/>
+                      <a:round/>
+                      <a:headEnd type="none" w="med" len="med"/>
+                      <a:tailEnd type="none" w="med" len="med"/>
+                    </a:lnT>
+                    <a:lnB w="12700" cap="flat" cmpd="sng" algn="ctr">
+                      <a:solidFill>
+                        <a:schemeClr val="tx1"/>
+                      </a:solidFill>
+                      <a:prstDash val="solid"/>
+                      <a:round/>
+                      <a:headEnd type="none" w="med" len="med"/>
+                      <a:tailEnd type="none" w="med" len="med"/>
+                    </a:lnB>
+                    <a:lnTlToBr>
+                      <a:noFill/>
+                    </a:lnTlToBr>
+                    <a:lnBlToTr>
+                      <a:noFill/>
+                    </a:lnBlToTr>
+                    <a:noFill/>
+                  </a:tcPr>
+                </a:tc>
+                <a:tc>
+                  <a:txBody>
+                    <a:bodyPr/>
+                    <a:lstStyle/>
+                    <a:p>
+                      <a:pPr marL="0" marR="0" lvl="0" indent="0" algn="l" defTabSz="914400" rtl="0" eaLnBrk="0" fontAlgn="base" latinLnBrk="0" hangingPunct="0">
+                        <a:lnSpc>
+                          <a:spcPct val="95000"/>
+                        </a:lnSpc>
+                        <a:spcBef>
+                          <a:spcPct val="0"/>
+                        </a:spcBef>
+                        <a:spcAft>
+                          <a:spcPct val="0"/>
+                        </a:spcAft>
+                        <a:buClrTx/>
+                        <a:buSzTx/>
+                        <a:buFontTx/>
+                        <a:buNone/>
+                        <a:tabLst/>
+                      </a:pPr>
+                      <a:endParaRPr kumimoji="0" lang="de-DE" sz="700" b="0" i="0" u="none" strike="noStrike" cap="none" normalizeH="0" baseline="0" dirty="0">
+                        <a:ln>
+                          <a:noFill/>
+                        </a:ln>
+                        <a:solidFill>
+                          <a:schemeClr val="tx1"/>
+                        </a:solidFill>
+                        <a:effectLst/>
+                        <a:latin typeface="Calibri" pitchFamily="34" charset="0"/>
+                      </a:endParaRPr>
+                    </a:p>
+                  </a:txBody>
+                  <a:tcPr marL="36000" marR="36000" marT="36000" marB="36000" horzOverflow="overflow">
+                    <a:lnL w="12700" cap="flat" cmpd="sng" algn="ctr">
+                      <a:solidFill>
+                        <a:schemeClr val="tx1"/>
+                      </a:solidFill>
+                      <a:prstDash val="solid"/>
+                      <a:round/>
+                      <a:headEnd type="none" w="med" len="med"/>
+                      <a:tailEnd type="none" w="med" len="med"/>
+                    </a:lnL>
+                    <a:lnR w="12700" cap="flat" cmpd="sng" algn="ctr">
+                      <a:solidFill>
+                        <a:schemeClr val="tx1"/>
+                      </a:solidFill>
+                      <a:prstDash val="solid"/>
+                      <a:round/>
+                      <a:headEnd type="none" w="med" len="med"/>
+                      <a:tailEnd type="none" w="med" len="med"/>
+                    </a:lnR>
+                    <a:lnT w="12700" cap="flat" cmpd="sng" algn="ctr">
+                      <a:solidFill>
+                        <a:schemeClr val="tx1"/>
+                      </a:solidFill>
+                      <a:prstDash val="solid"/>
+                      <a:round/>
+                      <a:headEnd type="none" w="med" len="med"/>
+                      <a:tailEnd type="none" w="med" len="med"/>
+                    </a:lnT>
+                    <a:lnB w="12700" cap="flat" cmpd="sng" algn="ctr">
+                      <a:solidFill>
+                        <a:schemeClr val="tx1"/>
+                      </a:solidFill>
+                      <a:prstDash val="solid"/>
+                      <a:round/>
+                      <a:headEnd type="none" w="med" len="med"/>
+                      <a:tailEnd type="none" w="med" len="med"/>
+                    </a:lnB>
+                    <a:lnTlToBr>
+                      <a:noFill/>
+                    </a:lnTlToBr>
+                    <a:lnBlToTr>
+                      <a:noFill/>
+                    </a:lnBlToTr>
+                    <a:noFill/>
+                  </a:tcPr>
+                </a:tc>
+                <a:extLst>
+                  <a:ext uri="{0D108BD9-81ED-4DB2-BD59-A6C34878D82A}">
+                    <a16:rowId xmlns:a16="http://schemas.microsoft.com/office/drawing/2014/main" val="10001"/>
+                  </a:ext>
+                </a:extLst>
+              </a:tr>
+            </a:tbl>
+          </a:graphicData>
+        </a:graphic>
+      </p:graphicFrame>
+      <p:graphicFrame>
+        <p:nvGraphicFramePr>
+          <p:cNvPr id="6" name="Group 178"/>
+          <p:cNvGraphicFramePr>
+            <a:graphicFrameLocks noGrp="1"/>
+          </p:cNvGraphicFramePr>
+          <p:nvPr>
+            <p:extLst/>
+          </p:nvPr>
+        </p:nvGraphicFramePr>
+        <p:xfrm>
+          <a:off x="152400" y="3212976"/>
+          <a:ext cx="8872330" cy="1076540"/>
+        </p:xfrm>
+        <a:graphic>
+          <a:graphicData uri="http://schemas.openxmlformats.org/drawingml/2006/table">
+            <a:tbl>
+              <a:tblPr/>
+              <a:tblGrid>
+                <a:gridCol w="4351338">
+                  <a:extLst>
+                    <a:ext uri="{9D8B030D-6E8A-4147-A177-3AD203B41FA5}">
+                      <a16:colId xmlns:a16="http://schemas.microsoft.com/office/drawing/2014/main" val="20000"/>
+                    </a:ext>
+                  </a:extLst>
+                </a:gridCol>
+                <a:gridCol w="4520992">
+                  <a:extLst>
+                    <a:ext uri="{9D8B030D-6E8A-4147-A177-3AD203B41FA5}">
+                      <a16:colId xmlns:a16="http://schemas.microsoft.com/office/drawing/2014/main" val="20001"/>
+                    </a:ext>
+                  </a:extLst>
+                </a:gridCol>
+              </a:tblGrid>
+              <a:tr h="288032">
+                <a:tc>
+                  <a:txBody>
+                    <a:bodyPr/>
+                    <a:lstStyle/>
+                    <a:p>
+                      <a:pPr marL="0" marR="0" indent="0" algn="l" defTabSz="914400" rtl="0" eaLnBrk="1" fontAlgn="auto" latinLnBrk="0" hangingPunct="1">
+                        <a:lnSpc>
+                          <a:spcPct val="100000"/>
+                        </a:lnSpc>
+                        <a:spcBef>
+                          <a:spcPts val="0"/>
+                        </a:spcBef>
+                        <a:spcAft>
+                          <a:spcPts val="0"/>
+                        </a:spcAft>
+                        <a:buClrTx/>
+                        <a:buSzTx/>
+                        <a:buFontTx/>
+                        <a:buNone/>
+                        <a:tabLst/>
+                        <a:defRPr/>
+                      </a:pPr>
+                      <a:r>
+                        <a:rPr kumimoji="0" lang="de-DE" sz="1000" b="1" i="0" u="none" strike="noStrike" kern="1200" cap="none" normalizeH="0" baseline="0" dirty="0">
+                          <a:ln>
+                            <a:noFill/>
+                          </a:ln>
+                          <a:solidFill>
+                            <a:schemeClr val="tx1"/>
+                          </a:solidFill>
+                          <a:effectLst/>
+                          <a:latin typeface="Calibri" pitchFamily="34" charset="0"/>
+                          <a:ea typeface="+mn-ea"/>
+                          <a:cs typeface="Arial" charset="0"/>
+                        </a:rPr>
+                        <a:t>Notwendige Entscheidungen:</a:t>
+                      </a:r>
+                    </a:p>
+                  </a:txBody>
+                  <a:tcPr marL="36000" marR="36000" marT="36000" marB="36000" horzOverflow="overflow">
+                    <a:lnL w="12700" cap="flat" cmpd="sng" algn="ctr">
+                      <a:solidFill>
+                        <a:schemeClr val="tx1"/>
+                      </a:solidFill>
+                      <a:prstDash val="solid"/>
+                      <a:round/>
+                      <a:headEnd type="none" w="med" len="med"/>
+                      <a:tailEnd type="none" w="med" len="med"/>
+                    </a:lnL>
+                    <a:lnR w="12700" cap="flat" cmpd="sng" algn="ctr">
+                      <a:solidFill>
+                        <a:schemeClr val="tx1"/>
+                      </a:solidFill>
+                      <a:prstDash val="solid"/>
+                      <a:round/>
+                      <a:headEnd type="none" w="med" len="med"/>
+                      <a:tailEnd type="none" w="med" len="med"/>
+                    </a:lnR>
+                    <a:lnT w="12700" cap="flat" cmpd="sng" algn="ctr">
+                      <a:solidFill>
+                        <a:schemeClr val="tx1"/>
+                      </a:solidFill>
+                      <a:prstDash val="solid"/>
+                      <a:round/>
+                      <a:headEnd type="none" w="med" len="med"/>
+                      <a:tailEnd type="none" w="med" len="med"/>
+                    </a:lnT>
+                    <a:lnB w="12700" cap="flat" cmpd="sng" algn="ctr">
+                      <a:solidFill>
+                        <a:schemeClr val="tx1"/>
+                      </a:solidFill>
+                      <a:prstDash val="solid"/>
+                      <a:round/>
+                      <a:headEnd type="none" w="med" len="med"/>
+                      <a:tailEnd type="none" w="med" len="med"/>
+                    </a:lnB>
+                    <a:lnTlToBr>
+                      <a:noFill/>
+                    </a:lnTlToBr>
+                    <a:lnBlToTr>
+                      <a:noFill/>
+                    </a:lnBlToTr>
+                    <a:solidFill>
+                      <a:srgbClr val="EAEAEA"/>
+                    </a:solidFill>
+                  </a:tcPr>
+                </a:tc>
+                <a:tc>
+                  <a:txBody>
+                    <a:bodyPr/>
+                    <a:lstStyle/>
+                    <a:p>
+                      <a:pPr marL="0" marR="0" lvl="0" indent="0" algn="l" defTabSz="914400" rtl="0" eaLnBrk="0" fontAlgn="base" latinLnBrk="0" hangingPunct="0">
+                        <a:lnSpc>
+                          <a:spcPct val="95000"/>
+                        </a:lnSpc>
+                        <a:spcBef>
+                          <a:spcPct val="0"/>
+                        </a:spcBef>
+                        <a:spcAft>
+                          <a:spcPct val="0"/>
+                        </a:spcAft>
+                        <a:buClrTx/>
+                        <a:buSzTx/>
+                        <a:buFontTx/>
+                        <a:buNone/>
+                        <a:tabLst/>
+                      </a:pPr>
+                      <a:r>
+                        <a:rPr kumimoji="0" lang="de-DE" sz="1000" b="1" i="0" u="none" strike="noStrike" cap="none" normalizeH="0" baseline="0" dirty="0">
+                          <a:ln>
+                            <a:noFill/>
+                          </a:ln>
+                          <a:solidFill>
+                            <a:schemeClr val="tx1"/>
+                          </a:solidFill>
+                          <a:effectLst/>
+                          <a:latin typeface="Calibri" pitchFamily="34" charset="0"/>
+                          <a:cs typeface="Arial" charset="0"/>
+                        </a:rPr>
+                        <a:t>Nächste Schritte:</a:t>
+                      </a:r>
+                    </a:p>
+                  </a:txBody>
+                  <a:tcPr marL="36000" marR="36000" marT="36000" marB="36000" horzOverflow="overflow">
+                    <a:lnL w="12700" cap="flat" cmpd="sng" algn="ctr">
+                      <a:solidFill>
+                        <a:schemeClr val="tx1"/>
+                      </a:solidFill>
+                      <a:prstDash val="solid"/>
+                      <a:round/>
+                      <a:headEnd type="none" w="med" len="med"/>
+                      <a:tailEnd type="none" w="med" len="med"/>
+                    </a:lnL>
+                    <a:lnR w="12700" cap="flat" cmpd="sng" algn="ctr">
+                      <a:solidFill>
+                        <a:schemeClr val="tx1"/>
+                      </a:solidFill>
+                      <a:prstDash val="solid"/>
+                      <a:round/>
+                      <a:headEnd type="none" w="med" len="med"/>
+                      <a:tailEnd type="none" w="med" len="med"/>
+                    </a:lnR>
+                    <a:lnT w="12700" cap="flat" cmpd="sng" algn="ctr">
+                      <a:solidFill>
+                        <a:schemeClr val="tx1"/>
+                      </a:solidFill>
+                      <a:prstDash val="solid"/>
+                      <a:round/>
+                      <a:headEnd type="none" w="med" len="med"/>
+                      <a:tailEnd type="none" w="med" len="med"/>
+                    </a:lnT>
+                    <a:lnB w="12700" cap="flat" cmpd="sng" algn="ctr">
+                      <a:solidFill>
+                        <a:schemeClr val="tx1"/>
+                      </a:solidFill>
+                      <a:prstDash val="solid"/>
+                      <a:round/>
+                      <a:headEnd type="none" w="med" len="med"/>
+                      <a:tailEnd type="none" w="med" len="med"/>
+                    </a:lnB>
+                    <a:lnTlToBr>
+                      <a:noFill/>
+                    </a:lnTlToBr>
+                    <a:lnBlToTr>
+                      <a:noFill/>
+                    </a:lnBlToTr>
+                    <a:solidFill>
+                      <a:srgbClr val="EAEAEA"/>
+                    </a:solidFill>
+                  </a:tcPr>
+                </a:tc>
+                <a:extLst>
+                  <a:ext uri="{0D108BD9-81ED-4DB2-BD59-A6C34878D82A}">
+                    <a16:rowId xmlns:a16="http://schemas.microsoft.com/office/drawing/2014/main" val="10000"/>
+                  </a:ext>
+                </a:extLst>
+              </a:tr>
+              <a:tr h="788508">
+                <a:tc>
+                  <a:txBody>
+                    <a:bodyPr/>
+                    <a:lstStyle/>
+                    <a:p>
+                      <a:pPr marL="0" marR="0" lvl="0" indent="0" algn="l" defTabSz="914400" rtl="0" eaLnBrk="1" fontAlgn="base" latinLnBrk="0" hangingPunct="1">
+                        <a:lnSpc>
+                          <a:spcPct val="100000"/>
+                        </a:lnSpc>
+                        <a:spcBef>
+                          <a:spcPct val="0"/>
+                        </a:spcBef>
+                        <a:spcAft>
+                          <a:spcPct val="25000"/>
+                        </a:spcAft>
+                        <a:buClrTx/>
+                        <a:buSzTx/>
+                        <a:buFont typeface="Arial" pitchFamily="34" charset="0"/>
+                        <a:buChar char="•"/>
+                        <a:tabLst/>
+                      </a:pPr>
+                      <a:endParaRPr kumimoji="0" lang="de-DE" sz="1000" b="0" i="0" u="none" strike="noStrike" kern="1200" cap="none" normalizeH="0" baseline="0" dirty="0">
+                        <a:ln>
+                          <a:noFill/>
+                        </a:ln>
+                        <a:solidFill>
+                          <a:schemeClr val="tx1"/>
+                        </a:solidFill>
+                        <a:effectLst/>
+                        <a:latin typeface="Calibri" pitchFamily="34" charset="0"/>
+                        <a:ea typeface="+mn-ea"/>
+                        <a:cs typeface="Arial" charset="0"/>
+                      </a:endParaRPr>
+                    </a:p>
+                  </a:txBody>
+                  <a:tcPr marL="36000" marR="36000" marT="36000" marB="36000" horzOverflow="overflow">
+                    <a:lnL w="12700" cap="flat" cmpd="sng" algn="ctr">
+                      <a:solidFill>
+                        <a:schemeClr val="tx1"/>
+                      </a:solidFill>
+                      <a:prstDash val="solid"/>
+                      <a:round/>
+                      <a:headEnd type="none" w="med" len="med"/>
+                      <a:tailEnd type="none" w="med" len="med"/>
+                    </a:lnL>
+                    <a:lnR w="12700" cap="flat" cmpd="sng" algn="ctr">
+                      <a:solidFill>
+                        <a:schemeClr val="tx1"/>
+                      </a:solidFill>
+                      <a:prstDash val="solid"/>
+                      <a:round/>
+                      <a:headEnd type="none" w="med" len="med"/>
+                      <a:tailEnd type="none" w="med" len="med"/>
+                    </a:lnR>
+                    <a:lnT w="12700" cap="flat" cmpd="sng" algn="ctr">
+                      <a:solidFill>
+                        <a:schemeClr val="tx1"/>
+                      </a:solidFill>
+                      <a:prstDash val="solid"/>
+                      <a:round/>
+                      <a:headEnd type="none" w="med" len="med"/>
+                      <a:tailEnd type="none" w="med" len="med"/>
+                    </a:lnT>
+                    <a:lnB w="12700" cap="flat" cmpd="sng" algn="ctr">
+                      <a:solidFill>
+                        <a:schemeClr val="tx1"/>
+                      </a:solidFill>
+                      <a:prstDash val="solid"/>
+                      <a:round/>
+                      <a:headEnd type="none" w="med" len="med"/>
+                      <a:tailEnd type="none" w="med" len="med"/>
+                    </a:lnB>
+                    <a:lnTlToBr>
+                      <a:noFill/>
+                    </a:lnTlToBr>
+                    <a:lnBlToTr>
+                      <a:noFill/>
+                    </a:lnBlToTr>
+                    <a:noFill/>
+                  </a:tcPr>
+                </a:tc>
+                <a:tc>
+                  <a:txBody>
+                    <a:bodyPr/>
+                    <a:lstStyle/>
+                    <a:p>
+                      <a:pPr marL="0" marR="0" lvl="0" indent="0" algn="l" defTabSz="914400" rtl="0" eaLnBrk="1" fontAlgn="base" latinLnBrk="0" hangingPunct="1">
+                        <a:lnSpc>
+                          <a:spcPct val="100000"/>
+                        </a:lnSpc>
+                        <a:spcBef>
+                          <a:spcPct val="0"/>
+                        </a:spcBef>
+                        <a:spcAft>
+                          <a:spcPct val="25000"/>
+                        </a:spcAft>
+                        <a:buClrTx/>
+                        <a:buSzTx/>
+                        <a:buFont typeface="Arial" pitchFamily="34" charset="0"/>
+                        <a:buChar char="•"/>
+                        <a:tabLst/>
+                        <a:defRPr/>
+                      </a:pPr>
+                      <a:endParaRPr kumimoji="0" lang="de-DE" sz="1000" b="0" i="0" u="none" strike="noStrike" cap="none" normalizeH="0" baseline="0" dirty="0">
+                        <a:ln>
+                          <a:noFill/>
+                        </a:ln>
+                        <a:solidFill>
+                          <a:schemeClr val="tx1"/>
+                        </a:solidFill>
+                        <a:effectLst/>
+                        <a:latin typeface="Calibri" pitchFamily="34" charset="0"/>
+                        <a:cs typeface="Arial" charset="0"/>
+                      </a:endParaRPr>
+                    </a:p>
+                  </a:txBody>
+                  <a:tcPr marL="36000" marR="36000" marT="36000" marB="36000" horzOverflow="overflow">
+                    <a:lnL w="12700" cap="flat" cmpd="sng" algn="ctr">
+                      <a:solidFill>
+                        <a:schemeClr val="tx1"/>
+                      </a:solidFill>
+                      <a:prstDash val="solid"/>
+                      <a:round/>
+                      <a:headEnd type="none" w="med" len="med"/>
+                      <a:tailEnd type="none" w="med" len="med"/>
+                    </a:lnL>
+                    <a:lnR w="12700" cap="flat" cmpd="sng" algn="ctr">
+                      <a:solidFill>
+                        <a:schemeClr val="tx1"/>
+                      </a:solidFill>
+                      <a:prstDash val="solid"/>
+                      <a:round/>
+                      <a:headEnd type="none" w="med" len="med"/>
+                      <a:tailEnd type="none" w="med" len="med"/>
+                    </a:lnR>
+                    <a:lnT w="12700" cap="flat" cmpd="sng" algn="ctr">
+                      <a:solidFill>
+                        <a:schemeClr val="tx1"/>
+                      </a:solidFill>
+                      <a:prstDash val="solid"/>
+                      <a:round/>
+                      <a:headEnd type="none" w="med" len="med"/>
+                      <a:tailEnd type="none" w="med" len="med"/>
+                    </a:lnT>
+                    <a:lnB w="12700" cap="flat" cmpd="sng" algn="ctr">
+                      <a:solidFill>
+                        <a:schemeClr val="tx1"/>
+                      </a:solidFill>
+                      <a:prstDash val="solid"/>
+                      <a:round/>
+                      <a:headEnd type="none" w="med" len="med"/>
+                      <a:tailEnd type="none" w="med" len="med"/>
+                    </a:lnB>
+                    <a:lnTlToBr>
+                      <a:noFill/>
+                    </a:lnTlToBr>
+                    <a:lnBlToTr>
+                      <a:noFill/>
+                    </a:lnBlToTr>
+                    <a:noFill/>
+                  </a:tcPr>
+                </a:tc>
+                <a:extLst>
+                  <a:ext uri="{0D108BD9-81ED-4DB2-BD59-A6C34878D82A}">
+                    <a16:rowId xmlns:a16="http://schemas.microsoft.com/office/drawing/2014/main" val="10001"/>
+                  </a:ext>
+                </a:extLst>
+              </a:tr>
+            </a:tbl>
+          </a:graphicData>
+        </a:graphic>
+      </p:graphicFrame>
+      <p:graphicFrame>
+        <p:nvGraphicFramePr>
+          <p:cNvPr id="7" name="Group 178"/>
+          <p:cNvGraphicFramePr>
+            <a:graphicFrameLocks noGrp="1"/>
+          </p:cNvGraphicFramePr>
+          <p:nvPr>
+            <p:extLst/>
+          </p:nvPr>
+        </p:nvGraphicFramePr>
+        <p:xfrm>
+          <a:off x="152400" y="4653888"/>
+          <a:ext cx="8848757" cy="1622390"/>
+        </p:xfrm>
+        <a:graphic>
+          <a:graphicData uri="http://schemas.openxmlformats.org/drawingml/2006/table">
+            <a:tbl>
+              <a:tblPr/>
+              <a:tblGrid>
+                <a:gridCol w="7388387">
+                  <a:extLst>
+                    <a:ext uri="{9D8B030D-6E8A-4147-A177-3AD203B41FA5}">
+                      <a16:colId xmlns:a16="http://schemas.microsoft.com/office/drawing/2014/main" val="20000"/>
+                    </a:ext>
+                  </a:extLst>
+                </a:gridCol>
+                <a:gridCol w="703141">
+                  <a:extLst>
+                    <a:ext uri="{9D8B030D-6E8A-4147-A177-3AD203B41FA5}">
+                      <a16:colId xmlns:a16="http://schemas.microsoft.com/office/drawing/2014/main" val="20001"/>
+                    </a:ext>
+                  </a:extLst>
+                </a:gridCol>
+                <a:gridCol w="757229">
+                  <a:extLst>
+                    <a:ext uri="{9D8B030D-6E8A-4147-A177-3AD203B41FA5}">
+                      <a16:colId xmlns:a16="http://schemas.microsoft.com/office/drawing/2014/main" val="20002"/>
+                    </a:ext>
+                  </a:extLst>
+                </a:gridCol>
+              </a:tblGrid>
+              <a:tr h="231770">
+                <a:tc>
+                  <a:txBody>
+                    <a:bodyPr/>
+                    <a:lstStyle/>
+                    <a:p>
+                      <a:pPr marL="0" marR="0" lvl="0" indent="0" algn="l" defTabSz="914400" rtl="0" eaLnBrk="0" fontAlgn="base" latinLnBrk="0" hangingPunct="0">
+                        <a:lnSpc>
+                          <a:spcPct val="95000"/>
+                        </a:lnSpc>
+                        <a:spcBef>
+                          <a:spcPct val="0"/>
+                        </a:spcBef>
+                        <a:spcAft>
+                          <a:spcPct val="0"/>
+                        </a:spcAft>
+                        <a:buClrTx/>
+                        <a:buSzTx/>
+                        <a:buFontTx/>
+                        <a:buNone/>
+                        <a:tabLst/>
+                      </a:pPr>
+                      <a:r>
+                        <a:rPr kumimoji="0" lang="de-DE" sz="1000" b="1" i="0" u="none" strike="noStrike" cap="none" normalizeH="0" baseline="0" dirty="0">
+                          <a:ln>
+                            <a:noFill/>
+                          </a:ln>
+                          <a:solidFill>
+                            <a:schemeClr val="tx1"/>
+                          </a:solidFill>
+                          <a:effectLst/>
+                          <a:latin typeface="Calibri" pitchFamily="34" charset="0"/>
+                          <a:cs typeface="Arial" charset="0"/>
+                        </a:rPr>
+                        <a:t>Meilensteine:</a:t>
+                      </a:r>
+                    </a:p>
+                  </a:txBody>
+                  <a:tcPr marL="36000" marR="36000" marT="36000" marB="36000" horzOverflow="overflow">
+                    <a:lnL w="12700" cap="flat" cmpd="sng" algn="ctr">
+                      <a:solidFill>
+                        <a:schemeClr val="tx1"/>
+                      </a:solidFill>
+                      <a:prstDash val="solid"/>
+                      <a:round/>
+                      <a:headEnd type="none" w="med" len="med"/>
+                      <a:tailEnd type="none" w="med" len="med"/>
+                    </a:lnL>
+                    <a:lnR w="12700" cap="flat" cmpd="sng" algn="ctr">
+                      <a:solidFill>
+                        <a:schemeClr val="tx1"/>
+                      </a:solidFill>
+                      <a:prstDash val="solid"/>
+                      <a:round/>
+                      <a:headEnd type="none" w="med" len="med"/>
+                      <a:tailEnd type="none" w="med" len="med"/>
+                    </a:lnR>
+                    <a:lnT w="12700" cap="flat" cmpd="sng" algn="ctr">
+                      <a:solidFill>
+                        <a:schemeClr val="tx1"/>
+                      </a:solidFill>
+                      <a:prstDash val="solid"/>
+                      <a:round/>
+                      <a:headEnd type="none" w="med" len="med"/>
+                      <a:tailEnd type="none" w="med" len="med"/>
+                    </a:lnT>
+                    <a:lnB w="12700" cap="flat" cmpd="sng" algn="ctr">
+                      <a:solidFill>
+                        <a:schemeClr val="tx1"/>
+                      </a:solidFill>
+                      <a:prstDash val="solid"/>
+                      <a:round/>
+                      <a:headEnd type="none" w="med" len="med"/>
+                      <a:tailEnd type="none" w="med" len="med"/>
+                    </a:lnB>
+                    <a:lnTlToBr>
+                      <a:noFill/>
+                    </a:lnTlToBr>
+                    <a:lnBlToTr>
+                      <a:noFill/>
+                    </a:lnBlToTr>
+                    <a:solidFill>
+                      <a:srgbClr val="EAEAEA"/>
+                    </a:solidFill>
+                  </a:tcPr>
+                </a:tc>
+                <a:tc gridSpan="2">
+                  <a:txBody>
+                    <a:bodyPr/>
+                    <a:lstStyle/>
+                    <a:p>
+                      <a:pPr marL="0" marR="0" lvl="0" indent="0" algn="ctr" defTabSz="914400" rtl="0" eaLnBrk="0" fontAlgn="base" latinLnBrk="0" hangingPunct="0">
+                        <a:lnSpc>
+                          <a:spcPct val="95000"/>
+                        </a:lnSpc>
+                        <a:spcBef>
+                          <a:spcPct val="0"/>
+                        </a:spcBef>
+                        <a:spcAft>
+                          <a:spcPct val="0"/>
+                        </a:spcAft>
+                        <a:buClrTx/>
+                        <a:buSzTx/>
+                        <a:buFontTx/>
+                        <a:buNone/>
+                        <a:tabLst/>
+                      </a:pPr>
+                      <a:r>
+                        <a:rPr kumimoji="0" lang="de-DE" sz="1000" b="1" i="0" u="none" strike="noStrike" cap="none" normalizeH="0" baseline="0" dirty="0">
+                          <a:ln>
+                            <a:noFill/>
+                          </a:ln>
+                          <a:solidFill>
+                            <a:schemeClr val="tx1"/>
+                          </a:solidFill>
+                          <a:effectLst/>
+                          <a:latin typeface="Calibri" pitchFamily="34" charset="0"/>
+                          <a:cs typeface="Arial" charset="0"/>
+                        </a:rPr>
+                        <a:t>Zeit</a:t>
+                      </a:r>
+                    </a:p>
+                  </a:txBody>
+                  <a:tcPr marL="36000" marR="36000" marT="36000" marB="36000" horzOverflow="overflow">
+                    <a:lnL w="12700" cap="flat" cmpd="sng" algn="ctr">
+                      <a:solidFill>
+                        <a:schemeClr val="tx1"/>
+                      </a:solidFill>
+                      <a:prstDash val="solid"/>
+                      <a:round/>
+                      <a:headEnd type="none" w="med" len="med"/>
+                      <a:tailEnd type="none" w="med" len="med"/>
+                    </a:lnL>
+                    <a:lnR w="12700" cap="flat" cmpd="sng" algn="ctr">
+                      <a:solidFill>
+                        <a:schemeClr val="tx1"/>
+                      </a:solidFill>
+                      <a:prstDash val="solid"/>
+                      <a:round/>
+                      <a:headEnd type="none" w="med" len="med"/>
+                      <a:tailEnd type="none" w="med" len="med"/>
+                    </a:lnR>
+                    <a:lnT w="12700" cap="flat" cmpd="sng" algn="ctr">
+                      <a:solidFill>
+                        <a:schemeClr val="tx1"/>
+                      </a:solidFill>
+                      <a:prstDash val="solid"/>
+                      <a:round/>
+                      <a:headEnd type="none" w="med" len="med"/>
+                      <a:tailEnd type="none" w="med" len="med"/>
+                    </a:lnT>
+                    <a:lnB w="12700" cap="flat" cmpd="sng" algn="ctr">
+                      <a:solidFill>
+                        <a:schemeClr val="tx1"/>
+                      </a:solidFill>
+                      <a:prstDash val="solid"/>
+                      <a:round/>
+                      <a:headEnd type="none" w="med" len="med"/>
+                      <a:tailEnd type="none" w="med" len="med"/>
+                    </a:lnB>
+                    <a:lnTlToBr>
+                      <a:noFill/>
+                    </a:lnTlToBr>
+                    <a:lnBlToTr>
+                      <a:noFill/>
+                    </a:lnBlToTr>
+                    <a:solidFill>
+                      <a:srgbClr val="EAEAEA"/>
+                    </a:solidFill>
+                  </a:tcPr>
+                </a:tc>
+                <a:tc hMerge="1">
+                  <a:txBody>
+                    <a:bodyPr/>
+                    <a:lstStyle/>
+                    <a:p>
+                      <a:pPr marL="0" marR="0" lvl="0" indent="0" algn="l" defTabSz="914400" rtl="0" eaLnBrk="0" fontAlgn="base" latinLnBrk="0" hangingPunct="0">
+                        <a:lnSpc>
+                          <a:spcPct val="95000"/>
+                        </a:lnSpc>
+                        <a:spcBef>
+                          <a:spcPct val="0"/>
+                        </a:spcBef>
+                        <a:spcAft>
+                          <a:spcPct val="0"/>
+                        </a:spcAft>
+                        <a:buClrTx/>
+                        <a:buSzTx/>
+                        <a:buFontTx/>
+                        <a:buNone/>
+                        <a:tabLst/>
+                      </a:pPr>
+                      <a:endParaRPr kumimoji="0" lang="de-DE" sz="900" b="1" i="0" u="none" strike="noStrike" cap="none" normalizeH="0" baseline="0" dirty="0">
+                        <a:ln>
+                          <a:noFill/>
+                        </a:ln>
+                        <a:solidFill>
+                          <a:schemeClr val="tx1"/>
+                        </a:solidFill>
+                        <a:effectLst/>
+                        <a:latin typeface="BMWTypeRegular" pitchFamily="34" charset="0"/>
+                        <a:cs typeface="Arial" charset="0"/>
+                      </a:endParaRPr>
+                    </a:p>
+                  </a:txBody>
+                  <a:tcPr marL="36000" marR="36000" marT="36000" marB="36000" horzOverflow="overflow">
+                    <a:lnL w="12700" cap="flat" cmpd="sng" algn="ctr">
+                      <a:solidFill>
+                        <a:schemeClr val="tx1"/>
+                      </a:solidFill>
+                      <a:prstDash val="solid"/>
+                      <a:round/>
+                      <a:headEnd type="none" w="med" len="med"/>
+                      <a:tailEnd type="none" w="med" len="med"/>
+                    </a:lnL>
+                    <a:lnR w="12700" cap="flat" cmpd="sng" algn="ctr">
+                      <a:solidFill>
+                        <a:schemeClr val="tx1"/>
+                      </a:solidFill>
+                      <a:prstDash val="solid"/>
+                      <a:round/>
+                      <a:headEnd type="none" w="med" len="med"/>
+                      <a:tailEnd type="none" w="med" len="med"/>
+                    </a:lnR>
+                    <a:lnT w="12700" cap="flat" cmpd="sng" algn="ctr">
+                      <a:solidFill>
+                        <a:schemeClr val="tx1"/>
+                      </a:solidFill>
+                      <a:prstDash val="solid"/>
+                      <a:round/>
+                      <a:headEnd type="none" w="med" len="med"/>
+                      <a:tailEnd type="none" w="med" len="med"/>
+                    </a:lnT>
+                    <a:lnB w="12700" cap="flat" cmpd="sng" algn="ctr">
+                      <a:solidFill>
+                        <a:schemeClr val="tx1"/>
+                      </a:solidFill>
+                      <a:prstDash val="solid"/>
+                      <a:round/>
+                      <a:headEnd type="none" w="med" len="med"/>
+                      <a:tailEnd type="none" w="med" len="med"/>
+                    </a:lnB>
+                    <a:lnTlToBr>
+                      <a:noFill/>
+                    </a:lnTlToBr>
+                    <a:lnBlToTr>
+                      <a:noFill/>
+                    </a:lnBlToTr>
+                    <a:solidFill>
+                      <a:srgbClr val="EAEAEA"/>
+                    </a:solidFill>
+                  </a:tcPr>
+                </a:tc>
+                <a:extLst>
+                  <a:ext uri="{0D108BD9-81ED-4DB2-BD59-A6C34878D82A}">
+                    <a16:rowId xmlns:a16="http://schemas.microsoft.com/office/drawing/2014/main" val="10000"/>
+                  </a:ext>
+                </a:extLst>
+              </a:tr>
+              <a:tr h="231770">
+                <a:tc>
+                  <a:txBody>
+                    <a:bodyPr/>
+                    <a:lstStyle/>
+                    <a:p>
+                      <a:endParaRPr lang="de-DE" sz="1000" dirty="0">
+                        <a:latin typeface="Calibri" pitchFamily="34" charset="0"/>
+                      </a:endParaRPr>
+                    </a:p>
+                  </a:txBody>
+                  <a:tcPr marL="36000" marR="36000" marT="36000" marB="36000" horzOverflow="overflow">
+                    <a:lnL w="12700" cap="flat" cmpd="sng" algn="ctr">
+                      <a:solidFill>
+                        <a:schemeClr val="tx1"/>
+                      </a:solidFill>
+                      <a:prstDash val="solid"/>
+                      <a:round/>
+                      <a:headEnd type="none" w="med" len="med"/>
+                      <a:tailEnd type="none" w="med" len="med"/>
+                    </a:lnL>
+                    <a:lnR w="12700" cap="flat" cmpd="sng" algn="ctr">
+                      <a:solidFill>
+                        <a:schemeClr val="tx1"/>
+                      </a:solidFill>
+                      <a:prstDash val="solid"/>
+                      <a:round/>
+                      <a:headEnd type="none" w="med" len="med"/>
+                      <a:tailEnd type="none" w="med" len="med"/>
+                    </a:lnR>
+                    <a:lnT w="12700" cap="flat" cmpd="sng" algn="ctr">
+                      <a:solidFill>
+                        <a:schemeClr val="tx1"/>
+                      </a:solidFill>
+                      <a:prstDash val="solid"/>
+                      <a:round/>
+                      <a:headEnd type="none" w="med" len="med"/>
+                      <a:tailEnd type="none" w="med" len="med"/>
+                    </a:lnT>
+                    <a:lnB w="12700" cap="flat" cmpd="sng" algn="ctr">
+                      <a:solidFill>
+                        <a:schemeClr val="tx1"/>
+                      </a:solidFill>
+                      <a:prstDash val="solid"/>
+                      <a:round/>
+                      <a:headEnd type="none" w="med" len="med"/>
+                      <a:tailEnd type="none" w="med" len="med"/>
+                    </a:lnB>
+                    <a:lnTlToBr>
+                      <a:noFill/>
+                    </a:lnTlToBr>
+                    <a:lnBlToTr>
+                      <a:noFill/>
+                    </a:lnBlToTr>
+                    <a:solidFill>
+                      <a:srgbClr val="EAEAEA"/>
+                    </a:solidFill>
+                  </a:tcPr>
+                </a:tc>
+                <a:tc>
+                  <a:txBody>
+                    <a:bodyPr/>
+                    <a:lstStyle/>
+                    <a:p>
+                      <a:r>
+                        <a:rPr lang="de-DE" sz="1000" dirty="0">
+                          <a:latin typeface="Calibri" pitchFamily="34" charset="0"/>
+                        </a:rPr>
+                        <a:t>Geplant</a:t>
+                      </a:r>
+                    </a:p>
+                  </a:txBody>
+                  <a:tcPr marL="36000" marR="36000" marT="36000" marB="36000" horzOverflow="overflow">
+                    <a:lnL w="12700" cap="flat" cmpd="sng" algn="ctr">
+                      <a:solidFill>
+                        <a:schemeClr val="tx1"/>
+                      </a:solidFill>
+                      <a:prstDash val="solid"/>
+                      <a:round/>
+                      <a:headEnd type="none" w="med" len="med"/>
+                      <a:tailEnd type="none" w="med" len="med"/>
+                    </a:lnL>
+                    <a:lnR w="12700" cap="flat" cmpd="sng" algn="ctr">
+                      <a:solidFill>
+                        <a:schemeClr val="tx1"/>
+                      </a:solidFill>
+                      <a:prstDash val="solid"/>
+                      <a:round/>
+                      <a:headEnd type="none" w="med" len="med"/>
+                      <a:tailEnd type="none" w="med" len="med"/>
+                    </a:lnR>
+                    <a:lnT w="12700" cap="flat" cmpd="sng" algn="ctr">
+                      <a:solidFill>
+                        <a:schemeClr val="tx1"/>
+                      </a:solidFill>
+                      <a:prstDash val="solid"/>
+                      <a:round/>
+                      <a:headEnd type="none" w="med" len="med"/>
+                      <a:tailEnd type="none" w="med" len="med"/>
+                    </a:lnT>
+                    <a:lnB w="12700" cap="flat" cmpd="sng" algn="ctr">
+                      <a:solidFill>
+                        <a:schemeClr val="tx1"/>
+                      </a:solidFill>
+                      <a:prstDash val="solid"/>
+                      <a:round/>
+                      <a:headEnd type="none" w="med" len="med"/>
+                      <a:tailEnd type="none" w="med" len="med"/>
+                    </a:lnB>
+                    <a:lnTlToBr>
+                      <a:noFill/>
+                    </a:lnTlToBr>
+                    <a:lnBlToTr>
+                      <a:noFill/>
+                    </a:lnBlToTr>
+                    <a:solidFill>
+                      <a:srgbClr val="EAEAEA"/>
+                    </a:solidFill>
+                  </a:tcPr>
+                </a:tc>
+                <a:tc>
+                  <a:txBody>
+                    <a:bodyPr/>
+                    <a:lstStyle/>
+                    <a:p>
+                      <a:r>
+                        <a:rPr lang="de-DE" sz="1000" dirty="0" err="1">
+                          <a:latin typeface="Calibri" pitchFamily="34" charset="0"/>
+                        </a:rPr>
+                        <a:t>Forecast</a:t>
+                      </a:r>
+                      <a:endParaRPr lang="de-DE" sz="1000" dirty="0">
+                        <a:latin typeface="Calibri" pitchFamily="34" charset="0"/>
+                      </a:endParaRPr>
+                    </a:p>
+                  </a:txBody>
+                  <a:tcPr marL="36000" marR="36000" marT="36000" marB="36000" horzOverflow="overflow">
+                    <a:lnL w="12700" cap="flat" cmpd="sng" algn="ctr">
+                      <a:solidFill>
+                        <a:schemeClr val="tx1"/>
+                      </a:solidFill>
+                      <a:prstDash val="solid"/>
+                      <a:round/>
+                      <a:headEnd type="none" w="med" len="med"/>
+                      <a:tailEnd type="none" w="med" len="med"/>
+                    </a:lnL>
+                    <a:lnR w="12700" cap="flat" cmpd="sng" algn="ctr">
+                      <a:solidFill>
+                        <a:schemeClr val="tx1"/>
+                      </a:solidFill>
+                      <a:prstDash val="solid"/>
+                      <a:round/>
+                      <a:headEnd type="none" w="med" len="med"/>
+                      <a:tailEnd type="none" w="med" len="med"/>
+                    </a:lnR>
+                    <a:lnT w="12700" cap="flat" cmpd="sng" algn="ctr">
+                      <a:solidFill>
+                        <a:schemeClr val="tx1"/>
+                      </a:solidFill>
+                      <a:prstDash val="solid"/>
+                      <a:round/>
+                      <a:headEnd type="none" w="med" len="med"/>
+                      <a:tailEnd type="none" w="med" len="med"/>
+                    </a:lnT>
+                    <a:lnB w="12700" cap="flat" cmpd="sng" algn="ctr">
+                      <a:solidFill>
+                        <a:schemeClr val="tx1"/>
+                      </a:solidFill>
+                      <a:prstDash val="solid"/>
+                      <a:round/>
+                      <a:headEnd type="none" w="med" len="med"/>
+                      <a:tailEnd type="none" w="med" len="med"/>
+                    </a:lnB>
+                    <a:lnTlToBr>
+                      <a:noFill/>
+                    </a:lnTlToBr>
+                    <a:lnBlToTr>
+                      <a:noFill/>
+                    </a:lnBlToTr>
+                    <a:solidFill>
+                      <a:srgbClr val="EAEAEA"/>
+                    </a:solidFill>
+                  </a:tcPr>
+                </a:tc>
+                <a:extLst>
+                  <a:ext uri="{0D108BD9-81ED-4DB2-BD59-A6C34878D82A}">
+                    <a16:rowId xmlns:a16="http://schemas.microsoft.com/office/drawing/2014/main" val="10001"/>
+                  </a:ext>
+                </a:extLst>
+              </a:tr>
+              <a:tr h="231770">
+                <a:tc>
+                  <a:txBody>
+                    <a:bodyPr/>
+                    <a:lstStyle/>
+                    <a:p>
+                      <a:pPr marL="0" marR="0" lvl="0" indent="0" algn="l" defTabSz="914400" rtl="0" eaLnBrk="1" fontAlgn="base" latinLnBrk="0" hangingPunct="1">
+                        <a:lnSpc>
+                          <a:spcPct val="100000"/>
+                        </a:lnSpc>
+                        <a:spcBef>
+                          <a:spcPct val="0"/>
+                        </a:spcBef>
+                        <a:spcAft>
+                          <a:spcPct val="25000"/>
+                        </a:spcAft>
+                        <a:buClrTx/>
+                        <a:buSzTx/>
+                        <a:buFontTx/>
+                        <a:buNone/>
+                        <a:tabLst/>
+                        <a:defRPr/>
+                      </a:pPr>
+                      <a:r>
+                        <a:rPr kumimoji="0" lang="de-DE" sz="1000" b="0" i="0" u="none" strike="noStrike" kern="1200" cap="none" normalizeH="0" baseline="0" dirty="0">
+                          <a:ln>
+                            <a:noFill/>
+                          </a:ln>
+                          <a:solidFill>
+                            <a:schemeClr val="tx1"/>
+                          </a:solidFill>
+                          <a:effectLst/>
+                          <a:latin typeface="Calibri" pitchFamily="34" charset="0"/>
+                          <a:ea typeface="+mn-ea"/>
+                          <a:cs typeface="Arial" charset="0"/>
+                        </a:rPr>
+                        <a:t>Layout grafisch erstellen</a:t>
+                      </a:r>
+                    </a:p>
+                  </a:txBody>
+                  <a:tcPr marL="36000" marR="36000" marT="36000" marB="36000" horzOverflow="overflow">
+                    <a:lnL w="12700" cap="flat" cmpd="sng" algn="ctr">
+                      <a:solidFill>
+                        <a:schemeClr val="tx1"/>
+                      </a:solidFill>
+                      <a:prstDash val="solid"/>
+                      <a:round/>
+                      <a:headEnd type="none" w="med" len="med"/>
+                      <a:tailEnd type="none" w="med" len="med"/>
+                    </a:lnL>
+                    <a:lnR w="12700" cap="flat" cmpd="sng" algn="ctr">
+                      <a:solidFill>
+                        <a:schemeClr val="tx1"/>
+                      </a:solidFill>
+                      <a:prstDash val="solid"/>
+                      <a:round/>
+                      <a:headEnd type="none" w="med" len="med"/>
+                      <a:tailEnd type="none" w="med" len="med"/>
+                    </a:lnR>
+                    <a:lnT w="12700" cap="flat" cmpd="sng" algn="ctr">
+                      <a:solidFill>
+                        <a:schemeClr val="tx1"/>
+                      </a:solidFill>
+                      <a:prstDash val="solid"/>
+                      <a:round/>
+                      <a:headEnd type="none" w="med" len="med"/>
+                      <a:tailEnd type="none" w="med" len="med"/>
+                    </a:lnT>
+                    <a:lnB w="12700" cap="flat" cmpd="sng" algn="ctr">
+                      <a:solidFill>
+                        <a:schemeClr val="tx1"/>
+                      </a:solidFill>
+                      <a:prstDash val="solid"/>
+                      <a:round/>
+                      <a:headEnd type="none" w="med" len="med"/>
+                      <a:tailEnd type="none" w="med" len="med"/>
+                    </a:lnB>
+                    <a:lnTlToBr>
+                      <a:noFill/>
+                    </a:lnTlToBr>
+                    <a:lnBlToTr>
+                      <a:noFill/>
+                    </a:lnBlToTr>
+                    <a:noFill/>
+                  </a:tcPr>
+                </a:tc>
+                <a:tc>
+                  <a:txBody>
+                    <a:bodyPr/>
+                    <a:lstStyle/>
+                    <a:p>
+                      <a:pPr marL="92075" marR="0" lvl="0" indent="-92075" algn="l" defTabSz="914400" rtl="0" eaLnBrk="1" fontAlgn="base" latinLnBrk="0" hangingPunct="1">
+                        <a:lnSpc>
+                          <a:spcPct val="100000"/>
+                        </a:lnSpc>
+                        <a:spcBef>
+                          <a:spcPct val="0"/>
+                        </a:spcBef>
+                        <a:spcAft>
+                          <a:spcPct val="25000"/>
+                        </a:spcAft>
+                        <a:buClrTx/>
+                        <a:buSzTx/>
+                        <a:buFontTx/>
+                        <a:buNone/>
+                        <a:tabLst/>
+                      </a:pPr>
+                      <a:r>
+                        <a:rPr kumimoji="0" lang="de-DE" sz="1000" b="0" i="0" u="none" strike="noStrike" kern="1200" cap="none" normalizeH="0" baseline="0" dirty="0">
+                          <a:ln>
+                            <a:noFill/>
+                          </a:ln>
+                          <a:solidFill>
+                            <a:schemeClr val="tx1"/>
+                          </a:solidFill>
+                          <a:effectLst/>
+                          <a:latin typeface="Calibri" pitchFamily="34" charset="0"/>
+                          <a:ea typeface="+mn-ea"/>
+                          <a:cs typeface="Arial" charset="0"/>
+                          <a:sym typeface="Wingdings" pitchFamily="2" charset="2"/>
+                        </a:rPr>
+                        <a:t>KW42/16</a:t>
+                      </a:r>
+                    </a:p>
+                  </a:txBody>
+                  <a:tcPr marL="36000" marR="36000" marT="36000" marB="36000" horzOverflow="overflow">
+                    <a:lnL w="12700" cap="flat" cmpd="sng" algn="ctr">
+                      <a:solidFill>
+                        <a:schemeClr val="tx1"/>
+                      </a:solidFill>
+                      <a:prstDash val="solid"/>
+                      <a:round/>
+                      <a:headEnd type="none" w="med" len="med"/>
+                      <a:tailEnd type="none" w="med" len="med"/>
+                    </a:lnL>
+                    <a:lnR w="12700" cap="flat" cmpd="sng" algn="ctr">
+                      <a:solidFill>
+                        <a:schemeClr val="tx1"/>
+                      </a:solidFill>
+                      <a:prstDash val="solid"/>
+                      <a:round/>
+                      <a:headEnd type="none" w="med" len="med"/>
+                      <a:tailEnd type="none" w="med" len="med"/>
+                    </a:lnR>
+                    <a:lnT w="12700" cap="flat" cmpd="sng" algn="ctr">
+                      <a:solidFill>
+                        <a:schemeClr val="tx1"/>
+                      </a:solidFill>
+                      <a:prstDash val="solid"/>
+                      <a:round/>
+                      <a:headEnd type="none" w="med" len="med"/>
+                      <a:tailEnd type="none" w="med" len="med"/>
+                    </a:lnT>
+                    <a:lnB w="12700" cap="flat" cmpd="sng" algn="ctr">
+                      <a:solidFill>
+                        <a:schemeClr val="tx1"/>
+                      </a:solidFill>
+                      <a:prstDash val="solid"/>
+                      <a:round/>
+                      <a:headEnd type="none" w="med" len="med"/>
+                      <a:tailEnd type="none" w="med" len="med"/>
+                    </a:lnB>
+                    <a:lnTlToBr>
+                      <a:noFill/>
+                    </a:lnTlToBr>
+                    <a:lnBlToTr>
+                      <a:noFill/>
+                    </a:lnBlToTr>
+                    <a:noFill/>
+                  </a:tcPr>
+                </a:tc>
+                <a:tc>
+                  <a:txBody>
+                    <a:bodyPr/>
+                    <a:lstStyle/>
+                    <a:p>
+                      <a:pPr marL="92075" marR="0" lvl="0" indent="-92075" algn="l" defTabSz="914400" rtl="0" eaLnBrk="1" fontAlgn="base" latinLnBrk="0" hangingPunct="1">
+                        <a:lnSpc>
+                          <a:spcPct val="100000"/>
+                        </a:lnSpc>
+                        <a:spcBef>
+                          <a:spcPct val="0"/>
+                        </a:spcBef>
+                        <a:spcAft>
+                          <a:spcPct val="25000"/>
+                        </a:spcAft>
+                        <a:buClrTx/>
+                        <a:buSzTx/>
+                        <a:buFontTx/>
+                        <a:buNone/>
+                        <a:tabLst/>
+                      </a:pPr>
+                      <a:r>
+                        <a:rPr kumimoji="0" lang="de-DE" sz="1000" b="0" i="0" u="none" strike="noStrike" kern="1200" cap="none" normalizeH="0" baseline="0" dirty="0">
+                          <a:ln>
+                            <a:noFill/>
+                          </a:ln>
+                          <a:solidFill>
+                            <a:schemeClr val="tx1"/>
+                          </a:solidFill>
+                          <a:effectLst/>
+                          <a:latin typeface="Calibri" pitchFamily="34" charset="0"/>
+                          <a:ea typeface="+mn-ea"/>
+                          <a:cs typeface="Arial" charset="0"/>
+                          <a:sym typeface="Wingdings" pitchFamily="2" charset="2"/>
+                        </a:rPr>
+                        <a:t>KW42/16</a:t>
+                      </a:r>
+                    </a:p>
+                  </a:txBody>
+                  <a:tcPr marL="36000" marR="36000" marT="36000" marB="36000" horzOverflow="overflow">
+                    <a:lnL w="12700" cap="flat" cmpd="sng" algn="ctr">
+                      <a:solidFill>
+                        <a:schemeClr val="tx1"/>
+                      </a:solidFill>
+                      <a:prstDash val="solid"/>
+                      <a:round/>
+                      <a:headEnd type="none" w="med" len="med"/>
+                      <a:tailEnd type="none" w="med" len="med"/>
+                    </a:lnL>
+                    <a:lnR w="12700" cap="flat" cmpd="sng" algn="ctr">
+                      <a:solidFill>
+                        <a:schemeClr val="tx1"/>
+                      </a:solidFill>
+                      <a:prstDash val="solid"/>
+                      <a:round/>
+                      <a:headEnd type="none" w="med" len="med"/>
+                      <a:tailEnd type="none" w="med" len="med"/>
+                    </a:lnR>
+                    <a:lnT w="12700" cap="flat" cmpd="sng" algn="ctr">
+                      <a:solidFill>
+                        <a:schemeClr val="tx1"/>
+                      </a:solidFill>
+                      <a:prstDash val="solid"/>
+                      <a:round/>
+                      <a:headEnd type="none" w="med" len="med"/>
+                      <a:tailEnd type="none" w="med" len="med"/>
+                    </a:lnT>
+                    <a:lnB w="12700" cap="flat" cmpd="sng" algn="ctr">
+                      <a:solidFill>
+                        <a:schemeClr val="tx1"/>
+                      </a:solidFill>
+                      <a:prstDash val="solid"/>
+                      <a:round/>
+                      <a:headEnd type="none" w="med" len="med"/>
+                      <a:tailEnd type="none" w="med" len="med"/>
+                    </a:lnB>
+                    <a:lnTlToBr>
+                      <a:noFill/>
+                    </a:lnTlToBr>
+                    <a:lnBlToTr>
+                      <a:noFill/>
+                    </a:lnBlToTr>
+                    <a:noFill/>
+                  </a:tcPr>
+                </a:tc>
+                <a:extLst>
+                  <a:ext uri="{0D108BD9-81ED-4DB2-BD59-A6C34878D82A}">
+                    <a16:rowId xmlns:a16="http://schemas.microsoft.com/office/drawing/2014/main" val="10002"/>
+                  </a:ext>
+                </a:extLst>
+              </a:tr>
+              <a:tr h="231770">
+                <a:tc>
+                  <a:txBody>
+                    <a:bodyPr/>
+                    <a:lstStyle/>
+                    <a:p>
+                      <a:pPr marL="0" marR="0" lvl="0" indent="0" algn="l" defTabSz="914400" rtl="0" eaLnBrk="1" fontAlgn="base" latinLnBrk="0" hangingPunct="1">
+                        <a:lnSpc>
+                          <a:spcPct val="100000"/>
+                        </a:lnSpc>
+                        <a:spcBef>
+                          <a:spcPct val="0"/>
+                        </a:spcBef>
+                        <a:spcAft>
+                          <a:spcPct val="25000"/>
+                        </a:spcAft>
+                        <a:buClrTx/>
+                        <a:buSzTx/>
+                        <a:buFontTx/>
+                        <a:buNone/>
+                        <a:tabLst/>
+                        <a:defRPr/>
+                      </a:pPr>
+                      <a:r>
+                        <a:rPr kumimoji="0" lang="de-DE" sz="1000" b="0" i="0" u="none" strike="noStrike" kern="1200" cap="none" normalizeH="0" baseline="0" dirty="0">
+                          <a:ln>
+                            <a:noFill/>
+                          </a:ln>
+                          <a:solidFill>
+                            <a:schemeClr val="tx1"/>
+                          </a:solidFill>
+                          <a:effectLst/>
+                          <a:latin typeface="Calibri" pitchFamily="34" charset="0"/>
+                          <a:ea typeface="+mn-ea"/>
+                          <a:cs typeface="Arial" charset="0"/>
+                        </a:rPr>
+                        <a:t>Zusammengeführte Seitenelemente</a:t>
+                      </a:r>
+                    </a:p>
+                  </a:txBody>
+                  <a:tcPr marL="36000" marR="36000" marT="36000" marB="36000" horzOverflow="overflow">
+                    <a:lnL w="12700" cap="flat" cmpd="sng" algn="ctr">
+                      <a:solidFill>
+                        <a:schemeClr val="tx1"/>
+                      </a:solidFill>
+                      <a:prstDash val="solid"/>
+                      <a:round/>
+                      <a:headEnd type="none" w="med" len="med"/>
+                      <a:tailEnd type="none" w="med" len="med"/>
+                    </a:lnL>
+                    <a:lnR w="12700" cap="flat" cmpd="sng" algn="ctr">
+                      <a:solidFill>
+                        <a:schemeClr val="tx1"/>
+                      </a:solidFill>
+                      <a:prstDash val="solid"/>
+                      <a:round/>
+                      <a:headEnd type="none" w="med" len="med"/>
+                      <a:tailEnd type="none" w="med" len="med"/>
+                    </a:lnR>
+                    <a:lnT w="12700" cap="flat" cmpd="sng" algn="ctr">
+                      <a:solidFill>
+                        <a:schemeClr val="tx1"/>
+                      </a:solidFill>
+                      <a:prstDash val="solid"/>
+                      <a:round/>
+                      <a:headEnd type="none" w="med" len="med"/>
+                      <a:tailEnd type="none" w="med" len="med"/>
+                    </a:lnT>
+                    <a:lnB w="12700" cap="flat" cmpd="sng" algn="ctr">
+                      <a:solidFill>
+                        <a:schemeClr val="tx1"/>
+                      </a:solidFill>
+                      <a:prstDash val="solid"/>
+                      <a:round/>
+                      <a:headEnd type="none" w="med" len="med"/>
+                      <a:tailEnd type="none" w="med" len="med"/>
+                    </a:lnB>
+                    <a:lnTlToBr>
+                      <a:noFill/>
+                    </a:lnTlToBr>
+                    <a:lnBlToTr>
+                      <a:noFill/>
+                    </a:lnBlToTr>
+                    <a:noFill/>
+                  </a:tcPr>
+                </a:tc>
+                <a:tc>
+                  <a:txBody>
+                    <a:bodyPr/>
+                    <a:lstStyle/>
+                    <a:p>
+                      <a:pPr marL="92075" marR="0" lvl="0" indent="-92075" algn="l" defTabSz="914400" rtl="0" eaLnBrk="1" fontAlgn="base" latinLnBrk="0" hangingPunct="1">
+                        <a:lnSpc>
+                          <a:spcPct val="100000"/>
+                        </a:lnSpc>
+                        <a:spcBef>
+                          <a:spcPct val="0"/>
+                        </a:spcBef>
+                        <a:spcAft>
+                          <a:spcPct val="25000"/>
+                        </a:spcAft>
+                        <a:buClrTx/>
+                        <a:buSzTx/>
+                        <a:buFontTx/>
+                        <a:buNone/>
+                        <a:tabLst/>
+                      </a:pPr>
+                      <a:r>
+                        <a:rPr kumimoji="0" lang="de-DE" sz="1000" b="0" i="0" u="none" strike="noStrike" kern="1200" cap="none" normalizeH="0" baseline="0" dirty="0">
+                          <a:ln>
+                            <a:noFill/>
+                          </a:ln>
+                          <a:solidFill>
+                            <a:schemeClr val="tx1"/>
+                          </a:solidFill>
+                          <a:effectLst/>
+                          <a:latin typeface="Calibri" pitchFamily="34" charset="0"/>
+                          <a:ea typeface="+mn-ea"/>
+                          <a:cs typeface="Arial" charset="0"/>
+                          <a:sym typeface="Wingdings" pitchFamily="2" charset="2"/>
+                        </a:rPr>
+                        <a:t>KW4/17</a:t>
+                      </a:r>
+                    </a:p>
+                  </a:txBody>
+                  <a:tcPr marL="36000" marR="36000" marT="36000" marB="36000" horzOverflow="overflow">
+                    <a:lnL w="12700" cap="flat" cmpd="sng" algn="ctr">
+                      <a:solidFill>
+                        <a:schemeClr val="tx1"/>
+                      </a:solidFill>
+                      <a:prstDash val="solid"/>
+                      <a:round/>
+                      <a:headEnd type="none" w="med" len="med"/>
+                      <a:tailEnd type="none" w="med" len="med"/>
+                    </a:lnL>
+                    <a:lnR w="12700" cap="flat" cmpd="sng" algn="ctr">
+                      <a:solidFill>
+                        <a:schemeClr val="tx1"/>
+                      </a:solidFill>
+                      <a:prstDash val="solid"/>
+                      <a:round/>
+                      <a:headEnd type="none" w="med" len="med"/>
+                      <a:tailEnd type="none" w="med" len="med"/>
+                    </a:lnR>
+                    <a:lnT w="12700" cap="flat" cmpd="sng" algn="ctr">
+                      <a:solidFill>
+                        <a:schemeClr val="tx1"/>
+                      </a:solidFill>
+                      <a:prstDash val="solid"/>
+                      <a:round/>
+                      <a:headEnd type="none" w="med" len="med"/>
+                      <a:tailEnd type="none" w="med" len="med"/>
+                    </a:lnT>
+                    <a:lnB w="12700" cap="flat" cmpd="sng" algn="ctr">
+                      <a:solidFill>
+                        <a:schemeClr val="tx1"/>
+                      </a:solidFill>
+                      <a:prstDash val="solid"/>
+                      <a:round/>
+                      <a:headEnd type="none" w="med" len="med"/>
+                      <a:tailEnd type="none" w="med" len="med"/>
+                    </a:lnB>
+                    <a:lnTlToBr>
+                      <a:noFill/>
+                    </a:lnTlToBr>
+                    <a:lnBlToTr>
+                      <a:noFill/>
+                    </a:lnBlToTr>
+                    <a:noFill/>
+                  </a:tcPr>
+                </a:tc>
+                <a:tc>
+                  <a:txBody>
+                    <a:bodyPr/>
+                    <a:lstStyle/>
+                    <a:p>
+                      <a:pPr marL="92075" marR="0" lvl="0" indent="-92075" algn="l" defTabSz="914400" rtl="0" eaLnBrk="1" fontAlgn="base" latinLnBrk="0" hangingPunct="1">
+                        <a:lnSpc>
+                          <a:spcPct val="100000"/>
+                        </a:lnSpc>
+                        <a:spcBef>
+                          <a:spcPct val="0"/>
+                        </a:spcBef>
+                        <a:spcAft>
+                          <a:spcPct val="25000"/>
+                        </a:spcAft>
+                        <a:buClrTx/>
+                        <a:buSzTx/>
+                        <a:buFontTx/>
+                        <a:buNone/>
+                        <a:tabLst/>
+                      </a:pPr>
+                      <a:r>
+                        <a:rPr kumimoji="0" lang="de-DE" sz="1000" b="0" i="0" u="none" strike="noStrike" kern="1200" cap="none" normalizeH="0" baseline="0" dirty="0">
+                          <a:ln>
+                            <a:noFill/>
+                          </a:ln>
+                          <a:solidFill>
+                            <a:schemeClr val="tx1"/>
+                          </a:solidFill>
+                          <a:effectLst/>
+                          <a:latin typeface="Calibri" pitchFamily="34" charset="0"/>
+                          <a:ea typeface="+mn-ea"/>
+                          <a:cs typeface="Arial" charset="0"/>
+                          <a:sym typeface="Wingdings" pitchFamily="2" charset="2"/>
+                        </a:rPr>
+                        <a:t>KW4/17</a:t>
+                      </a:r>
+                    </a:p>
+                  </a:txBody>
+                  <a:tcPr marL="36000" marR="36000" marT="36000" marB="36000" horzOverflow="overflow">
+                    <a:lnL w="12700" cap="flat" cmpd="sng" algn="ctr">
+                      <a:solidFill>
+                        <a:schemeClr val="tx1"/>
+                      </a:solidFill>
+                      <a:prstDash val="solid"/>
+                      <a:round/>
+                      <a:headEnd type="none" w="med" len="med"/>
+                      <a:tailEnd type="none" w="med" len="med"/>
+                    </a:lnL>
+                    <a:lnR w="12700" cap="flat" cmpd="sng" algn="ctr">
+                      <a:solidFill>
+                        <a:schemeClr val="tx1"/>
+                      </a:solidFill>
+                      <a:prstDash val="solid"/>
+                      <a:round/>
+                      <a:headEnd type="none" w="med" len="med"/>
+                      <a:tailEnd type="none" w="med" len="med"/>
+                    </a:lnR>
+                    <a:lnT w="12700" cap="flat" cmpd="sng" algn="ctr">
+                      <a:solidFill>
+                        <a:schemeClr val="tx1"/>
+                      </a:solidFill>
+                      <a:prstDash val="solid"/>
+                      <a:round/>
+                      <a:headEnd type="none" w="med" len="med"/>
+                      <a:tailEnd type="none" w="med" len="med"/>
+                    </a:lnT>
+                    <a:lnB w="12700" cap="flat" cmpd="sng" algn="ctr">
+                      <a:solidFill>
+                        <a:schemeClr val="tx1"/>
+                      </a:solidFill>
+                      <a:prstDash val="solid"/>
+                      <a:round/>
+                      <a:headEnd type="none" w="med" len="med"/>
+                      <a:tailEnd type="none" w="med" len="med"/>
+                    </a:lnB>
+                    <a:lnTlToBr>
+                      <a:noFill/>
+                    </a:lnTlToBr>
+                    <a:lnBlToTr>
+                      <a:noFill/>
+                    </a:lnBlToTr>
+                    <a:noFill/>
+                  </a:tcPr>
+                </a:tc>
+                <a:extLst>
+                  <a:ext uri="{0D108BD9-81ED-4DB2-BD59-A6C34878D82A}">
+                    <a16:rowId xmlns:a16="http://schemas.microsoft.com/office/drawing/2014/main" val="10003"/>
+                  </a:ext>
+                </a:extLst>
+              </a:tr>
+              <a:tr h="231770">
+                <a:tc>
+                  <a:txBody>
+                    <a:bodyPr/>
+                    <a:lstStyle/>
+                    <a:p>
+                      <a:pPr marL="92075" marR="0" lvl="0" indent="-92075" algn="l" defTabSz="914400" rtl="0" eaLnBrk="1" fontAlgn="base" latinLnBrk="0" hangingPunct="1">
+                        <a:lnSpc>
+                          <a:spcPct val="100000"/>
+                        </a:lnSpc>
+                        <a:spcBef>
+                          <a:spcPct val="0"/>
+                        </a:spcBef>
+                        <a:spcAft>
+                          <a:spcPct val="25000"/>
+                        </a:spcAft>
+                        <a:buClrTx/>
+                        <a:buSzTx/>
+                        <a:buFontTx/>
+                        <a:buNone/>
+                        <a:tabLst/>
+                        <a:defRPr/>
+                      </a:pPr>
+                      <a:r>
+                        <a:rPr kumimoji="0" lang="de-DE" sz="1000" b="0" i="0" u="none" strike="noStrike" kern="1200" cap="none" normalizeH="0" baseline="0" dirty="0">
+                          <a:ln>
+                            <a:noFill/>
+                          </a:ln>
+                          <a:solidFill>
+                            <a:schemeClr val="tx1"/>
+                          </a:solidFill>
+                          <a:effectLst/>
+                          <a:latin typeface="Calibri" pitchFamily="34" charset="0"/>
+                          <a:ea typeface="+mn-ea"/>
+                          <a:cs typeface="Arial" charset="0"/>
+                        </a:rPr>
+                        <a:t>Google Dienste</a:t>
+                      </a:r>
+                    </a:p>
+                  </a:txBody>
+                  <a:tcPr marL="36000" marR="36000" marT="36000" marB="36000" horzOverflow="overflow">
+                    <a:lnL w="12700" cap="flat" cmpd="sng" algn="ctr">
+                      <a:solidFill>
+                        <a:schemeClr val="tx1"/>
+                      </a:solidFill>
+                      <a:prstDash val="solid"/>
+                      <a:round/>
+                      <a:headEnd type="none" w="med" len="med"/>
+                      <a:tailEnd type="none" w="med" len="med"/>
+                    </a:lnL>
+                    <a:lnR w="12700" cap="flat" cmpd="sng" algn="ctr">
+                      <a:solidFill>
+                        <a:schemeClr val="tx1"/>
+                      </a:solidFill>
+                      <a:prstDash val="solid"/>
+                      <a:round/>
+                      <a:headEnd type="none" w="med" len="med"/>
+                      <a:tailEnd type="none" w="med" len="med"/>
+                    </a:lnR>
+                    <a:lnT w="12700" cap="flat" cmpd="sng" algn="ctr">
+                      <a:solidFill>
+                        <a:schemeClr val="tx1"/>
+                      </a:solidFill>
+                      <a:prstDash val="solid"/>
+                      <a:round/>
+                      <a:headEnd type="none" w="med" len="med"/>
+                      <a:tailEnd type="none" w="med" len="med"/>
+                    </a:lnT>
+                    <a:lnB w="12700" cap="flat" cmpd="sng" algn="ctr">
+                      <a:solidFill>
+                        <a:schemeClr val="tx1"/>
+                      </a:solidFill>
+                      <a:prstDash val="solid"/>
+                      <a:round/>
+                      <a:headEnd type="none" w="med" len="med"/>
+                      <a:tailEnd type="none" w="med" len="med"/>
+                    </a:lnB>
+                    <a:lnTlToBr>
+                      <a:noFill/>
+                    </a:lnTlToBr>
+                    <a:lnBlToTr>
+                      <a:noFill/>
+                    </a:lnBlToTr>
+                    <a:noFill/>
+                  </a:tcPr>
+                </a:tc>
+                <a:tc>
+                  <a:txBody>
+                    <a:bodyPr/>
+                    <a:lstStyle/>
+                    <a:p>
+                      <a:pPr marL="92075" marR="0" lvl="0" indent="-92075" algn="l" defTabSz="914400" rtl="0" eaLnBrk="1" fontAlgn="base" latinLnBrk="0" hangingPunct="1">
+                        <a:lnSpc>
+                          <a:spcPct val="100000"/>
+                        </a:lnSpc>
+                        <a:spcBef>
+                          <a:spcPct val="0"/>
+                        </a:spcBef>
+                        <a:spcAft>
+                          <a:spcPct val="25000"/>
+                        </a:spcAft>
+                        <a:buClrTx/>
+                        <a:buSzTx/>
+                        <a:buFontTx/>
+                        <a:buNone/>
+                        <a:tabLst/>
+                      </a:pPr>
+                      <a:r>
+                        <a:rPr kumimoji="0" lang="de-DE" sz="1000" b="0" i="0" u="none" strike="noStrike" cap="none" normalizeH="0" baseline="0" dirty="0">
+                          <a:ln>
+                            <a:noFill/>
+                          </a:ln>
+                          <a:solidFill>
+                            <a:schemeClr val="tx1"/>
+                          </a:solidFill>
+                          <a:effectLst/>
+                          <a:latin typeface="Calibri" pitchFamily="34" charset="0"/>
+                          <a:cs typeface="Arial" charset="0"/>
+                        </a:rPr>
+                        <a:t>KW11/17</a:t>
+                      </a:r>
+                    </a:p>
+                  </a:txBody>
+                  <a:tcPr marL="36000" marR="36000" marT="36000" marB="36000" horzOverflow="overflow">
+                    <a:lnL w="12700" cap="flat" cmpd="sng" algn="ctr">
+                      <a:solidFill>
+                        <a:schemeClr val="tx1"/>
+                      </a:solidFill>
+                      <a:prstDash val="solid"/>
+                      <a:round/>
+                      <a:headEnd type="none" w="med" len="med"/>
+                      <a:tailEnd type="none" w="med" len="med"/>
+                    </a:lnL>
+                    <a:lnR w="12700" cap="flat" cmpd="sng" algn="ctr">
+                      <a:solidFill>
+                        <a:schemeClr val="tx1"/>
+                      </a:solidFill>
+                      <a:prstDash val="solid"/>
+                      <a:round/>
+                      <a:headEnd type="none" w="med" len="med"/>
+                      <a:tailEnd type="none" w="med" len="med"/>
+                    </a:lnR>
+                    <a:lnT w="12700" cap="flat" cmpd="sng" algn="ctr">
+                      <a:solidFill>
+                        <a:schemeClr val="tx1"/>
+                      </a:solidFill>
+                      <a:prstDash val="solid"/>
+                      <a:round/>
+                      <a:headEnd type="none" w="med" len="med"/>
+                      <a:tailEnd type="none" w="med" len="med"/>
+                    </a:lnT>
+                    <a:lnB w="12700" cap="flat" cmpd="sng" algn="ctr">
+                      <a:solidFill>
+                        <a:schemeClr val="tx1"/>
+                      </a:solidFill>
+                      <a:prstDash val="solid"/>
+                      <a:round/>
+                      <a:headEnd type="none" w="med" len="med"/>
+                      <a:tailEnd type="none" w="med" len="med"/>
+                    </a:lnB>
+                    <a:lnTlToBr>
+                      <a:noFill/>
+                    </a:lnTlToBr>
+                    <a:lnBlToTr>
+                      <a:noFill/>
+                    </a:lnBlToTr>
+                    <a:noFill/>
+                  </a:tcPr>
+                </a:tc>
+                <a:tc>
+                  <a:txBody>
+                    <a:bodyPr/>
+                    <a:lstStyle/>
+                    <a:p>
+                      <a:pPr marL="92075" marR="0" lvl="0" indent="-92075" algn="l" defTabSz="914400" rtl="0" eaLnBrk="1" fontAlgn="base" latinLnBrk="0" hangingPunct="1">
+                        <a:lnSpc>
+                          <a:spcPct val="100000"/>
+                        </a:lnSpc>
+                        <a:spcBef>
+                          <a:spcPct val="0"/>
+                        </a:spcBef>
+                        <a:spcAft>
+                          <a:spcPct val="25000"/>
+                        </a:spcAft>
+                        <a:buClrTx/>
+                        <a:buSzTx/>
+                        <a:buFontTx/>
+                        <a:buNone/>
+                        <a:tabLst/>
+                      </a:pPr>
+                      <a:r>
+                        <a:rPr kumimoji="0" lang="de-DE" sz="1000" b="0" i="0" u="none" strike="noStrike" cap="none" normalizeH="0" baseline="0" dirty="0">
+                          <a:ln>
+                            <a:noFill/>
+                          </a:ln>
+                          <a:solidFill>
+                            <a:schemeClr val="tx1"/>
+                          </a:solidFill>
+                          <a:effectLst/>
+                          <a:latin typeface="Calibri" pitchFamily="34" charset="0"/>
+                          <a:cs typeface="Arial" charset="0"/>
+                        </a:rPr>
+                        <a:t>KW11/17</a:t>
+                      </a:r>
+                    </a:p>
+                  </a:txBody>
+                  <a:tcPr marL="36000" marR="36000" marT="36000" marB="36000" horzOverflow="overflow">
+                    <a:lnL w="12700" cap="flat" cmpd="sng" algn="ctr">
+                      <a:solidFill>
+                        <a:schemeClr val="tx1"/>
+                      </a:solidFill>
+                      <a:prstDash val="solid"/>
+                      <a:round/>
+                      <a:headEnd type="none" w="med" len="med"/>
+                      <a:tailEnd type="none" w="med" len="med"/>
+                    </a:lnL>
+                    <a:lnR w="12700" cap="flat" cmpd="sng" algn="ctr">
+                      <a:solidFill>
+                        <a:schemeClr val="tx1"/>
+                      </a:solidFill>
+                      <a:prstDash val="solid"/>
+                      <a:round/>
+                      <a:headEnd type="none" w="med" len="med"/>
+                      <a:tailEnd type="none" w="med" len="med"/>
+                    </a:lnR>
+                    <a:lnT w="12700" cap="flat" cmpd="sng" algn="ctr">
+                      <a:solidFill>
+                        <a:schemeClr val="tx1"/>
+                      </a:solidFill>
+                      <a:prstDash val="solid"/>
+                      <a:round/>
+                      <a:headEnd type="none" w="med" len="med"/>
+                      <a:tailEnd type="none" w="med" len="med"/>
+                    </a:lnT>
+                    <a:lnB w="12700" cap="flat" cmpd="sng" algn="ctr">
+                      <a:solidFill>
+                        <a:schemeClr val="tx1"/>
+                      </a:solidFill>
+                      <a:prstDash val="solid"/>
+                      <a:round/>
+                      <a:headEnd type="none" w="med" len="med"/>
+                      <a:tailEnd type="none" w="med" len="med"/>
+                    </a:lnB>
+                    <a:lnTlToBr>
+                      <a:noFill/>
+                    </a:lnTlToBr>
+                    <a:lnBlToTr>
+                      <a:noFill/>
+                    </a:lnBlToTr>
+                    <a:noFill/>
+                  </a:tcPr>
+                </a:tc>
+                <a:extLst>
+                  <a:ext uri="{0D108BD9-81ED-4DB2-BD59-A6C34878D82A}">
+                    <a16:rowId xmlns:a16="http://schemas.microsoft.com/office/drawing/2014/main" val="10004"/>
+                  </a:ext>
+                </a:extLst>
+              </a:tr>
+              <a:tr h="231770">
+                <a:tc>
+                  <a:txBody>
+                    <a:bodyPr/>
+                    <a:lstStyle/>
+                    <a:p>
+                      <a:pPr marL="92075" marR="0" lvl="0" indent="-92075" algn="l" defTabSz="914400" rtl="0" eaLnBrk="1" fontAlgn="base" latinLnBrk="0" hangingPunct="1">
+                        <a:lnSpc>
+                          <a:spcPct val="100000"/>
+                        </a:lnSpc>
+                        <a:spcBef>
+                          <a:spcPct val="0"/>
+                        </a:spcBef>
+                        <a:spcAft>
+                          <a:spcPct val="25000"/>
+                        </a:spcAft>
+                        <a:buClrTx/>
+                        <a:buSzTx/>
+                        <a:buFontTx/>
+                        <a:buNone/>
+                        <a:tabLst/>
+                        <a:defRPr/>
+                      </a:pPr>
+                      <a:r>
+                        <a:rPr kumimoji="0" lang="de-DE" sz="1000" b="0" i="0" u="none" strike="noStrike" kern="1200" cap="none" normalizeH="0" baseline="0" dirty="0">
+                          <a:ln>
+                            <a:noFill/>
+                          </a:ln>
+                          <a:solidFill>
+                            <a:schemeClr val="tx1"/>
+                          </a:solidFill>
+                          <a:effectLst/>
+                          <a:latin typeface="Calibri" pitchFamily="34" charset="0"/>
+                          <a:ea typeface="+mn-ea"/>
+                          <a:cs typeface="Arial" charset="0"/>
+                        </a:rPr>
+                        <a:t>Datenbank Struktur</a:t>
+                      </a:r>
+                    </a:p>
+                  </a:txBody>
+                  <a:tcPr marL="36000" marR="36000" marT="36000" marB="36000" horzOverflow="overflow">
+                    <a:lnL w="12700" cap="flat" cmpd="sng" algn="ctr">
+                      <a:solidFill>
+                        <a:schemeClr val="tx1"/>
+                      </a:solidFill>
+                      <a:prstDash val="solid"/>
+                      <a:round/>
+                      <a:headEnd type="none" w="med" len="med"/>
+                      <a:tailEnd type="none" w="med" len="med"/>
+                    </a:lnL>
+                    <a:lnR w="12700" cap="flat" cmpd="sng" algn="ctr">
+                      <a:solidFill>
+                        <a:schemeClr val="tx1"/>
+                      </a:solidFill>
+                      <a:prstDash val="solid"/>
+                      <a:round/>
+                      <a:headEnd type="none" w="med" len="med"/>
+                      <a:tailEnd type="none" w="med" len="med"/>
+                    </a:lnR>
+                    <a:lnT w="12700" cap="flat" cmpd="sng" algn="ctr">
+                      <a:solidFill>
+                        <a:schemeClr val="tx1"/>
+                      </a:solidFill>
+                      <a:prstDash val="solid"/>
+                      <a:round/>
+                      <a:headEnd type="none" w="med" len="med"/>
+                      <a:tailEnd type="none" w="med" len="med"/>
+                    </a:lnT>
+                    <a:lnB w="12700" cap="flat" cmpd="sng" algn="ctr">
+                      <a:solidFill>
+                        <a:schemeClr val="tx1"/>
+                      </a:solidFill>
+                      <a:prstDash val="solid"/>
+                      <a:round/>
+                      <a:headEnd type="none" w="med" len="med"/>
+                      <a:tailEnd type="none" w="med" len="med"/>
+                    </a:lnB>
+                    <a:lnTlToBr>
+                      <a:noFill/>
+                    </a:lnTlToBr>
+                    <a:lnBlToTr>
+                      <a:noFill/>
+                    </a:lnBlToTr>
+                    <a:noFill/>
+                  </a:tcPr>
+                </a:tc>
+                <a:tc>
+                  <a:txBody>
+                    <a:bodyPr/>
+                    <a:lstStyle/>
+                    <a:p>
+                      <a:pPr marL="92075" marR="0" lvl="0" indent="-92075" algn="l" defTabSz="914400" rtl="0" eaLnBrk="1" fontAlgn="base" latinLnBrk="0" hangingPunct="1">
+                        <a:lnSpc>
+                          <a:spcPct val="100000"/>
+                        </a:lnSpc>
+                        <a:spcBef>
+                          <a:spcPct val="0"/>
+                        </a:spcBef>
+                        <a:spcAft>
+                          <a:spcPct val="25000"/>
+                        </a:spcAft>
+                        <a:buClrTx/>
+                        <a:buSzTx/>
+                        <a:buFontTx/>
+                        <a:buNone/>
+                        <a:tabLst/>
+                      </a:pPr>
+                      <a:r>
+                        <a:rPr kumimoji="0" lang="de-DE" sz="1000" b="0" i="0" u="none" strike="noStrike" cap="none" normalizeH="0" baseline="0" dirty="0">
+                          <a:ln>
+                            <a:noFill/>
+                          </a:ln>
+                          <a:solidFill>
+                            <a:schemeClr val="tx1"/>
+                          </a:solidFill>
+                          <a:effectLst/>
+                          <a:latin typeface="Calibri" pitchFamily="34" charset="0"/>
+                          <a:cs typeface="Arial" charset="0"/>
+                        </a:rPr>
+                        <a:t>KW18/17</a:t>
+                      </a:r>
+                    </a:p>
+                  </a:txBody>
+                  <a:tcPr marL="36000" marR="36000" marT="36000" marB="36000" horzOverflow="overflow">
+                    <a:lnL w="12700" cap="flat" cmpd="sng" algn="ctr">
+                      <a:solidFill>
+                        <a:schemeClr val="tx1"/>
+                      </a:solidFill>
+                      <a:prstDash val="solid"/>
+                      <a:round/>
+                      <a:headEnd type="none" w="med" len="med"/>
+                      <a:tailEnd type="none" w="med" len="med"/>
+                    </a:lnL>
+                    <a:lnR w="12700" cap="flat" cmpd="sng" algn="ctr">
+                      <a:solidFill>
+                        <a:schemeClr val="tx1"/>
+                      </a:solidFill>
+                      <a:prstDash val="solid"/>
+                      <a:round/>
+                      <a:headEnd type="none" w="med" len="med"/>
+                      <a:tailEnd type="none" w="med" len="med"/>
+                    </a:lnR>
+                    <a:lnT w="12700" cap="flat" cmpd="sng" algn="ctr">
+                      <a:solidFill>
+                        <a:schemeClr val="tx1"/>
+                      </a:solidFill>
+                      <a:prstDash val="solid"/>
+                      <a:round/>
+                      <a:headEnd type="none" w="med" len="med"/>
+                      <a:tailEnd type="none" w="med" len="med"/>
+                    </a:lnT>
+                    <a:lnB w="12700" cap="flat" cmpd="sng" algn="ctr">
+                      <a:solidFill>
+                        <a:schemeClr val="tx1"/>
+                      </a:solidFill>
+                      <a:prstDash val="solid"/>
+                      <a:round/>
+                      <a:headEnd type="none" w="med" len="med"/>
+                      <a:tailEnd type="none" w="med" len="med"/>
+                    </a:lnB>
+                    <a:lnTlToBr>
+                      <a:noFill/>
+                    </a:lnTlToBr>
+                    <a:lnBlToTr>
+                      <a:noFill/>
+                    </a:lnBlToTr>
+                    <a:noFill/>
+                  </a:tcPr>
+                </a:tc>
+                <a:tc>
+                  <a:txBody>
+                    <a:bodyPr/>
+                    <a:lstStyle/>
+                    <a:p>
+                      <a:pPr marL="92075" marR="0" lvl="0" indent="-92075" algn="l" defTabSz="914400" rtl="0" eaLnBrk="1" fontAlgn="base" latinLnBrk="0" hangingPunct="1">
+                        <a:lnSpc>
+                          <a:spcPct val="100000"/>
+                        </a:lnSpc>
+                        <a:spcBef>
+                          <a:spcPct val="0"/>
+                        </a:spcBef>
+                        <a:spcAft>
+                          <a:spcPct val="25000"/>
+                        </a:spcAft>
+                        <a:buClrTx/>
+                        <a:buSzTx/>
+                        <a:buFontTx/>
+                        <a:buNone/>
+                        <a:tabLst/>
+                      </a:pPr>
+                      <a:r>
+                        <a:rPr kumimoji="0" lang="de-DE" sz="1000" b="0" i="0" u="none" strike="noStrike" cap="none" normalizeH="0" baseline="0" dirty="0">
+                          <a:ln>
+                            <a:noFill/>
+                          </a:ln>
+                          <a:solidFill>
+                            <a:schemeClr val="tx1"/>
+                          </a:solidFill>
+                          <a:effectLst/>
+                          <a:latin typeface="Calibri" pitchFamily="34" charset="0"/>
+                          <a:cs typeface="Arial" charset="0"/>
+                        </a:rPr>
+                        <a:t>KW18/17</a:t>
+                      </a:r>
+                    </a:p>
+                  </a:txBody>
+                  <a:tcPr marL="36000" marR="36000" marT="36000" marB="36000" horzOverflow="overflow">
+                    <a:lnL w="12700" cap="flat" cmpd="sng" algn="ctr">
+                      <a:solidFill>
+                        <a:schemeClr val="tx1"/>
+                      </a:solidFill>
+                      <a:prstDash val="solid"/>
+                      <a:round/>
+                      <a:headEnd type="none" w="med" len="med"/>
+                      <a:tailEnd type="none" w="med" len="med"/>
+                    </a:lnL>
+                    <a:lnR w="12700" cap="flat" cmpd="sng" algn="ctr">
+                      <a:solidFill>
+                        <a:schemeClr val="tx1"/>
+                      </a:solidFill>
+                      <a:prstDash val="solid"/>
+                      <a:round/>
+                      <a:headEnd type="none" w="med" len="med"/>
+                      <a:tailEnd type="none" w="med" len="med"/>
+                    </a:lnR>
+                    <a:lnT w="12700" cap="flat" cmpd="sng" algn="ctr">
+                      <a:solidFill>
+                        <a:schemeClr val="tx1"/>
+                      </a:solidFill>
+                      <a:prstDash val="solid"/>
+                      <a:round/>
+                      <a:headEnd type="none" w="med" len="med"/>
+                      <a:tailEnd type="none" w="med" len="med"/>
+                    </a:lnT>
+                    <a:lnB w="12700" cap="flat" cmpd="sng" algn="ctr">
+                      <a:solidFill>
+                        <a:schemeClr val="tx1"/>
+                      </a:solidFill>
+                      <a:prstDash val="solid"/>
+                      <a:round/>
+                      <a:headEnd type="none" w="med" len="med"/>
+                      <a:tailEnd type="none" w="med" len="med"/>
+                    </a:lnB>
+                    <a:lnTlToBr>
+                      <a:noFill/>
+                    </a:lnTlToBr>
+                    <a:lnBlToTr>
+                      <a:noFill/>
+                    </a:lnBlToTr>
+                    <a:noFill/>
+                  </a:tcPr>
+                </a:tc>
+                <a:extLst>
+                  <a:ext uri="{0D108BD9-81ED-4DB2-BD59-A6C34878D82A}">
+                    <a16:rowId xmlns:a16="http://schemas.microsoft.com/office/drawing/2014/main" val="10005"/>
+                  </a:ext>
+                </a:extLst>
+              </a:tr>
+              <a:tr h="231770">
+                <a:tc>
+                  <a:txBody>
+                    <a:bodyPr/>
+                    <a:lstStyle/>
+                    <a:p>
+                      <a:pPr marL="92075" marR="0" lvl="0" indent="-92075" algn="l" defTabSz="914400" rtl="0" eaLnBrk="1" fontAlgn="base" latinLnBrk="0" hangingPunct="1">
+                        <a:lnSpc>
+                          <a:spcPct val="100000"/>
+                        </a:lnSpc>
+                        <a:spcBef>
+                          <a:spcPct val="0"/>
+                        </a:spcBef>
+                        <a:spcAft>
+                          <a:spcPct val="25000"/>
+                        </a:spcAft>
+                        <a:buClrTx/>
+                        <a:buSzTx/>
+                        <a:buFontTx/>
+                        <a:buNone/>
+                        <a:tabLst/>
+                        <a:defRPr/>
+                      </a:pPr>
+                      <a:r>
+                        <a:rPr kumimoji="0" lang="de-DE" sz="1000" b="0" i="0" u="none" strike="noStrike" kern="1200" cap="none" normalizeH="0" baseline="0" dirty="0">
+                          <a:ln>
+                            <a:noFill/>
+                          </a:ln>
+                          <a:solidFill>
+                            <a:schemeClr val="tx1"/>
+                          </a:solidFill>
+                          <a:effectLst/>
+                          <a:latin typeface="Calibri" pitchFamily="34" charset="0"/>
+                          <a:ea typeface="+mn-ea"/>
+                          <a:cs typeface="Arial" charset="0"/>
+                        </a:rPr>
+                        <a:t>Projekt abgeschlossen</a:t>
+                      </a:r>
+                    </a:p>
+                  </a:txBody>
+                  <a:tcPr marL="36000" marR="36000" marT="36000" marB="36000" horzOverflow="overflow">
+                    <a:lnL w="12700" cap="flat" cmpd="sng" algn="ctr">
+                      <a:solidFill>
+                        <a:schemeClr val="tx1"/>
+                      </a:solidFill>
+                      <a:prstDash val="solid"/>
+                      <a:round/>
+                      <a:headEnd type="none" w="med" len="med"/>
+                      <a:tailEnd type="none" w="med" len="med"/>
+                    </a:lnL>
+                    <a:lnR w="12700" cap="flat" cmpd="sng" algn="ctr">
+                      <a:solidFill>
+                        <a:schemeClr val="tx1"/>
+                      </a:solidFill>
+                      <a:prstDash val="solid"/>
+                      <a:round/>
+                      <a:headEnd type="none" w="med" len="med"/>
+                      <a:tailEnd type="none" w="med" len="med"/>
+                    </a:lnR>
+                    <a:lnT w="12700" cap="flat" cmpd="sng" algn="ctr">
+                      <a:solidFill>
+                        <a:schemeClr val="tx1"/>
+                      </a:solidFill>
+                      <a:prstDash val="solid"/>
+                      <a:round/>
+                      <a:headEnd type="none" w="med" len="med"/>
+                      <a:tailEnd type="none" w="med" len="med"/>
+                    </a:lnT>
+                    <a:lnB w="12700" cap="flat" cmpd="sng" algn="ctr">
+                      <a:solidFill>
+                        <a:schemeClr val="tx1"/>
+                      </a:solidFill>
+                      <a:prstDash val="solid"/>
+                      <a:round/>
+                      <a:headEnd type="none" w="med" len="med"/>
+                      <a:tailEnd type="none" w="med" len="med"/>
+                    </a:lnB>
+                    <a:lnTlToBr>
+                      <a:noFill/>
+                    </a:lnTlToBr>
+                    <a:lnBlToTr>
+                      <a:noFill/>
+                    </a:lnBlToTr>
+                    <a:noFill/>
+                  </a:tcPr>
+                </a:tc>
+                <a:tc>
+                  <a:txBody>
+                    <a:bodyPr/>
+                    <a:lstStyle/>
+                    <a:p>
+                      <a:pPr marL="92075" marR="0" lvl="0" indent="-92075" algn="l" defTabSz="914400" rtl="0" eaLnBrk="1" fontAlgn="base" latinLnBrk="0" hangingPunct="1">
+                        <a:lnSpc>
+                          <a:spcPct val="100000"/>
+                        </a:lnSpc>
+                        <a:spcBef>
+                          <a:spcPct val="0"/>
+                        </a:spcBef>
+                        <a:spcAft>
+                          <a:spcPct val="25000"/>
+                        </a:spcAft>
+                        <a:buClrTx/>
+                        <a:buSzTx/>
+                        <a:buFontTx/>
+                        <a:buNone/>
+                        <a:tabLst/>
+                      </a:pPr>
+                      <a:r>
+                        <a:rPr kumimoji="0" lang="de-DE" sz="1000" b="0" i="0" u="none" strike="noStrike" cap="none" normalizeH="0" baseline="0" dirty="0">
+                          <a:ln>
+                            <a:noFill/>
+                          </a:ln>
+                          <a:solidFill>
+                            <a:schemeClr val="tx1"/>
+                          </a:solidFill>
+                          <a:effectLst/>
+                          <a:latin typeface="Calibri" pitchFamily="34" charset="0"/>
+                          <a:cs typeface="Arial" charset="0"/>
+                        </a:rPr>
+                        <a:t>KW20/17</a:t>
+                      </a:r>
+                    </a:p>
+                  </a:txBody>
+                  <a:tcPr marL="36000" marR="36000" marT="36000" marB="36000" horzOverflow="overflow">
+                    <a:lnL w="12700" cap="flat" cmpd="sng" algn="ctr">
+                      <a:solidFill>
+                        <a:schemeClr val="tx1"/>
+                      </a:solidFill>
+                      <a:prstDash val="solid"/>
+                      <a:round/>
+                      <a:headEnd type="none" w="med" len="med"/>
+                      <a:tailEnd type="none" w="med" len="med"/>
+                    </a:lnL>
+                    <a:lnR w="12700" cap="flat" cmpd="sng" algn="ctr">
+                      <a:solidFill>
+                        <a:schemeClr val="tx1"/>
+                      </a:solidFill>
+                      <a:prstDash val="solid"/>
+                      <a:round/>
+                      <a:headEnd type="none" w="med" len="med"/>
+                      <a:tailEnd type="none" w="med" len="med"/>
+                    </a:lnR>
+                    <a:lnT w="12700" cap="flat" cmpd="sng" algn="ctr">
+                      <a:solidFill>
+                        <a:schemeClr val="tx1"/>
+                      </a:solidFill>
+                      <a:prstDash val="solid"/>
+                      <a:round/>
+                      <a:headEnd type="none" w="med" len="med"/>
+                      <a:tailEnd type="none" w="med" len="med"/>
+                    </a:lnT>
+                    <a:lnB w="12700" cap="flat" cmpd="sng" algn="ctr">
+                      <a:solidFill>
+                        <a:schemeClr val="tx1"/>
+                      </a:solidFill>
+                      <a:prstDash val="solid"/>
+                      <a:round/>
+                      <a:headEnd type="none" w="med" len="med"/>
+                      <a:tailEnd type="none" w="med" len="med"/>
+                    </a:lnB>
+                    <a:lnTlToBr>
+                      <a:noFill/>
+                    </a:lnTlToBr>
+                    <a:lnBlToTr>
+                      <a:noFill/>
+                    </a:lnBlToTr>
+                    <a:noFill/>
+                  </a:tcPr>
+                </a:tc>
+                <a:tc>
+                  <a:txBody>
+                    <a:bodyPr/>
+                    <a:lstStyle/>
+                    <a:p>
+                      <a:pPr marL="92075" marR="0" lvl="0" indent="-92075" algn="l" defTabSz="914400" rtl="0" eaLnBrk="1" fontAlgn="base" latinLnBrk="0" hangingPunct="1">
+                        <a:lnSpc>
+                          <a:spcPct val="100000"/>
+                        </a:lnSpc>
+                        <a:spcBef>
+                          <a:spcPct val="0"/>
+                        </a:spcBef>
+                        <a:spcAft>
+                          <a:spcPct val="25000"/>
+                        </a:spcAft>
+                        <a:buClrTx/>
+                        <a:buSzTx/>
+                        <a:buFontTx/>
+                        <a:buNone/>
+                        <a:tabLst/>
+                      </a:pPr>
+                      <a:r>
+                        <a:rPr kumimoji="0" lang="de-DE" sz="1000" b="0" i="0" u="none" strike="noStrike" cap="none" normalizeH="0" baseline="0" dirty="0">
+                          <a:ln>
+                            <a:noFill/>
+                          </a:ln>
+                          <a:solidFill>
+                            <a:schemeClr val="tx1"/>
+                          </a:solidFill>
+                          <a:effectLst/>
+                          <a:latin typeface="Calibri" pitchFamily="34" charset="0"/>
+                          <a:cs typeface="Arial" charset="0"/>
+                        </a:rPr>
+                        <a:t>KW20/17</a:t>
+                      </a:r>
+                    </a:p>
+                  </a:txBody>
+                  <a:tcPr marL="36000" marR="36000" marT="36000" marB="36000" horzOverflow="overflow">
+                    <a:lnL w="12700" cap="flat" cmpd="sng" algn="ctr">
+                      <a:solidFill>
+                        <a:schemeClr val="tx1"/>
+                      </a:solidFill>
+                      <a:prstDash val="solid"/>
+                      <a:round/>
+                      <a:headEnd type="none" w="med" len="med"/>
+                      <a:tailEnd type="none" w="med" len="med"/>
+                    </a:lnL>
+                    <a:lnR w="12700" cap="flat" cmpd="sng" algn="ctr">
+                      <a:solidFill>
+                        <a:schemeClr val="tx1"/>
+                      </a:solidFill>
+                      <a:prstDash val="solid"/>
+                      <a:round/>
+                      <a:headEnd type="none" w="med" len="med"/>
+                      <a:tailEnd type="none" w="med" len="med"/>
+                    </a:lnR>
+                    <a:lnT w="12700" cap="flat" cmpd="sng" algn="ctr">
+                      <a:solidFill>
+                        <a:schemeClr val="tx1"/>
+                      </a:solidFill>
+                      <a:prstDash val="solid"/>
+                      <a:round/>
+                      <a:headEnd type="none" w="med" len="med"/>
+                      <a:tailEnd type="none" w="med" len="med"/>
+                    </a:lnT>
+                    <a:lnB w="12700" cap="flat" cmpd="sng" algn="ctr">
+                      <a:solidFill>
+                        <a:schemeClr val="tx1"/>
+                      </a:solidFill>
+                      <a:prstDash val="solid"/>
+                      <a:round/>
+                      <a:headEnd type="none" w="med" len="med"/>
+                      <a:tailEnd type="none" w="med" len="med"/>
+                    </a:lnB>
+                    <a:lnTlToBr>
+                      <a:noFill/>
+                    </a:lnTlToBr>
+                    <a:lnBlToTr>
+                      <a:noFill/>
+                    </a:lnBlToTr>
+                    <a:noFill/>
+                  </a:tcPr>
+                </a:tc>
+                <a:extLst>
+                  <a:ext uri="{0D108BD9-81ED-4DB2-BD59-A6C34878D82A}">
+                    <a16:rowId xmlns:a16="http://schemas.microsoft.com/office/drawing/2014/main" val="10006"/>
+                  </a:ext>
+                </a:extLst>
+              </a:tr>
+            </a:tbl>
+          </a:graphicData>
+        </a:graphic>
+      </p:graphicFrame>
+      <p:graphicFrame>
+        <p:nvGraphicFramePr>
+          <p:cNvPr id="8" name="Group 178"/>
+          <p:cNvGraphicFramePr>
+            <a:graphicFrameLocks noGrp="1"/>
+          </p:cNvGraphicFramePr>
+          <p:nvPr>
+            <p:extLst/>
+          </p:nvPr>
+        </p:nvGraphicFramePr>
+        <p:xfrm>
+          <a:off x="120874" y="1571612"/>
+          <a:ext cx="8880282" cy="1624095"/>
+        </p:xfrm>
+        <a:graphic>
+          <a:graphicData uri="http://schemas.openxmlformats.org/drawingml/2006/table">
+            <a:tbl>
+              <a:tblPr/>
+              <a:tblGrid>
+                <a:gridCol w="4351338">
+                  <a:extLst>
+                    <a:ext uri="{9D8B030D-6E8A-4147-A177-3AD203B41FA5}">
+                      <a16:colId xmlns:a16="http://schemas.microsoft.com/office/drawing/2014/main" val="20000"/>
+                    </a:ext>
+                  </a:extLst>
+                </a:gridCol>
+                <a:gridCol w="4528944">
+                  <a:extLst>
+                    <a:ext uri="{9D8B030D-6E8A-4147-A177-3AD203B41FA5}">
+                      <a16:colId xmlns:a16="http://schemas.microsoft.com/office/drawing/2014/main" val="20001"/>
+                    </a:ext>
+                  </a:extLst>
+                </a:gridCol>
+              </a:tblGrid>
+              <a:tr h="111808">
+                <a:tc>
+                  <a:txBody>
+                    <a:bodyPr/>
+                    <a:lstStyle/>
+                    <a:p>
+                      <a:pPr marL="0" marR="0" lvl="0" indent="0" algn="l" defTabSz="914400" rtl="0" eaLnBrk="0" fontAlgn="base" latinLnBrk="0" hangingPunct="0">
+                        <a:lnSpc>
+                          <a:spcPct val="95000"/>
+                        </a:lnSpc>
+                        <a:spcBef>
+                          <a:spcPct val="0"/>
+                        </a:spcBef>
+                        <a:spcAft>
+                          <a:spcPct val="0"/>
+                        </a:spcAft>
+                        <a:buClrTx/>
+                        <a:buSzTx/>
+                        <a:buFontTx/>
+                        <a:buNone/>
+                        <a:tabLst/>
+                      </a:pPr>
+                      <a:r>
+                        <a:rPr kumimoji="0" lang="de-DE" sz="1000" b="1" i="0" u="none" strike="noStrike" cap="none" normalizeH="0" baseline="0" dirty="0">
+                          <a:ln>
+                            <a:noFill/>
+                          </a:ln>
+                          <a:solidFill>
+                            <a:schemeClr val="tx1"/>
+                          </a:solidFill>
+                          <a:effectLst/>
+                          <a:latin typeface="Calibri" pitchFamily="34" charset="0"/>
+                          <a:cs typeface="Arial" charset="0"/>
+                        </a:rPr>
+                        <a:t>Ergebnisse:</a:t>
+                      </a:r>
+                    </a:p>
+                  </a:txBody>
+                  <a:tcPr marL="36000" marR="36000" marT="36000" marB="36000" horzOverflow="overflow">
+                    <a:lnL w="12700" cap="flat" cmpd="sng" algn="ctr">
+                      <a:solidFill>
+                        <a:schemeClr val="tx1"/>
+                      </a:solidFill>
+                      <a:prstDash val="solid"/>
+                      <a:round/>
+                      <a:headEnd type="none" w="med" len="med"/>
+                      <a:tailEnd type="none" w="med" len="med"/>
+                    </a:lnL>
+                    <a:lnR w="12700" cap="flat" cmpd="sng" algn="ctr">
+                      <a:solidFill>
+                        <a:schemeClr val="tx1"/>
+                      </a:solidFill>
+                      <a:prstDash val="solid"/>
+                      <a:round/>
+                      <a:headEnd type="none" w="med" len="med"/>
+                      <a:tailEnd type="none" w="med" len="med"/>
+                    </a:lnR>
+                    <a:lnT w="12700" cap="flat" cmpd="sng" algn="ctr">
+                      <a:solidFill>
+                        <a:schemeClr val="tx1"/>
+                      </a:solidFill>
+                      <a:prstDash val="solid"/>
+                      <a:round/>
+                      <a:headEnd type="none" w="med" len="med"/>
+                      <a:tailEnd type="none" w="med" len="med"/>
+                    </a:lnT>
+                    <a:lnB w="12700" cap="flat" cmpd="sng" algn="ctr">
+                      <a:solidFill>
+                        <a:schemeClr val="tx1"/>
+                      </a:solidFill>
+                      <a:prstDash val="solid"/>
+                      <a:round/>
+                      <a:headEnd type="none" w="med" len="med"/>
+                      <a:tailEnd type="none" w="med" len="med"/>
+                    </a:lnB>
+                    <a:lnTlToBr>
+                      <a:noFill/>
+                    </a:lnTlToBr>
+                    <a:lnBlToTr>
+                      <a:noFill/>
+                    </a:lnBlToTr>
+                    <a:solidFill>
+                      <a:srgbClr val="EAEAEA"/>
+                    </a:solidFill>
+                  </a:tcPr>
+                </a:tc>
+                <a:tc>
+                  <a:txBody>
+                    <a:bodyPr/>
+                    <a:lstStyle/>
+                    <a:p>
+                      <a:pPr marL="0" marR="0" lvl="0" indent="0" algn="l" defTabSz="914400" rtl="0" eaLnBrk="0" fontAlgn="base" latinLnBrk="0" hangingPunct="0">
+                        <a:lnSpc>
+                          <a:spcPct val="95000"/>
+                        </a:lnSpc>
+                        <a:spcBef>
+                          <a:spcPct val="0"/>
+                        </a:spcBef>
+                        <a:spcAft>
+                          <a:spcPct val="0"/>
+                        </a:spcAft>
+                        <a:buClrTx/>
+                        <a:buSzTx/>
+                        <a:buFontTx/>
+                        <a:buNone/>
+                        <a:tabLst/>
+                      </a:pPr>
+                      <a:r>
+                        <a:rPr kumimoji="0" lang="de-DE" sz="1000" b="1" i="0" u="none" strike="noStrike" cap="none" normalizeH="0" baseline="0" dirty="0">
+                          <a:ln>
+                            <a:noFill/>
+                          </a:ln>
+                          <a:solidFill>
+                            <a:schemeClr val="tx1"/>
+                          </a:solidFill>
+                          <a:effectLst/>
+                          <a:latin typeface="Calibri" pitchFamily="34" charset="0"/>
+                          <a:cs typeface="Arial" charset="0"/>
+                        </a:rPr>
+                        <a:t>Top Themen / Maßnahmen:</a:t>
+                      </a:r>
+                    </a:p>
+                  </a:txBody>
+                  <a:tcPr marL="36000" marR="36000" marT="36000" marB="36000" horzOverflow="overflow">
+                    <a:lnL w="12700" cap="flat" cmpd="sng" algn="ctr">
+                      <a:solidFill>
+                        <a:schemeClr val="tx1"/>
+                      </a:solidFill>
+                      <a:prstDash val="solid"/>
+                      <a:round/>
+                      <a:headEnd type="none" w="med" len="med"/>
+                      <a:tailEnd type="none" w="med" len="med"/>
+                    </a:lnL>
+                    <a:lnR w="12700" cap="flat" cmpd="sng" algn="ctr">
+                      <a:solidFill>
+                        <a:schemeClr val="tx1"/>
+                      </a:solidFill>
+                      <a:prstDash val="solid"/>
+                      <a:round/>
+                      <a:headEnd type="none" w="med" len="med"/>
+                      <a:tailEnd type="none" w="med" len="med"/>
+                    </a:lnR>
+                    <a:lnT w="12700" cap="flat" cmpd="sng" algn="ctr">
+                      <a:solidFill>
+                        <a:schemeClr val="tx1"/>
+                      </a:solidFill>
+                      <a:prstDash val="solid"/>
+                      <a:round/>
+                      <a:headEnd type="none" w="med" len="med"/>
+                      <a:tailEnd type="none" w="med" len="med"/>
+                    </a:lnT>
+                    <a:lnB w="12700" cap="flat" cmpd="sng" algn="ctr">
+                      <a:solidFill>
+                        <a:schemeClr val="tx1"/>
+                      </a:solidFill>
+                      <a:prstDash val="solid"/>
+                      <a:round/>
+                      <a:headEnd type="none" w="med" len="med"/>
+                      <a:tailEnd type="none" w="med" len="med"/>
+                    </a:lnB>
+                    <a:lnTlToBr>
+                      <a:noFill/>
+                    </a:lnTlToBr>
+                    <a:lnBlToTr>
+                      <a:noFill/>
+                    </a:lnBlToTr>
+                    <a:solidFill>
+                      <a:srgbClr val="EAEAEA"/>
+                    </a:solidFill>
+                  </a:tcPr>
+                </a:tc>
+                <a:extLst>
+                  <a:ext uri="{0D108BD9-81ED-4DB2-BD59-A6C34878D82A}">
+                    <a16:rowId xmlns:a16="http://schemas.microsoft.com/office/drawing/2014/main" val="10000"/>
+                  </a:ext>
+                </a:extLst>
+              </a:tr>
+              <a:tr h="1407315">
+                <a:tc>
+                  <a:txBody>
+                    <a:bodyPr/>
+                    <a:lstStyle/>
+                    <a:p>
+                      <a:pPr marL="0" marR="0" lvl="0" indent="0" algn="l" defTabSz="914400" rtl="0" eaLnBrk="1" fontAlgn="base" latinLnBrk="0" hangingPunct="1">
+                        <a:lnSpc>
+                          <a:spcPct val="100000"/>
+                        </a:lnSpc>
+                        <a:spcBef>
+                          <a:spcPct val="0"/>
+                        </a:spcBef>
+                        <a:spcAft>
+                          <a:spcPct val="25000"/>
+                        </a:spcAft>
+                        <a:buClrTx/>
+                        <a:buSzTx/>
+                        <a:buFont typeface="Arial" pitchFamily="34" charset="0"/>
+                        <a:buNone/>
+                        <a:tabLst/>
+                        <a:defRPr/>
+                      </a:pPr>
+                      <a:r>
+                        <a:rPr kumimoji="0" lang="de-DE" sz="1000" b="0" i="0" u="none" strike="noStrike" cap="none" normalizeH="0" baseline="0" dirty="0">
+                          <a:ln>
+                            <a:noFill/>
+                          </a:ln>
+                          <a:solidFill>
+                            <a:schemeClr val="tx1"/>
+                          </a:solidFill>
+                          <a:effectLst/>
+                          <a:latin typeface="Calibri" pitchFamily="34" charset="0"/>
+                          <a:cs typeface="Arial" charset="0"/>
+                          <a:sym typeface="Wingdings" pitchFamily="2" charset="2"/>
+                        </a:rPr>
+                        <a:t>Fertiger Grundbau der Google Drive</a:t>
+                      </a:r>
+                    </a:p>
+                    <a:p>
+                      <a:pPr marL="0" marR="0" lvl="0" indent="0" algn="l" defTabSz="914400" rtl="0" eaLnBrk="1" fontAlgn="base" latinLnBrk="0" hangingPunct="1">
+                        <a:lnSpc>
+                          <a:spcPct val="100000"/>
+                        </a:lnSpc>
+                        <a:spcBef>
+                          <a:spcPct val="0"/>
+                        </a:spcBef>
+                        <a:spcAft>
+                          <a:spcPct val="25000"/>
+                        </a:spcAft>
+                        <a:buClrTx/>
+                        <a:buSzTx/>
+                        <a:buFont typeface="Arial" pitchFamily="34" charset="0"/>
+                        <a:buNone/>
+                        <a:tabLst/>
+                        <a:defRPr/>
+                      </a:pPr>
+                      <a:r>
+                        <a:rPr kumimoji="0" lang="de-DE" sz="1000" b="0" i="0" u="none" strike="noStrike" cap="none" normalizeH="0" baseline="0" dirty="0">
+                          <a:ln>
+                            <a:noFill/>
+                          </a:ln>
+                          <a:solidFill>
+                            <a:schemeClr val="tx1"/>
+                          </a:solidFill>
+                          <a:effectLst/>
+                          <a:latin typeface="Calibri" pitchFamily="34" charset="0"/>
+                          <a:cs typeface="Arial" charset="0"/>
+                          <a:sym typeface="Wingdings" pitchFamily="2" charset="2"/>
+                        </a:rPr>
+                        <a:t>Fertigstellung der Google Dienste</a:t>
+                      </a:r>
+                    </a:p>
+                    <a:p>
+                      <a:pPr marL="0" marR="0" lvl="0" indent="0" algn="l" defTabSz="914400" rtl="0" eaLnBrk="1" fontAlgn="base" latinLnBrk="0" hangingPunct="1">
+                        <a:lnSpc>
+                          <a:spcPct val="100000"/>
+                        </a:lnSpc>
+                        <a:spcBef>
+                          <a:spcPct val="0"/>
+                        </a:spcBef>
+                        <a:spcAft>
+                          <a:spcPct val="25000"/>
+                        </a:spcAft>
+                        <a:buClrTx/>
+                        <a:buSzTx/>
+                        <a:buFont typeface="Arial" pitchFamily="34" charset="0"/>
+                        <a:buNone/>
+                        <a:tabLst/>
+                        <a:defRPr/>
+                      </a:pPr>
+                      <a:r>
+                        <a:rPr kumimoji="0" lang="de-DE" sz="1000" b="0" i="0" u="none" strike="noStrike" cap="none" normalizeH="0" baseline="0" dirty="0">
+                          <a:ln>
+                            <a:noFill/>
+                          </a:ln>
+                          <a:solidFill>
+                            <a:schemeClr val="tx1"/>
+                          </a:solidFill>
+                          <a:effectLst/>
+                          <a:latin typeface="Calibri" pitchFamily="34" charset="0"/>
+                          <a:cs typeface="Arial" charset="0"/>
+                          <a:sym typeface="Wingdings" pitchFamily="2" charset="2"/>
+                        </a:rPr>
+                        <a:t>Fertiges Layout </a:t>
+                      </a:r>
+                    </a:p>
+                    <a:p>
+                      <a:pPr marL="0" marR="0" lvl="0" indent="0" algn="l" defTabSz="914400" rtl="0" eaLnBrk="1" fontAlgn="base" latinLnBrk="0" hangingPunct="1">
+                        <a:lnSpc>
+                          <a:spcPct val="100000"/>
+                        </a:lnSpc>
+                        <a:spcBef>
+                          <a:spcPct val="0"/>
+                        </a:spcBef>
+                        <a:spcAft>
+                          <a:spcPct val="25000"/>
+                        </a:spcAft>
+                        <a:buClrTx/>
+                        <a:buSzTx/>
+                        <a:buFont typeface="Arial" pitchFamily="34" charset="0"/>
+                        <a:buNone/>
+                        <a:tabLst/>
+                        <a:defRPr/>
+                      </a:pPr>
+                      <a:r>
+                        <a:rPr kumimoji="0" lang="de-DE" sz="1000" b="0" i="0" u="none" strike="noStrike" cap="none" normalizeH="0" baseline="0" dirty="0">
+                          <a:ln>
+                            <a:noFill/>
+                          </a:ln>
+                          <a:solidFill>
+                            <a:schemeClr val="tx1"/>
+                          </a:solidFill>
+                          <a:effectLst/>
+                          <a:latin typeface="Calibri" pitchFamily="34" charset="0"/>
+                          <a:cs typeface="Arial" charset="0"/>
+                          <a:sym typeface="Wingdings" pitchFamily="2" charset="2"/>
+                        </a:rPr>
+                        <a:t>E-Mail an Mitglieder senden inkl. </a:t>
+                      </a:r>
+                      <a:r>
+                        <a:rPr kumimoji="0" lang="de-DE" sz="1000" b="0" i="0" u="none" strike="noStrike" cap="none" normalizeH="0" baseline="0" dirty="0" err="1">
+                          <a:ln>
+                            <a:noFill/>
+                          </a:ln>
+                          <a:solidFill>
+                            <a:schemeClr val="tx1"/>
+                          </a:solidFill>
+                          <a:effectLst/>
+                          <a:latin typeface="Calibri" pitchFamily="34" charset="0"/>
+                          <a:cs typeface="Arial" charset="0"/>
+                          <a:sym typeface="Wingdings" pitchFamily="2" charset="2"/>
+                        </a:rPr>
+                        <a:t>Aktivitätenlog</a:t>
+                      </a:r>
+                      <a:endParaRPr kumimoji="0" lang="de-DE" sz="1000" b="0" i="0" u="none" strike="noStrike" cap="none" normalizeH="0" baseline="0" dirty="0">
+                        <a:ln>
+                          <a:noFill/>
+                        </a:ln>
+                        <a:solidFill>
+                          <a:schemeClr val="tx1"/>
+                        </a:solidFill>
+                        <a:effectLst/>
+                        <a:latin typeface="Calibri" pitchFamily="34" charset="0"/>
+                        <a:cs typeface="Arial" charset="0"/>
+                        <a:sym typeface="Wingdings" pitchFamily="2" charset="2"/>
+                      </a:endParaRPr>
+                    </a:p>
+                  </a:txBody>
+                  <a:tcPr marL="36000" marR="36000" marT="36000" marB="36000" horzOverflow="overflow">
+                    <a:lnL w="12700" cap="flat" cmpd="sng" algn="ctr">
+                      <a:solidFill>
+                        <a:schemeClr val="tx1"/>
+                      </a:solidFill>
+                      <a:prstDash val="solid"/>
+                      <a:round/>
+                      <a:headEnd type="none" w="med" len="med"/>
+                      <a:tailEnd type="none" w="med" len="med"/>
+                    </a:lnL>
+                    <a:lnR w="12700" cap="flat" cmpd="sng" algn="ctr">
+                      <a:solidFill>
+                        <a:schemeClr val="tx1"/>
+                      </a:solidFill>
+                      <a:prstDash val="solid"/>
+                      <a:round/>
+                      <a:headEnd type="none" w="med" len="med"/>
+                      <a:tailEnd type="none" w="med" len="med"/>
+                    </a:lnR>
+                    <a:lnT w="12700" cap="flat" cmpd="sng" algn="ctr">
+                      <a:solidFill>
+                        <a:schemeClr val="tx1"/>
+                      </a:solidFill>
+                      <a:prstDash val="solid"/>
+                      <a:round/>
+                      <a:headEnd type="none" w="med" len="med"/>
+                      <a:tailEnd type="none" w="med" len="med"/>
+                    </a:lnT>
+                    <a:lnB w="12700" cap="flat" cmpd="sng" algn="ctr">
+                      <a:solidFill>
+                        <a:schemeClr val="tx1"/>
+                      </a:solidFill>
+                      <a:prstDash val="solid"/>
+                      <a:round/>
+                      <a:headEnd type="none" w="med" len="med"/>
+                      <a:tailEnd type="none" w="med" len="med"/>
+                    </a:lnB>
+                    <a:lnTlToBr>
+                      <a:noFill/>
+                    </a:lnTlToBr>
+                    <a:lnBlToTr>
+                      <a:noFill/>
+                    </a:lnBlToTr>
+                    <a:noFill/>
+                  </a:tcPr>
+                </a:tc>
+                <a:tc>
+                  <a:txBody>
+                    <a:bodyPr/>
+                    <a:lstStyle/>
+                    <a:p>
+                      <a:pPr marL="0" marR="0" lvl="0" indent="0" algn="l" defTabSz="914400" rtl="0" eaLnBrk="1" fontAlgn="base" latinLnBrk="0" hangingPunct="1">
+                        <a:lnSpc>
+                          <a:spcPct val="100000"/>
+                        </a:lnSpc>
+                        <a:spcBef>
+                          <a:spcPct val="0"/>
+                        </a:spcBef>
+                        <a:spcAft>
+                          <a:spcPct val="25000"/>
+                        </a:spcAft>
+                        <a:buClrTx/>
+                        <a:buSzTx/>
+                        <a:buFont typeface="Arial" pitchFamily="34" charset="0"/>
+                        <a:buChar char="•"/>
+                        <a:tabLst/>
+                        <a:defRPr/>
+                      </a:pPr>
+                      <a:r>
+                        <a:rPr kumimoji="0" lang="de-DE" sz="1000" b="0" i="0" u="none" strike="noStrike" kern="1200" cap="none" normalizeH="0" baseline="0" dirty="0">
+                          <a:ln>
+                            <a:noFill/>
+                          </a:ln>
+                          <a:solidFill>
+                            <a:schemeClr val="tx1"/>
+                          </a:solidFill>
+                          <a:effectLst/>
+                          <a:latin typeface="Calibri" pitchFamily="34" charset="0"/>
+                          <a:ea typeface="+mn-ea"/>
+                          <a:cs typeface="Arial" charset="0"/>
+                          <a:sym typeface="Wingdings" pitchFamily="2" charset="2"/>
+                        </a:rPr>
+                        <a:t>Durch </a:t>
+                      </a:r>
+                      <a:r>
+                        <a:rPr kumimoji="0" lang="de-DE" sz="1000" b="0" i="0" u="none" strike="noStrike" kern="1200" cap="none" normalizeH="0" baseline="0" dirty="0" err="1">
+                          <a:ln>
+                            <a:noFill/>
+                          </a:ln>
+                          <a:solidFill>
+                            <a:schemeClr val="tx1"/>
+                          </a:solidFill>
+                          <a:effectLst/>
+                          <a:latin typeface="Calibri" pitchFamily="34" charset="0"/>
+                          <a:ea typeface="+mn-ea"/>
+                          <a:cs typeface="Arial" charset="0"/>
+                          <a:sym typeface="Wingdings" pitchFamily="2" charset="2"/>
+                        </a:rPr>
+                        <a:t>Bugfixes</a:t>
+                      </a:r>
+                      <a:r>
+                        <a:rPr kumimoji="0" lang="de-DE" sz="1000" b="0" i="0" u="none" strike="noStrike" kern="1200" cap="none" normalizeH="0" baseline="0" dirty="0">
+                          <a:ln>
+                            <a:noFill/>
+                          </a:ln>
+                          <a:solidFill>
+                            <a:schemeClr val="tx1"/>
+                          </a:solidFill>
+                          <a:effectLst/>
+                          <a:latin typeface="Calibri" pitchFamily="34" charset="0"/>
+                          <a:ea typeface="+mn-ea"/>
+                          <a:cs typeface="Arial" charset="0"/>
+                          <a:sym typeface="Wingdings" pitchFamily="2" charset="2"/>
+                        </a:rPr>
+                        <a:t> am Layout und der Bootstrap-Library hat sich das Design und die Benutzerfreundlichkeit sehr verbessert.</a:t>
+                      </a:r>
+                    </a:p>
+                  </a:txBody>
+                  <a:tcPr marL="36000" marR="36000" marT="36000" marB="36000" horzOverflow="overflow">
+                    <a:lnL w="12700" cap="flat" cmpd="sng" algn="ctr">
+                      <a:solidFill>
+                        <a:schemeClr val="tx1"/>
+                      </a:solidFill>
+                      <a:prstDash val="solid"/>
+                      <a:round/>
+                      <a:headEnd type="none" w="med" len="med"/>
+                      <a:tailEnd type="none" w="med" len="med"/>
+                    </a:lnL>
+                    <a:lnR w="12700" cap="flat" cmpd="sng" algn="ctr">
+                      <a:solidFill>
+                        <a:schemeClr val="tx1"/>
+                      </a:solidFill>
+                      <a:prstDash val="solid"/>
+                      <a:round/>
+                      <a:headEnd type="none" w="med" len="med"/>
+                      <a:tailEnd type="none" w="med" len="med"/>
+                    </a:lnR>
+                    <a:lnT w="12700" cap="flat" cmpd="sng" algn="ctr">
+                      <a:solidFill>
+                        <a:schemeClr val="tx1"/>
+                      </a:solidFill>
+                      <a:prstDash val="solid"/>
+                      <a:round/>
+                      <a:headEnd type="none" w="med" len="med"/>
+                      <a:tailEnd type="none" w="med" len="med"/>
+                    </a:lnT>
+                    <a:lnB w="12700" cap="flat" cmpd="sng" algn="ctr">
+                      <a:solidFill>
+                        <a:schemeClr val="tx1"/>
+                      </a:solidFill>
+                      <a:prstDash val="solid"/>
+                      <a:round/>
+                      <a:headEnd type="none" w="med" len="med"/>
+                      <a:tailEnd type="none" w="med" len="med"/>
+                    </a:lnB>
+                    <a:lnTlToBr>
+                      <a:noFill/>
+                    </a:lnTlToBr>
+                    <a:lnBlToTr>
+                      <a:noFill/>
+                    </a:lnBlToTr>
+                    <a:noFill/>
+                  </a:tcPr>
+                </a:tc>
+                <a:extLst>
+                  <a:ext uri="{0D108BD9-81ED-4DB2-BD59-A6C34878D82A}">
+                    <a16:rowId xmlns:a16="http://schemas.microsoft.com/office/drawing/2014/main" val="10001"/>
+                  </a:ext>
+                </a:extLst>
+              </a:tr>
+            </a:tbl>
+          </a:graphicData>
+        </a:graphic>
+      </p:graphicFrame>
+      <p:sp>
+        <p:nvSpPr>
+          <p:cNvPr id="9" name="Text Box 195"/>
+          <p:cNvSpPr txBox="1">
+            <a:spLocks noChangeArrowheads="1"/>
+          </p:cNvSpPr>
+          <p:nvPr/>
+        </p:nvSpPr>
+        <p:spPr bwMode="auto">
+          <a:xfrm>
+            <a:off x="357158" y="665610"/>
+            <a:ext cx="354264" cy="246221"/>
+          </a:xfrm>
+          <a:prstGeom prst="rect">
+            <a:avLst/>
+          </a:prstGeom>
+          <a:noFill/>
+          <a:ln w="9525">
+            <a:noFill/>
+            <a:miter lim="800000"/>
+            <a:headEnd/>
+            <a:tailEnd/>
+          </a:ln>
+        </p:spPr>
+        <p:txBody>
+          <a:bodyPr wrap="none" lIns="0" tIns="0" rIns="0" bIns="0">
+            <a:spAutoFit/>
+          </a:bodyPr>
+          <a:lstStyle/>
+          <a:p>
+            <a:pPr>
+              <a:buFont typeface="Wingdings" pitchFamily="2" charset="2"/>
+              <a:buNone/>
+            </a:pPr>
+            <a:r>
+              <a:rPr lang="de-DE" sz="800" dirty="0">
+                <a:solidFill>
+                  <a:schemeClr val="tx1"/>
+                </a:solidFill>
+              </a:rPr>
+              <a:t>Letzter </a:t>
+            </a:r>
+          </a:p>
+          <a:p>
+            <a:pPr>
+              <a:buFont typeface="Wingdings" pitchFamily="2" charset="2"/>
+              <a:buNone/>
+            </a:pPr>
+            <a:r>
+              <a:rPr lang="de-DE" sz="800" dirty="0">
+                <a:solidFill>
+                  <a:schemeClr val="tx1"/>
+                </a:solidFill>
+              </a:rPr>
+              <a:t>Stand</a:t>
+            </a:r>
+          </a:p>
+        </p:txBody>
+      </p:sp>
+      <p:grpSp>
+        <p:nvGrpSpPr>
+          <p:cNvPr id="10" name="Gruppieren 31"/>
+          <p:cNvGrpSpPr/>
+          <p:nvPr/>
+        </p:nvGrpSpPr>
+        <p:grpSpPr>
+          <a:xfrm>
+            <a:off x="952603" y="656085"/>
+            <a:ext cx="325410" cy="832976"/>
+            <a:chOff x="7750175" y="600075"/>
+            <a:chExt cx="325410" cy="832976"/>
+          </a:xfrm>
+        </p:grpSpPr>
+        <p:sp>
+          <p:nvSpPr>
+            <p:cNvPr id="11" name="Text Box 196"/>
+            <p:cNvSpPr txBox="1">
+              <a:spLocks noChangeArrowheads="1"/>
+            </p:cNvSpPr>
+            <p:nvPr/>
+          </p:nvSpPr>
+          <p:spPr bwMode="auto">
+            <a:xfrm>
+              <a:off x="7750175" y="600075"/>
+              <a:ext cx="325410" cy="123111"/>
+            </a:xfrm>
+            <a:prstGeom prst="rect">
+              <a:avLst/>
+            </a:prstGeom>
+            <a:noFill/>
+            <a:ln w="9525">
+              <a:noFill/>
+              <a:miter lim="800000"/>
+              <a:headEnd/>
+              <a:tailEnd/>
+            </a:ln>
+          </p:spPr>
+          <p:txBody>
+            <a:bodyPr wrap="none" lIns="0" tIns="0" rIns="0" bIns="0">
+              <a:spAutoFit/>
+            </a:bodyPr>
+            <a:lstStyle/>
+            <a:p>
+              <a:pPr>
+                <a:buFont typeface="Wingdings" pitchFamily="2" charset="2"/>
+                <a:buNone/>
+              </a:pPr>
+              <a:r>
+                <a:rPr lang="de-DE" sz="800" dirty="0">
+                  <a:solidFill>
+                    <a:schemeClr val="tx1"/>
+                  </a:solidFill>
+                </a:rPr>
+                <a:t>Aktuell</a:t>
+              </a:r>
+            </a:p>
+          </p:txBody>
+        </p:sp>
+        <p:grpSp>
+          <p:nvGrpSpPr>
+            <p:cNvPr id="12" name="Gruppieren 29"/>
+            <p:cNvGrpSpPr/>
+            <p:nvPr/>
+          </p:nvGrpSpPr>
+          <p:grpSpPr>
+            <a:xfrm>
+              <a:off x="7800947" y="747251"/>
+              <a:ext cx="274638" cy="685800"/>
+              <a:chOff x="7826347" y="740901"/>
+              <a:chExt cx="274638" cy="685800"/>
+            </a:xfrm>
+          </p:grpSpPr>
+          <p:sp>
+            <p:nvSpPr>
+              <p:cNvPr id="13" name="Rectangle 187"/>
+              <p:cNvSpPr>
+                <a:spLocks noChangeAspect="1" noChangeArrowheads="1"/>
+              </p:cNvSpPr>
+              <p:nvPr/>
+            </p:nvSpPr>
+            <p:spPr bwMode="auto">
+              <a:xfrm>
+                <a:off x="7826347" y="740901"/>
+                <a:ext cx="274638" cy="685800"/>
+              </a:xfrm>
+              <a:prstGeom prst="rect">
+                <a:avLst/>
+              </a:prstGeom>
+              <a:solidFill>
+                <a:schemeClr val="bg1"/>
+              </a:solidFill>
+              <a:ln w="9525">
+                <a:solidFill>
+                  <a:schemeClr val="tx1"/>
+                </a:solidFill>
+                <a:miter lim="800000"/>
+                <a:headEnd/>
+                <a:tailEnd/>
+              </a:ln>
+              <a:effectLst>
+                <a:outerShdw blurRad="50800" dist="38100" dir="2700000" algn="tl" rotWithShape="0">
+                  <a:prstClr val="black">
+                    <a:alpha val="40000"/>
+                  </a:prstClr>
+                </a:outerShdw>
+              </a:effectLst>
+            </p:spPr>
+            <p:txBody>
+              <a:bodyPr wrap="none" lIns="90000" tIns="46800" rIns="90000" bIns="46800" anchor="ctr"/>
+              <a:lstStyle/>
+              <a:p>
+                <a:pPr algn="ctr">
+                  <a:lnSpc>
+                    <a:spcPct val="95000"/>
+                  </a:lnSpc>
+                  <a:defRPr/>
+                </a:pPr>
+                <a:endParaRPr lang="de-DE" dirty="0">
+                  <a:cs typeface="+mn-cs"/>
+                </a:endParaRPr>
+              </a:p>
+            </p:txBody>
+          </p:sp>
+          <p:sp>
+            <p:nvSpPr>
+              <p:cNvPr id="14" name="Oval 189"/>
+              <p:cNvSpPr>
+                <a:spLocks noChangeAspect="1" noChangeArrowheads="1"/>
+              </p:cNvSpPr>
+              <p:nvPr/>
+            </p:nvSpPr>
+            <p:spPr bwMode="auto">
+              <a:xfrm>
+                <a:off x="7856538" y="750888"/>
+                <a:ext cx="195263" cy="193675"/>
+              </a:xfrm>
+              <a:prstGeom prst="ellipse">
+                <a:avLst/>
+              </a:prstGeom>
+              <a:noFill/>
+              <a:ln w="9525">
+                <a:solidFill>
+                  <a:schemeClr val="tx1"/>
+                </a:solidFill>
+                <a:round/>
+                <a:headEnd/>
+                <a:tailEnd/>
+              </a:ln>
+            </p:spPr>
+            <p:txBody>
+              <a:bodyPr wrap="none" lIns="90000" tIns="46800" rIns="90000" bIns="46800" anchor="ctr"/>
+              <a:lstStyle/>
+              <a:p>
+                <a:pPr algn="ctr">
+                  <a:lnSpc>
+                    <a:spcPct val="95000"/>
+                  </a:lnSpc>
+                </a:pPr>
+                <a:endParaRPr lang="de-DE"/>
+              </a:p>
+            </p:txBody>
+          </p:sp>
+          <p:sp>
+            <p:nvSpPr>
+              <p:cNvPr id="15" name="Oval 547"/>
+              <p:cNvSpPr>
+                <a:spLocks noChangeAspect="1" noChangeArrowheads="1"/>
+              </p:cNvSpPr>
+              <p:nvPr/>
+            </p:nvSpPr>
+            <p:spPr bwMode="auto">
+              <a:xfrm>
+                <a:off x="7856538" y="973138"/>
+                <a:ext cx="195263" cy="193675"/>
+              </a:xfrm>
+              <a:prstGeom prst="ellipse">
+                <a:avLst/>
+              </a:prstGeom>
+              <a:noFill/>
+              <a:ln w="9525">
+                <a:solidFill>
+                  <a:schemeClr val="tx1"/>
+                </a:solidFill>
+                <a:round/>
+                <a:headEnd/>
+                <a:tailEnd/>
+              </a:ln>
+            </p:spPr>
+            <p:txBody>
+              <a:bodyPr wrap="none" lIns="90000" tIns="46800" rIns="90000" bIns="46800" anchor="ctr"/>
+              <a:lstStyle/>
+              <a:p>
+                <a:pPr algn="ctr">
+                  <a:lnSpc>
+                    <a:spcPct val="95000"/>
+                  </a:lnSpc>
+                </a:pPr>
+                <a:endParaRPr lang="de-DE"/>
+              </a:p>
+            </p:txBody>
+          </p:sp>
+          <p:sp>
+            <p:nvSpPr>
+              <p:cNvPr id="16" name="Oval 556"/>
+              <p:cNvSpPr>
+                <a:spLocks noChangeAspect="1" noChangeArrowheads="1"/>
+              </p:cNvSpPr>
+              <p:nvPr/>
+            </p:nvSpPr>
+            <p:spPr bwMode="auto">
+              <a:xfrm>
+                <a:off x="7859713" y="1189038"/>
+                <a:ext cx="195263" cy="193675"/>
+              </a:xfrm>
+              <a:prstGeom prst="ellipse">
+                <a:avLst/>
+              </a:prstGeom>
+              <a:solidFill>
+                <a:srgbClr val="00B050"/>
+              </a:solidFill>
+              <a:ln w="9525">
+                <a:solidFill>
+                  <a:schemeClr val="tx1"/>
+                </a:solidFill>
+                <a:round/>
+                <a:headEnd/>
+                <a:tailEnd/>
+              </a:ln>
+            </p:spPr>
+            <p:txBody>
+              <a:bodyPr wrap="none" anchor="ctr"/>
+              <a:lstStyle/>
+              <a:p>
+                <a:pPr algn="ctr">
+                  <a:lnSpc>
+                    <a:spcPct val="95000"/>
+                  </a:lnSpc>
+                </a:pPr>
+                <a:endParaRPr lang="de-DE"/>
+              </a:p>
+            </p:txBody>
+          </p:sp>
+        </p:grpSp>
+      </p:grpSp>
+      <p:sp>
+        <p:nvSpPr>
+          <p:cNvPr id="17" name="Text Box 197"/>
+          <p:cNvSpPr txBox="1">
+            <a:spLocks noChangeArrowheads="1"/>
+          </p:cNvSpPr>
+          <p:nvPr/>
+        </p:nvSpPr>
+        <p:spPr bwMode="auto">
+          <a:xfrm>
+            <a:off x="1627291" y="665610"/>
+            <a:ext cx="414337" cy="122238"/>
+          </a:xfrm>
+          <a:prstGeom prst="rect">
+            <a:avLst/>
+          </a:prstGeom>
+          <a:noFill/>
+          <a:ln w="9525">
+            <a:noFill/>
+            <a:miter lim="800000"/>
+            <a:headEnd/>
+            <a:tailEnd/>
+          </a:ln>
+        </p:spPr>
+        <p:txBody>
+          <a:bodyPr wrap="none" lIns="0" tIns="0" rIns="0" bIns="0">
+            <a:spAutoFit/>
+          </a:bodyPr>
+          <a:lstStyle/>
+          <a:p>
+            <a:pPr>
+              <a:buFont typeface="Wingdings" pitchFamily="2" charset="2"/>
+              <a:buNone/>
+            </a:pPr>
+            <a:r>
+              <a:rPr lang="de-DE" sz="800">
+                <a:solidFill>
+                  <a:schemeClr val="tx1"/>
+                </a:solidFill>
+              </a:rPr>
+              <a:t>Forecast</a:t>
+            </a:r>
+          </a:p>
+        </p:txBody>
+      </p:sp>
+      <p:sp>
+        <p:nvSpPr>
+          <p:cNvPr id="18" name="Rectangle 759"/>
+          <p:cNvSpPr>
+            <a:spLocks noChangeAspect="1" noChangeArrowheads="1"/>
+          </p:cNvSpPr>
+          <p:nvPr/>
+        </p:nvSpPr>
+        <p:spPr bwMode="auto">
+          <a:xfrm>
+            <a:off x="1733653" y="960885"/>
+            <a:ext cx="201613" cy="503238"/>
+          </a:xfrm>
+          <a:prstGeom prst="rect">
+            <a:avLst/>
+          </a:prstGeom>
+          <a:solidFill>
+            <a:schemeClr val="bg1"/>
+          </a:solidFill>
+          <a:ln w="9525">
+            <a:solidFill>
+              <a:schemeClr val="tx1"/>
+            </a:solidFill>
+            <a:miter lim="800000"/>
+            <a:headEnd/>
+            <a:tailEnd/>
+          </a:ln>
+          <a:effectLst>
+            <a:outerShdw blurRad="50800" dist="38100" dir="2700000" algn="tl" rotWithShape="0">
+              <a:prstClr val="black">
+                <a:alpha val="40000"/>
+              </a:prstClr>
+            </a:outerShdw>
+          </a:effectLst>
+        </p:spPr>
+        <p:txBody>
+          <a:bodyPr wrap="none" lIns="90000" tIns="46800" rIns="90000" bIns="46800" anchor="ctr"/>
+          <a:lstStyle/>
+          <a:p>
+            <a:pPr algn="ctr">
+              <a:lnSpc>
+                <a:spcPct val="95000"/>
+              </a:lnSpc>
+              <a:defRPr/>
+            </a:pPr>
+            <a:endParaRPr lang="de-DE">
+              <a:cs typeface="+mn-cs"/>
+            </a:endParaRPr>
+          </a:p>
+        </p:txBody>
+      </p:sp>
+      <p:sp>
+        <p:nvSpPr>
+          <p:cNvPr id="19" name="Text Box 195"/>
+          <p:cNvSpPr txBox="1">
+            <a:spLocks noChangeArrowheads="1"/>
+          </p:cNvSpPr>
+          <p:nvPr/>
+        </p:nvSpPr>
+        <p:spPr bwMode="auto">
+          <a:xfrm>
+            <a:off x="4673480" y="652443"/>
+            <a:ext cx="354264" cy="246221"/>
+          </a:xfrm>
+          <a:prstGeom prst="rect">
+            <a:avLst/>
+          </a:prstGeom>
+          <a:noFill/>
+          <a:ln w="9525">
+            <a:noFill/>
+            <a:miter lim="800000"/>
+            <a:headEnd/>
+            <a:tailEnd/>
+          </a:ln>
+        </p:spPr>
+        <p:txBody>
+          <a:bodyPr wrap="none" lIns="0" tIns="0" rIns="0" bIns="0">
+            <a:spAutoFit/>
+          </a:bodyPr>
+          <a:lstStyle/>
+          <a:p>
+            <a:pPr>
+              <a:buFont typeface="Wingdings" pitchFamily="2" charset="2"/>
+              <a:buNone/>
+            </a:pPr>
+            <a:r>
+              <a:rPr lang="de-DE" sz="800" dirty="0">
+                <a:solidFill>
+                  <a:schemeClr val="tx1"/>
+                </a:solidFill>
+              </a:rPr>
+              <a:t>Letzter </a:t>
+            </a:r>
+          </a:p>
+          <a:p>
+            <a:pPr>
+              <a:buFont typeface="Wingdings" pitchFamily="2" charset="2"/>
+              <a:buNone/>
+            </a:pPr>
+            <a:r>
+              <a:rPr lang="de-DE" sz="800" dirty="0">
+                <a:solidFill>
+                  <a:schemeClr val="tx1"/>
+                </a:solidFill>
+              </a:rPr>
+              <a:t>Stand</a:t>
+            </a:r>
+          </a:p>
+        </p:txBody>
+      </p:sp>
+      <p:sp>
+        <p:nvSpPr>
+          <p:cNvPr id="20" name="Rectangle 759"/>
+          <p:cNvSpPr>
+            <a:spLocks noChangeAspect="1" noChangeArrowheads="1"/>
+          </p:cNvSpPr>
+          <p:nvPr/>
+        </p:nvSpPr>
+        <p:spPr bwMode="auto">
+          <a:xfrm>
+            <a:off x="4762513" y="947718"/>
+            <a:ext cx="201613" cy="503238"/>
+          </a:xfrm>
+          <a:prstGeom prst="rect">
+            <a:avLst/>
+          </a:prstGeom>
+          <a:solidFill>
+            <a:schemeClr val="bg1"/>
+          </a:solidFill>
+          <a:ln w="9525">
+            <a:solidFill>
+              <a:schemeClr val="tx1"/>
+            </a:solidFill>
+            <a:miter lim="800000"/>
+            <a:headEnd/>
+            <a:tailEnd/>
+          </a:ln>
+          <a:effectLst>
+            <a:outerShdw blurRad="50800" dist="38100" dir="2700000" algn="tl" rotWithShape="0">
+              <a:prstClr val="black">
+                <a:alpha val="40000"/>
+              </a:prstClr>
+            </a:outerShdw>
+          </a:effectLst>
+        </p:spPr>
+        <p:txBody>
+          <a:bodyPr wrap="none" lIns="90000" tIns="46800" rIns="90000" bIns="46800" anchor="ctr"/>
+          <a:lstStyle/>
+          <a:p>
+            <a:pPr algn="ctr">
+              <a:lnSpc>
+                <a:spcPct val="95000"/>
+              </a:lnSpc>
+              <a:defRPr/>
+            </a:pPr>
+            <a:endParaRPr lang="de-DE">
+              <a:cs typeface="+mn-cs"/>
+            </a:endParaRPr>
+          </a:p>
+        </p:txBody>
+      </p:sp>
+      <p:grpSp>
+        <p:nvGrpSpPr>
+          <p:cNvPr id="21" name="Gruppieren 31"/>
+          <p:cNvGrpSpPr/>
+          <p:nvPr/>
+        </p:nvGrpSpPr>
+        <p:grpSpPr>
+          <a:xfrm>
+            <a:off x="5268925" y="642918"/>
+            <a:ext cx="325410" cy="808038"/>
+            <a:chOff x="7750175" y="600075"/>
+            <a:chExt cx="325410" cy="808038"/>
+          </a:xfrm>
+        </p:grpSpPr>
+        <p:sp>
+          <p:nvSpPr>
+            <p:cNvPr id="22" name="Text Box 196"/>
+            <p:cNvSpPr txBox="1">
+              <a:spLocks noChangeArrowheads="1"/>
+            </p:cNvSpPr>
+            <p:nvPr/>
+          </p:nvSpPr>
+          <p:spPr bwMode="auto">
+            <a:xfrm>
+              <a:off x="7750175" y="600075"/>
+              <a:ext cx="325410" cy="123111"/>
+            </a:xfrm>
+            <a:prstGeom prst="rect">
+              <a:avLst/>
+            </a:prstGeom>
+            <a:noFill/>
+            <a:ln w="9525">
+              <a:noFill/>
+              <a:miter lim="800000"/>
+              <a:headEnd/>
+              <a:tailEnd/>
+            </a:ln>
+          </p:spPr>
+          <p:txBody>
+            <a:bodyPr wrap="none" lIns="0" tIns="0" rIns="0" bIns="0">
+              <a:spAutoFit/>
+            </a:bodyPr>
+            <a:lstStyle/>
+            <a:p>
+              <a:pPr>
+                <a:buFont typeface="Wingdings" pitchFamily="2" charset="2"/>
+                <a:buNone/>
+              </a:pPr>
+              <a:r>
+                <a:rPr lang="de-DE" sz="800" dirty="0">
+                  <a:solidFill>
+                    <a:schemeClr val="tx1"/>
+                  </a:solidFill>
+                </a:rPr>
+                <a:t>Aktuell</a:t>
+              </a:r>
+            </a:p>
+          </p:txBody>
+        </p:sp>
+        <p:grpSp>
+          <p:nvGrpSpPr>
+            <p:cNvPr id="23" name="Gruppieren 29"/>
+            <p:cNvGrpSpPr/>
+            <p:nvPr/>
+          </p:nvGrpSpPr>
+          <p:grpSpPr>
+            <a:xfrm>
+              <a:off x="7791450" y="722313"/>
+              <a:ext cx="274638" cy="685800"/>
+              <a:chOff x="7816850" y="715963"/>
+              <a:chExt cx="274638" cy="685800"/>
+            </a:xfrm>
+          </p:grpSpPr>
+          <p:sp>
+            <p:nvSpPr>
+              <p:cNvPr id="24" name="Rectangle 187"/>
+              <p:cNvSpPr>
+                <a:spLocks noChangeAspect="1" noChangeArrowheads="1"/>
+              </p:cNvSpPr>
+              <p:nvPr/>
+            </p:nvSpPr>
+            <p:spPr bwMode="auto">
+              <a:xfrm>
+                <a:off x="7816850" y="715963"/>
+                <a:ext cx="274638" cy="685800"/>
+              </a:xfrm>
+              <a:prstGeom prst="rect">
+                <a:avLst/>
+              </a:prstGeom>
+              <a:solidFill>
+                <a:schemeClr val="bg1"/>
+              </a:solidFill>
+              <a:ln w="9525">
+                <a:solidFill>
+                  <a:schemeClr val="tx1"/>
+                </a:solidFill>
+                <a:miter lim="800000"/>
+                <a:headEnd/>
+                <a:tailEnd/>
+              </a:ln>
+              <a:effectLst>
+                <a:outerShdw blurRad="50800" dist="38100" dir="2700000" algn="tl" rotWithShape="0">
+                  <a:prstClr val="black">
+                    <a:alpha val="40000"/>
+                  </a:prstClr>
+                </a:outerShdw>
+              </a:effectLst>
+            </p:spPr>
+            <p:txBody>
+              <a:bodyPr wrap="none" lIns="90000" tIns="46800" rIns="90000" bIns="46800" anchor="ctr"/>
+              <a:lstStyle/>
+              <a:p>
+                <a:pPr algn="ctr">
+                  <a:lnSpc>
+                    <a:spcPct val="95000"/>
+                  </a:lnSpc>
+                  <a:defRPr/>
+                </a:pPr>
+                <a:endParaRPr lang="de-DE">
+                  <a:cs typeface="+mn-cs"/>
+                </a:endParaRPr>
+              </a:p>
+            </p:txBody>
+          </p:sp>
+          <p:sp>
+            <p:nvSpPr>
+              <p:cNvPr id="25" name="Oval 189"/>
+              <p:cNvSpPr>
+                <a:spLocks noChangeAspect="1" noChangeArrowheads="1"/>
+              </p:cNvSpPr>
+              <p:nvPr/>
+            </p:nvSpPr>
+            <p:spPr bwMode="auto">
+              <a:xfrm>
+                <a:off x="7856538" y="750888"/>
+                <a:ext cx="195263" cy="193675"/>
+              </a:xfrm>
+              <a:prstGeom prst="ellipse">
+                <a:avLst/>
+              </a:prstGeom>
+              <a:noFill/>
+              <a:ln w="9525">
+                <a:solidFill>
+                  <a:schemeClr val="tx1"/>
+                </a:solidFill>
+                <a:round/>
+                <a:headEnd/>
+                <a:tailEnd/>
+              </a:ln>
+            </p:spPr>
+            <p:txBody>
+              <a:bodyPr wrap="none" lIns="90000" tIns="46800" rIns="90000" bIns="46800" anchor="ctr"/>
+              <a:lstStyle/>
+              <a:p>
+                <a:pPr algn="ctr">
+                  <a:lnSpc>
+                    <a:spcPct val="95000"/>
+                  </a:lnSpc>
+                </a:pPr>
+                <a:endParaRPr lang="de-DE"/>
+              </a:p>
+            </p:txBody>
+          </p:sp>
+          <p:sp>
+            <p:nvSpPr>
+              <p:cNvPr id="26" name="Oval 547"/>
+              <p:cNvSpPr>
+                <a:spLocks noChangeAspect="1" noChangeArrowheads="1"/>
+              </p:cNvSpPr>
+              <p:nvPr/>
+            </p:nvSpPr>
+            <p:spPr bwMode="auto">
+              <a:xfrm>
+                <a:off x="7856538" y="973138"/>
+                <a:ext cx="195263" cy="193675"/>
+              </a:xfrm>
+              <a:prstGeom prst="ellipse">
+                <a:avLst/>
+              </a:prstGeom>
+              <a:noFill/>
+              <a:ln w="9525">
+                <a:solidFill>
+                  <a:schemeClr val="tx1"/>
+                </a:solidFill>
+                <a:round/>
+                <a:headEnd/>
+                <a:tailEnd/>
+              </a:ln>
+            </p:spPr>
+            <p:txBody>
+              <a:bodyPr wrap="none" lIns="90000" tIns="46800" rIns="90000" bIns="46800" anchor="ctr"/>
+              <a:lstStyle/>
+              <a:p>
+                <a:pPr algn="ctr">
+                  <a:lnSpc>
+                    <a:spcPct val="95000"/>
+                  </a:lnSpc>
+                </a:pPr>
+                <a:endParaRPr lang="de-DE"/>
+              </a:p>
+            </p:txBody>
+          </p:sp>
+          <p:sp>
+            <p:nvSpPr>
+              <p:cNvPr id="27" name="Oval 556"/>
+              <p:cNvSpPr>
+                <a:spLocks noChangeAspect="1" noChangeArrowheads="1"/>
+              </p:cNvSpPr>
+              <p:nvPr/>
+            </p:nvSpPr>
+            <p:spPr bwMode="auto">
+              <a:xfrm>
+                <a:off x="7859713" y="1189038"/>
+                <a:ext cx="195263" cy="193675"/>
+              </a:xfrm>
+              <a:prstGeom prst="ellipse">
+                <a:avLst/>
+              </a:prstGeom>
+              <a:solidFill>
+                <a:srgbClr val="00B050"/>
+              </a:solidFill>
+              <a:ln w="9525">
+                <a:solidFill>
+                  <a:schemeClr val="tx1"/>
+                </a:solidFill>
+                <a:round/>
+                <a:headEnd/>
+                <a:tailEnd/>
+              </a:ln>
+            </p:spPr>
+            <p:txBody>
+              <a:bodyPr wrap="none" anchor="ctr"/>
+              <a:lstStyle/>
+              <a:p>
+                <a:pPr algn="ctr">
+                  <a:lnSpc>
+                    <a:spcPct val="95000"/>
+                  </a:lnSpc>
+                </a:pPr>
+                <a:endParaRPr lang="de-DE"/>
+              </a:p>
+            </p:txBody>
+          </p:sp>
+        </p:grpSp>
+      </p:grpSp>
+      <p:grpSp>
+        <p:nvGrpSpPr>
+          <p:cNvPr id="28" name="Gruppieren 27"/>
+          <p:cNvGrpSpPr/>
+          <p:nvPr/>
+        </p:nvGrpSpPr>
+        <p:grpSpPr>
+          <a:xfrm>
+            <a:off x="5943613" y="652443"/>
+            <a:ext cx="414337" cy="798513"/>
+            <a:chOff x="8443913" y="609600"/>
+            <a:chExt cx="414337" cy="798513"/>
+          </a:xfrm>
+        </p:grpSpPr>
+        <p:sp>
+          <p:nvSpPr>
+            <p:cNvPr id="29" name="Text Box 197"/>
+            <p:cNvSpPr txBox="1">
+              <a:spLocks noChangeArrowheads="1"/>
+            </p:cNvSpPr>
+            <p:nvPr/>
+          </p:nvSpPr>
+          <p:spPr bwMode="auto">
+            <a:xfrm>
+              <a:off x="8443913" y="609600"/>
+              <a:ext cx="414337" cy="122238"/>
+            </a:xfrm>
+            <a:prstGeom prst="rect">
+              <a:avLst/>
+            </a:prstGeom>
+            <a:noFill/>
+            <a:ln w="9525">
+              <a:noFill/>
+              <a:miter lim="800000"/>
+              <a:headEnd/>
+              <a:tailEnd/>
+            </a:ln>
+          </p:spPr>
+          <p:txBody>
+            <a:bodyPr wrap="none" lIns="0" tIns="0" rIns="0" bIns="0">
+              <a:spAutoFit/>
+            </a:bodyPr>
+            <a:lstStyle/>
+            <a:p>
+              <a:pPr>
+                <a:buFont typeface="Wingdings" pitchFamily="2" charset="2"/>
+                <a:buNone/>
+              </a:pPr>
+              <a:r>
+                <a:rPr lang="de-DE" sz="800">
+                  <a:solidFill>
+                    <a:schemeClr val="tx1"/>
+                  </a:solidFill>
+                </a:rPr>
+                <a:t>Forecast</a:t>
+              </a:r>
+            </a:p>
+          </p:txBody>
+        </p:sp>
+        <p:grpSp>
+          <p:nvGrpSpPr>
+            <p:cNvPr id="30" name="Gruppieren 24"/>
+            <p:cNvGrpSpPr/>
+            <p:nvPr/>
+          </p:nvGrpSpPr>
+          <p:grpSpPr>
+            <a:xfrm>
+              <a:off x="8550275" y="904875"/>
+              <a:ext cx="201613" cy="503238"/>
+              <a:chOff x="7308850" y="904875"/>
+              <a:chExt cx="201613" cy="503238"/>
+            </a:xfrm>
+          </p:grpSpPr>
+          <p:sp>
+            <p:nvSpPr>
+              <p:cNvPr id="31" name="Rectangle 759"/>
+              <p:cNvSpPr>
+                <a:spLocks noChangeAspect="1" noChangeArrowheads="1"/>
+              </p:cNvSpPr>
+              <p:nvPr/>
+            </p:nvSpPr>
+            <p:spPr bwMode="auto">
+              <a:xfrm>
+                <a:off x="7308850" y="904875"/>
+                <a:ext cx="201613" cy="503238"/>
+              </a:xfrm>
+              <a:prstGeom prst="rect">
+                <a:avLst/>
+              </a:prstGeom>
+              <a:solidFill>
+                <a:schemeClr val="bg1"/>
+              </a:solidFill>
+              <a:ln w="9525">
+                <a:solidFill>
+                  <a:schemeClr val="tx1"/>
+                </a:solidFill>
+                <a:miter lim="800000"/>
+                <a:headEnd/>
+                <a:tailEnd/>
+              </a:ln>
+              <a:effectLst>
+                <a:outerShdw blurRad="50800" dist="38100" dir="2700000" algn="tl" rotWithShape="0">
+                  <a:prstClr val="black">
+                    <a:alpha val="40000"/>
+                  </a:prstClr>
+                </a:outerShdw>
+              </a:effectLst>
+            </p:spPr>
+            <p:txBody>
+              <a:bodyPr wrap="none" lIns="90000" tIns="46800" rIns="90000" bIns="46800" anchor="ctr"/>
+              <a:lstStyle/>
+              <a:p>
+                <a:pPr algn="ctr">
+                  <a:lnSpc>
+                    <a:spcPct val="95000"/>
+                  </a:lnSpc>
+                  <a:defRPr/>
+                </a:pPr>
+                <a:endParaRPr lang="de-DE">
+                  <a:cs typeface="+mn-cs"/>
+                </a:endParaRPr>
+              </a:p>
+            </p:txBody>
+          </p:sp>
+          <p:sp>
+            <p:nvSpPr>
+              <p:cNvPr id="32" name="Oval 760"/>
+              <p:cNvSpPr>
+                <a:spLocks noChangeAspect="1" noChangeArrowheads="1"/>
+              </p:cNvSpPr>
+              <p:nvPr/>
+            </p:nvSpPr>
+            <p:spPr bwMode="auto">
+              <a:xfrm flipH="1">
+                <a:off x="7346950" y="935038"/>
+                <a:ext cx="125413" cy="125413"/>
+              </a:xfrm>
+              <a:prstGeom prst="ellipse">
+                <a:avLst/>
+              </a:prstGeom>
+              <a:noFill/>
+              <a:ln w="9525">
+                <a:solidFill>
+                  <a:schemeClr val="tx1"/>
+                </a:solidFill>
+                <a:round/>
+                <a:headEnd/>
+                <a:tailEnd/>
+              </a:ln>
+            </p:spPr>
+            <p:txBody>
+              <a:bodyPr wrap="none" anchor="ctr"/>
+              <a:lstStyle/>
+              <a:p>
+                <a:pPr algn="ctr">
+                  <a:lnSpc>
+                    <a:spcPct val="95000"/>
+                  </a:lnSpc>
+                </a:pPr>
+                <a:endParaRPr lang="de-DE"/>
+              </a:p>
+            </p:txBody>
+          </p:sp>
+          <p:sp>
+            <p:nvSpPr>
+              <p:cNvPr id="33" name="Oval 761"/>
+              <p:cNvSpPr>
+                <a:spLocks noChangeAspect="1" noChangeArrowheads="1"/>
+              </p:cNvSpPr>
+              <p:nvPr/>
+            </p:nvSpPr>
+            <p:spPr bwMode="auto">
+              <a:xfrm flipH="1">
+                <a:off x="7346950" y="1090613"/>
+                <a:ext cx="125413" cy="125413"/>
+              </a:xfrm>
+              <a:prstGeom prst="ellipse">
+                <a:avLst/>
+              </a:prstGeom>
+              <a:noFill/>
+              <a:ln w="9525">
+                <a:solidFill>
+                  <a:schemeClr val="tx1"/>
+                </a:solidFill>
+                <a:round/>
+                <a:headEnd/>
+                <a:tailEnd/>
+              </a:ln>
+            </p:spPr>
+            <p:txBody>
+              <a:bodyPr wrap="none" lIns="90000" tIns="46800" rIns="90000" bIns="46800" anchor="ctr"/>
+              <a:lstStyle/>
+              <a:p>
+                <a:pPr algn="ctr">
+                  <a:lnSpc>
+                    <a:spcPct val="95000"/>
+                  </a:lnSpc>
+                </a:pPr>
+                <a:endParaRPr lang="de-DE"/>
+              </a:p>
+            </p:txBody>
+          </p:sp>
+          <p:sp>
+            <p:nvSpPr>
+              <p:cNvPr id="34" name="Oval 762"/>
+              <p:cNvSpPr>
+                <a:spLocks noChangeAspect="1" noChangeArrowheads="1"/>
+              </p:cNvSpPr>
+              <p:nvPr/>
+            </p:nvSpPr>
+            <p:spPr bwMode="auto">
+              <a:xfrm flipH="1">
+                <a:off x="7346950" y="1247775"/>
+                <a:ext cx="125413" cy="125413"/>
+              </a:xfrm>
+              <a:prstGeom prst="ellipse">
+                <a:avLst/>
+              </a:prstGeom>
+              <a:solidFill>
+                <a:srgbClr val="00B050"/>
+              </a:solidFill>
+              <a:ln w="9525">
+                <a:solidFill>
+                  <a:schemeClr val="tx1"/>
+                </a:solidFill>
+                <a:round/>
+                <a:headEnd/>
+                <a:tailEnd/>
+              </a:ln>
+            </p:spPr>
+            <p:txBody>
+              <a:bodyPr wrap="none" anchor="ctr"/>
+              <a:lstStyle/>
+              <a:p>
+                <a:pPr algn="ctr">
+                  <a:lnSpc>
+                    <a:spcPct val="95000"/>
+                  </a:lnSpc>
+                </a:pPr>
+                <a:endParaRPr lang="de-DE"/>
+              </a:p>
+            </p:txBody>
+          </p:sp>
+        </p:grpSp>
+      </p:grpSp>
+      <p:sp>
+        <p:nvSpPr>
+          <p:cNvPr id="36" name="Oval 760"/>
+          <p:cNvSpPr>
+            <a:spLocks noChangeAspect="1" noChangeArrowheads="1"/>
+          </p:cNvSpPr>
+          <p:nvPr/>
+        </p:nvSpPr>
+        <p:spPr bwMode="auto">
+          <a:xfrm flipH="1">
+            <a:off x="468000" y="990586"/>
+            <a:ext cx="125413" cy="125413"/>
+          </a:xfrm>
+          <a:prstGeom prst="ellipse">
+            <a:avLst/>
+          </a:prstGeom>
+          <a:noFill/>
+          <a:ln w="9525">
+            <a:solidFill>
+              <a:schemeClr val="tx1"/>
+            </a:solidFill>
+            <a:round/>
+            <a:headEnd/>
+            <a:tailEnd/>
+          </a:ln>
+        </p:spPr>
+        <p:txBody>
+          <a:bodyPr wrap="none" anchor="ctr"/>
+          <a:lstStyle/>
+          <a:p>
+            <a:pPr algn="ctr">
+              <a:lnSpc>
+                <a:spcPct val="95000"/>
+              </a:lnSpc>
+            </a:pPr>
+            <a:endParaRPr lang="de-DE"/>
+          </a:p>
+        </p:txBody>
+      </p:sp>
+      <p:sp>
+        <p:nvSpPr>
+          <p:cNvPr id="37" name="Oval 761"/>
+          <p:cNvSpPr>
+            <a:spLocks noChangeAspect="1" noChangeArrowheads="1"/>
+          </p:cNvSpPr>
+          <p:nvPr/>
+        </p:nvSpPr>
+        <p:spPr bwMode="auto">
+          <a:xfrm flipH="1">
+            <a:off x="468000" y="1146161"/>
+            <a:ext cx="125413" cy="125413"/>
+          </a:xfrm>
+          <a:prstGeom prst="ellipse">
+            <a:avLst/>
+          </a:prstGeom>
+          <a:noFill/>
+          <a:ln w="9525">
+            <a:solidFill>
+              <a:schemeClr val="tx1"/>
+            </a:solidFill>
+            <a:round/>
+            <a:headEnd/>
+            <a:tailEnd/>
+          </a:ln>
+        </p:spPr>
+        <p:txBody>
+          <a:bodyPr wrap="none" lIns="90000" tIns="46800" rIns="90000" bIns="46800" anchor="ctr"/>
+          <a:lstStyle/>
+          <a:p>
+            <a:pPr algn="ctr">
+              <a:lnSpc>
+                <a:spcPct val="95000"/>
+              </a:lnSpc>
+            </a:pPr>
+            <a:endParaRPr lang="de-DE"/>
+          </a:p>
+        </p:txBody>
+      </p:sp>
+      <p:sp>
+        <p:nvSpPr>
+          <p:cNvPr id="38" name="Oval 762"/>
+          <p:cNvSpPr>
+            <a:spLocks noChangeAspect="1" noChangeArrowheads="1"/>
+          </p:cNvSpPr>
+          <p:nvPr/>
+        </p:nvSpPr>
+        <p:spPr bwMode="auto">
+          <a:xfrm flipH="1">
+            <a:off x="468000" y="1303323"/>
+            <a:ext cx="125413" cy="125413"/>
+          </a:xfrm>
+          <a:prstGeom prst="ellipse">
+            <a:avLst/>
+          </a:prstGeom>
+          <a:solidFill>
+            <a:srgbClr val="00B050"/>
+          </a:solidFill>
+          <a:ln w="9525">
+            <a:solidFill>
+              <a:schemeClr val="tx1"/>
+            </a:solidFill>
+            <a:round/>
+            <a:headEnd/>
+            <a:tailEnd/>
+          </a:ln>
+        </p:spPr>
+        <p:txBody>
+          <a:bodyPr wrap="none" anchor="ctr"/>
+          <a:lstStyle/>
+          <a:p>
+            <a:pPr algn="ctr">
+              <a:lnSpc>
+                <a:spcPct val="95000"/>
+              </a:lnSpc>
+            </a:pPr>
+            <a:endParaRPr lang="de-DE"/>
+          </a:p>
+        </p:txBody>
+      </p:sp>
+      <p:sp>
+        <p:nvSpPr>
+          <p:cNvPr id="39" name="Oval 760"/>
+          <p:cNvSpPr>
+            <a:spLocks noChangeAspect="1" noChangeArrowheads="1"/>
+          </p:cNvSpPr>
+          <p:nvPr/>
+        </p:nvSpPr>
+        <p:spPr bwMode="auto">
+          <a:xfrm flipH="1">
+            <a:off x="4803777" y="990586"/>
+            <a:ext cx="125413" cy="125413"/>
+          </a:xfrm>
+          <a:prstGeom prst="ellipse">
+            <a:avLst/>
+          </a:prstGeom>
+          <a:noFill/>
+          <a:ln w="9525">
+            <a:solidFill>
+              <a:schemeClr val="tx1"/>
+            </a:solidFill>
+            <a:round/>
+            <a:headEnd/>
+            <a:tailEnd/>
+          </a:ln>
+        </p:spPr>
+        <p:txBody>
+          <a:bodyPr wrap="none" anchor="ctr"/>
+          <a:lstStyle/>
+          <a:p>
+            <a:pPr algn="ctr">
+              <a:lnSpc>
+                <a:spcPct val="95000"/>
+              </a:lnSpc>
+            </a:pPr>
+            <a:endParaRPr lang="de-DE"/>
+          </a:p>
+        </p:txBody>
+      </p:sp>
+      <p:sp>
+        <p:nvSpPr>
+          <p:cNvPr id="40" name="Oval 761"/>
+          <p:cNvSpPr>
+            <a:spLocks noChangeAspect="1" noChangeArrowheads="1"/>
+          </p:cNvSpPr>
+          <p:nvPr/>
+        </p:nvSpPr>
+        <p:spPr bwMode="auto">
+          <a:xfrm flipH="1">
+            <a:off x="4803777" y="1146161"/>
+            <a:ext cx="125413" cy="125413"/>
+          </a:xfrm>
+          <a:prstGeom prst="ellipse">
+            <a:avLst/>
+          </a:prstGeom>
+          <a:noFill/>
+          <a:ln w="9525">
+            <a:solidFill>
+              <a:schemeClr val="tx1"/>
+            </a:solidFill>
+            <a:round/>
+            <a:headEnd/>
+            <a:tailEnd/>
+          </a:ln>
+        </p:spPr>
+        <p:txBody>
+          <a:bodyPr wrap="none" lIns="90000" tIns="46800" rIns="90000" bIns="46800" anchor="ctr"/>
+          <a:lstStyle/>
+          <a:p>
+            <a:pPr algn="ctr">
+              <a:lnSpc>
+                <a:spcPct val="95000"/>
+              </a:lnSpc>
+            </a:pPr>
+            <a:endParaRPr lang="de-DE"/>
+          </a:p>
+        </p:txBody>
+      </p:sp>
+      <p:sp>
+        <p:nvSpPr>
+          <p:cNvPr id="41" name="Oval 762"/>
+          <p:cNvSpPr>
+            <a:spLocks noChangeAspect="1" noChangeArrowheads="1"/>
+          </p:cNvSpPr>
+          <p:nvPr/>
+        </p:nvSpPr>
+        <p:spPr bwMode="auto">
+          <a:xfrm flipH="1">
+            <a:off x="4803777" y="1303323"/>
+            <a:ext cx="125413" cy="125413"/>
+          </a:xfrm>
+          <a:prstGeom prst="ellipse">
+            <a:avLst/>
+          </a:prstGeom>
+          <a:solidFill>
+            <a:srgbClr val="00B050"/>
+          </a:solidFill>
+          <a:ln w="9525">
+            <a:solidFill>
+              <a:schemeClr val="tx1"/>
+            </a:solidFill>
+            <a:round/>
+            <a:headEnd/>
+            <a:tailEnd/>
+          </a:ln>
+        </p:spPr>
+        <p:txBody>
+          <a:bodyPr wrap="none" anchor="ctr"/>
+          <a:lstStyle/>
+          <a:p>
+            <a:pPr algn="ctr">
+              <a:lnSpc>
+                <a:spcPct val="95000"/>
+              </a:lnSpc>
+            </a:pPr>
+            <a:endParaRPr lang="de-DE"/>
+          </a:p>
+        </p:txBody>
+      </p:sp>
+      <p:sp>
+        <p:nvSpPr>
+          <p:cNvPr id="42" name="Oval 760"/>
+          <p:cNvSpPr>
+            <a:spLocks noChangeAspect="1" noChangeArrowheads="1"/>
+          </p:cNvSpPr>
+          <p:nvPr/>
+        </p:nvSpPr>
+        <p:spPr bwMode="auto">
+          <a:xfrm flipH="1">
+            <a:off x="1764000" y="990586"/>
+            <a:ext cx="125413" cy="125413"/>
+          </a:xfrm>
+          <a:prstGeom prst="ellipse">
+            <a:avLst/>
+          </a:prstGeom>
+          <a:noFill/>
+          <a:ln w="9525">
+            <a:solidFill>
+              <a:schemeClr val="tx1"/>
+            </a:solidFill>
+            <a:round/>
+            <a:headEnd/>
+            <a:tailEnd/>
+          </a:ln>
+        </p:spPr>
+        <p:txBody>
+          <a:bodyPr wrap="none" anchor="ctr"/>
+          <a:lstStyle/>
+          <a:p>
+            <a:pPr algn="ctr">
+              <a:lnSpc>
+                <a:spcPct val="95000"/>
+              </a:lnSpc>
+            </a:pPr>
+            <a:endParaRPr lang="de-DE"/>
+          </a:p>
+        </p:txBody>
+      </p:sp>
+      <p:sp>
+        <p:nvSpPr>
+          <p:cNvPr id="43" name="Oval 761"/>
+          <p:cNvSpPr>
+            <a:spLocks noChangeAspect="1" noChangeArrowheads="1"/>
+          </p:cNvSpPr>
+          <p:nvPr/>
+        </p:nvSpPr>
+        <p:spPr bwMode="auto">
+          <a:xfrm flipH="1">
+            <a:off x="1764000" y="1146161"/>
+            <a:ext cx="125413" cy="125413"/>
+          </a:xfrm>
+          <a:prstGeom prst="ellipse">
+            <a:avLst/>
+          </a:prstGeom>
+          <a:noFill/>
+          <a:ln w="9525">
+            <a:solidFill>
+              <a:schemeClr val="tx1"/>
+            </a:solidFill>
+            <a:round/>
+            <a:headEnd/>
+            <a:tailEnd/>
+          </a:ln>
+        </p:spPr>
+        <p:txBody>
+          <a:bodyPr wrap="none" lIns="90000" tIns="46800" rIns="90000" bIns="46800" anchor="ctr"/>
+          <a:lstStyle/>
+          <a:p>
+            <a:pPr algn="ctr">
+              <a:lnSpc>
+                <a:spcPct val="95000"/>
+              </a:lnSpc>
+            </a:pPr>
+            <a:endParaRPr lang="de-DE"/>
+          </a:p>
+        </p:txBody>
+      </p:sp>
+      <p:sp>
+        <p:nvSpPr>
+          <p:cNvPr id="44" name="Oval 762"/>
+          <p:cNvSpPr>
+            <a:spLocks noChangeAspect="1" noChangeArrowheads="1"/>
+          </p:cNvSpPr>
+          <p:nvPr/>
+        </p:nvSpPr>
+        <p:spPr bwMode="auto">
+          <a:xfrm flipH="1">
+            <a:off x="1764000" y="1303323"/>
+            <a:ext cx="125413" cy="125413"/>
+          </a:xfrm>
+          <a:prstGeom prst="ellipse">
+            <a:avLst/>
+          </a:prstGeom>
+          <a:solidFill>
+            <a:srgbClr val="00B050"/>
+          </a:solidFill>
+          <a:ln w="9525">
+            <a:solidFill>
+              <a:schemeClr val="tx1"/>
+            </a:solidFill>
+            <a:round/>
+            <a:headEnd/>
+            <a:tailEnd/>
+          </a:ln>
+        </p:spPr>
+        <p:txBody>
+          <a:bodyPr wrap="none" anchor="ctr"/>
+          <a:lstStyle/>
+          <a:p>
+            <a:pPr algn="ctr">
+              <a:lnSpc>
+                <a:spcPct val="95000"/>
+              </a:lnSpc>
+            </a:pPr>
+            <a:endParaRPr lang="de-DE"/>
+          </a:p>
+        </p:txBody>
+      </p:sp>
+    </p:spTree>
+    <p:extLst>
+      <p:ext uri="{BB962C8B-B14F-4D97-AF65-F5344CB8AC3E}">
+        <p14:creationId xmlns:p14="http://schemas.microsoft.com/office/powerpoint/2010/main" val="1265615485"/>
+      </p:ext>
+    </p:extLst>
+  </p:cSld>
+  <p:clrMapOvr>
+    <a:masterClrMapping/>
+  </p:clrMapOvr>
+</p:sld>
+</file>
+
+<file path=ppt/slides/slide3.xml><?xml version="1.0" encoding="utf-8"?>
+<p:sld xmlns:a="http://schemas.openxmlformats.org/drawingml/2006/main" xmlns:r="http://schemas.openxmlformats.org/officeDocument/2006/relationships" xmlns:p="http://schemas.openxmlformats.org/presentationml/2006/main">
+  <p:cSld>
+    <p:spTree>
+      <p:nvGrpSpPr>
+        <p:cNvPr id="1" name=""/>
+        <p:cNvGrpSpPr/>
+        <p:nvPr/>
+      </p:nvGrpSpPr>
+      <p:grpSpPr>
+        <a:xfrm>
+          <a:off x="0" y="0"/>
+          <a:ext cx="0" cy="0"/>
+          <a:chOff x="0" y="0"/>
+          <a:chExt cx="0" cy="0"/>
+        </a:xfrm>
+      </p:grpSpPr>
+      <p:sp>
+        <p:nvSpPr>
+          <p:cNvPr id="35" name="Rectangle 759"/>
+          <p:cNvSpPr>
+            <a:spLocks noChangeAspect="1" noChangeArrowheads="1"/>
+          </p:cNvSpPr>
+          <p:nvPr/>
+        </p:nvSpPr>
+        <p:spPr bwMode="auto">
+          <a:xfrm>
+            <a:off x="428596" y="960885"/>
+            <a:ext cx="201613" cy="503238"/>
+          </a:xfrm>
+          <a:prstGeom prst="rect">
+            <a:avLst/>
+          </a:prstGeom>
+          <a:solidFill>
+            <a:schemeClr val="bg1"/>
+          </a:solidFill>
+          <a:ln w="9525">
+            <a:solidFill>
+              <a:schemeClr val="tx1"/>
+            </a:solidFill>
+            <a:miter lim="800000"/>
+            <a:headEnd/>
+            <a:tailEnd/>
+          </a:ln>
+          <a:effectLst>
+            <a:outerShdw blurRad="50800" dist="38100" dir="2700000" algn="tl" rotWithShape="0">
+              <a:prstClr val="black">
+                <a:alpha val="40000"/>
+              </a:prstClr>
+            </a:outerShdw>
+          </a:effectLst>
+        </p:spPr>
+        <p:txBody>
+          <a:bodyPr wrap="none" lIns="90000" tIns="46800" rIns="90000" bIns="46800" anchor="ctr"/>
+          <a:lstStyle/>
+          <a:p>
+            <a:pPr algn="ctr">
+              <a:lnSpc>
+                <a:spcPct val="95000"/>
+              </a:lnSpc>
+              <a:defRPr/>
+            </a:pPr>
+            <a:endParaRPr lang="de-DE">
+              <a:cs typeface="+mn-cs"/>
+            </a:endParaRPr>
+          </a:p>
+        </p:txBody>
+      </p:sp>
+      <p:graphicFrame>
+        <p:nvGraphicFramePr>
+          <p:cNvPr id="4" name="Group 1155"/>
+          <p:cNvGraphicFramePr>
+            <a:graphicFrameLocks noGrp="1"/>
+          </p:cNvGraphicFramePr>
+          <p:nvPr>
+            <p:extLst/>
+          </p:nvPr>
+        </p:nvGraphicFramePr>
+        <p:xfrm>
+          <a:off x="152400" y="53975"/>
+          <a:ext cx="8880475" cy="288925"/>
+        </p:xfrm>
+        <a:graphic>
+          <a:graphicData uri="http://schemas.openxmlformats.org/drawingml/2006/table">
+            <a:tbl>
+              <a:tblPr/>
+              <a:tblGrid>
+                <a:gridCol w="3159125">
+                  <a:extLst>
+                    <a:ext uri="{9D8B030D-6E8A-4147-A177-3AD203B41FA5}">
+                      <a16:colId xmlns:a16="http://schemas.microsoft.com/office/drawing/2014/main" val="20000"/>
+                    </a:ext>
+                  </a:extLst>
+                </a:gridCol>
+                <a:gridCol w="2371725">
+                  <a:extLst>
+                    <a:ext uri="{9D8B030D-6E8A-4147-A177-3AD203B41FA5}">
+                      <a16:colId xmlns:a16="http://schemas.microsoft.com/office/drawing/2014/main" val="20001"/>
+                    </a:ext>
+                  </a:extLst>
+                </a:gridCol>
+                <a:gridCol w="2076450">
+                  <a:extLst>
+                    <a:ext uri="{9D8B030D-6E8A-4147-A177-3AD203B41FA5}">
+                      <a16:colId xmlns:a16="http://schemas.microsoft.com/office/drawing/2014/main" val="20002"/>
+                    </a:ext>
+                  </a:extLst>
+                </a:gridCol>
+                <a:gridCol w="1273175">
+                  <a:extLst>
+                    <a:ext uri="{9D8B030D-6E8A-4147-A177-3AD203B41FA5}">
+                      <a16:colId xmlns:a16="http://schemas.microsoft.com/office/drawing/2014/main" val="20003"/>
+                    </a:ext>
+                  </a:extLst>
+                </a:gridCol>
+              </a:tblGrid>
+              <a:tr h="288925">
+                <a:tc>
+                  <a:txBody>
+                    <a:bodyPr/>
+                    <a:lstStyle/>
+                    <a:p>
+                      <a:pPr marL="0" marR="0" lvl="0" indent="0" algn="l" defTabSz="914400" rtl="0" eaLnBrk="0" fontAlgn="base" latinLnBrk="0" hangingPunct="0">
+                        <a:lnSpc>
+                          <a:spcPct val="95000"/>
+                        </a:lnSpc>
+                        <a:spcBef>
+                          <a:spcPct val="0"/>
+                        </a:spcBef>
+                        <a:spcAft>
+                          <a:spcPct val="0"/>
+                        </a:spcAft>
+                        <a:buClrTx/>
+                        <a:buSzTx/>
+                        <a:buFontTx/>
+                        <a:buNone/>
+                        <a:tabLst/>
+                      </a:pPr>
+                      <a:r>
+                        <a:rPr lang="de-DE" sz="1050" b="1" dirty="0">
+                          <a:latin typeface="Calibri" pitchFamily="34" charset="0"/>
+                        </a:rPr>
+                        <a:t>Projekt 4b5 – HP Kirchenchor </a:t>
+                      </a:r>
+                      <a:r>
+                        <a:rPr lang="de-DE" sz="1050" b="1" dirty="0" err="1">
+                          <a:latin typeface="Calibri" pitchFamily="34" charset="0"/>
+                        </a:rPr>
+                        <a:t>Pollham</a:t>
+                      </a:r>
+                      <a:endParaRPr kumimoji="0" lang="de-DE" sz="1050" b="1" i="0" u="none" strike="noStrike" cap="none" normalizeH="0" baseline="0" dirty="0">
+                        <a:ln>
+                          <a:noFill/>
+                        </a:ln>
+                        <a:solidFill>
+                          <a:schemeClr val="tx1"/>
+                        </a:solidFill>
+                        <a:effectLst/>
+                        <a:latin typeface="Calibri" pitchFamily="34" charset="0"/>
+                        <a:cs typeface="Arial" charset="0"/>
+                      </a:endParaRPr>
+                    </a:p>
+                  </a:txBody>
+                  <a:tcPr marL="36000" marR="36000" marT="36000" marB="36000" anchor="ctr" horzOverflow="overflow">
+                    <a:lnL w="12700" cap="flat" cmpd="sng" algn="ctr">
+                      <a:solidFill>
+                        <a:schemeClr val="tx1"/>
+                      </a:solidFill>
+                      <a:prstDash val="solid"/>
+                      <a:round/>
+                      <a:headEnd type="none" w="med" len="med"/>
+                      <a:tailEnd type="none" w="med" len="med"/>
+                    </a:lnL>
+                    <a:lnR w="12700" cap="flat" cmpd="sng" algn="ctr">
+                      <a:solidFill>
+                        <a:schemeClr val="tx1"/>
+                      </a:solidFill>
+                      <a:prstDash val="solid"/>
+                      <a:round/>
+                      <a:headEnd type="none" w="med" len="med"/>
+                      <a:tailEnd type="none" w="med" len="med"/>
+                    </a:lnR>
+                    <a:lnT w="12700" cap="flat" cmpd="sng" algn="ctr">
+                      <a:solidFill>
+                        <a:schemeClr val="tx1"/>
+                      </a:solidFill>
+                      <a:prstDash val="solid"/>
+                      <a:round/>
+                      <a:headEnd type="none" w="med" len="med"/>
+                      <a:tailEnd type="none" w="med" len="med"/>
+                    </a:lnT>
+                    <a:lnB w="12700" cap="flat" cmpd="sng" algn="ctr">
+                      <a:solidFill>
+                        <a:schemeClr val="tx1"/>
+                      </a:solidFill>
+                      <a:prstDash val="solid"/>
+                      <a:round/>
+                      <a:headEnd type="none" w="med" len="med"/>
+                      <a:tailEnd type="none" w="med" len="med"/>
+                    </a:lnB>
+                    <a:lnTlToBr>
+                      <a:noFill/>
+                    </a:lnTlToBr>
+                    <a:lnBlToTr>
+                      <a:noFill/>
+                    </a:lnBlToTr>
+                    <a:solidFill>
+                      <a:srgbClr val="EAEAEA"/>
+                    </a:solidFill>
+                  </a:tcPr>
+                </a:tc>
+                <a:tc>
+                  <a:txBody>
+                    <a:bodyPr/>
+                    <a:lstStyle/>
+                    <a:p>
+                      <a:pPr marL="0" marR="0" lvl="0" indent="0" algn="l" defTabSz="914400" rtl="0" eaLnBrk="0" fontAlgn="base" latinLnBrk="0" hangingPunct="0">
+                        <a:lnSpc>
+                          <a:spcPct val="95000"/>
+                        </a:lnSpc>
+                        <a:spcBef>
+                          <a:spcPct val="0"/>
+                        </a:spcBef>
+                        <a:spcAft>
+                          <a:spcPct val="0"/>
+                        </a:spcAft>
+                        <a:buClrTx/>
+                        <a:buSzTx/>
+                        <a:buFontTx/>
+                        <a:buNone/>
+                        <a:tabLst/>
+                      </a:pPr>
+                      <a:r>
+                        <a:rPr kumimoji="0" lang="de-DE" sz="1000" b="1" i="0" u="none" strike="noStrike" cap="none" normalizeH="0" baseline="0" dirty="0">
+                          <a:ln>
+                            <a:noFill/>
+                          </a:ln>
+                          <a:solidFill>
+                            <a:schemeClr val="tx1"/>
+                          </a:solidFill>
+                          <a:effectLst/>
+                          <a:latin typeface="Calibri" pitchFamily="34" charset="0"/>
+                          <a:cs typeface="Arial" charset="0"/>
+                        </a:rPr>
                         <a:t>Berichtsperiode: KW 10-2017</a:t>
                       </a:r>
                     </a:p>
@@ -13583,7 +18805,7 @@
 </p:sld>
 </file>
 
-<file path=ppt/slides/slide3.xml><?xml version="1.0" encoding="utf-8"?>
+<file path=ppt/slides/slide4.xml><?xml version="1.0" encoding="utf-8"?>
 <p:sld xmlns:a="http://schemas.openxmlformats.org/drawingml/2006/main" xmlns:r="http://schemas.openxmlformats.org/officeDocument/2006/relationships" xmlns:p="http://schemas.openxmlformats.org/presentationml/2006/main">
   <p:cSld>
     <p:spTree>
